--- a/NBA.pptx
+++ b/NBA.pptx
@@ -5,7 +5,7 @@
     <p:sldMasterId id="2147483648" r:id="rId1"/>
   </p:sldMasterIdLst>
   <p:notesMasterIdLst>
-    <p:notesMasterId r:id="rId37"/>
+    <p:notesMasterId r:id="rId49"/>
   </p:notesMasterIdLst>
   <p:sldIdLst>
     <p:sldId id="256" r:id="rId2"/>
@@ -21,28 +21,40 @@
     <p:sldId id="297" r:id="rId12"/>
     <p:sldId id="299" r:id="rId13"/>
     <p:sldId id="295" r:id="rId14"/>
-    <p:sldId id="277" r:id="rId15"/>
-    <p:sldId id="272" r:id="rId16"/>
-    <p:sldId id="283" r:id="rId17"/>
-    <p:sldId id="298" r:id="rId18"/>
-    <p:sldId id="300" r:id="rId19"/>
-    <p:sldId id="261" r:id="rId20"/>
-    <p:sldId id="301" r:id="rId21"/>
-    <p:sldId id="302" r:id="rId22"/>
-    <p:sldId id="303" r:id="rId23"/>
-    <p:sldId id="304" r:id="rId24"/>
-    <p:sldId id="290" r:id="rId25"/>
-    <p:sldId id="291" r:id="rId26"/>
-    <p:sldId id="292" r:id="rId27"/>
-    <p:sldId id="294" r:id="rId28"/>
-    <p:sldId id="282" r:id="rId29"/>
-    <p:sldId id="273" r:id="rId30"/>
-    <p:sldId id="285" r:id="rId31"/>
-    <p:sldId id="284" r:id="rId32"/>
-    <p:sldId id="286" r:id="rId33"/>
-    <p:sldId id="287" r:id="rId34"/>
-    <p:sldId id="288" r:id="rId35"/>
-    <p:sldId id="296" r:id="rId36"/>
+    <p:sldId id="272" r:id="rId15"/>
+    <p:sldId id="283" r:id="rId16"/>
+    <p:sldId id="298" r:id="rId17"/>
+    <p:sldId id="300" r:id="rId18"/>
+    <p:sldId id="261" r:id="rId19"/>
+    <p:sldId id="301" r:id="rId20"/>
+    <p:sldId id="302" r:id="rId21"/>
+    <p:sldId id="303" r:id="rId22"/>
+    <p:sldId id="304" r:id="rId23"/>
+    <p:sldId id="290" r:id="rId24"/>
+    <p:sldId id="291" r:id="rId25"/>
+    <p:sldId id="292" r:id="rId26"/>
+    <p:sldId id="294" r:id="rId27"/>
+    <p:sldId id="306" r:id="rId28"/>
+    <p:sldId id="307" r:id="rId29"/>
+    <p:sldId id="308" r:id="rId30"/>
+    <p:sldId id="309" r:id="rId31"/>
+    <p:sldId id="310" r:id="rId32"/>
+    <p:sldId id="311" r:id="rId33"/>
+    <p:sldId id="312" r:id="rId34"/>
+    <p:sldId id="313" r:id="rId35"/>
+    <p:sldId id="314" r:id="rId36"/>
+    <p:sldId id="315" r:id="rId37"/>
+    <p:sldId id="316" r:id="rId38"/>
+    <p:sldId id="273" r:id="rId39"/>
+    <p:sldId id="285" r:id="rId40"/>
+    <p:sldId id="286" r:id="rId41"/>
+    <p:sldId id="305" r:id="rId42"/>
+    <p:sldId id="288" r:id="rId43"/>
+    <p:sldId id="317" r:id="rId44"/>
+    <p:sldId id="318" r:id="rId45"/>
+    <p:sldId id="319" r:id="rId46"/>
+    <p:sldId id="320" r:id="rId47"/>
+    <p:sldId id="296" r:id="rId48"/>
   </p:sldIdLst>
   <p:sldSz cx="12192000" cy="6858000"/>
   <p:notesSz cx="6858000" cy="9144000"/>
@@ -159,7 +171,6 @@
             <p14:sldId id="297"/>
             <p14:sldId id="299"/>
             <p14:sldId id="295"/>
-            <p14:sldId id="277"/>
             <p14:sldId id="272"/>
             <p14:sldId id="283"/>
             <p14:sldId id="298"/>
@@ -173,13 +184,26 @@
             <p14:sldId id="291"/>
             <p14:sldId id="292"/>
             <p14:sldId id="294"/>
-            <p14:sldId id="282"/>
+            <p14:sldId id="306"/>
+            <p14:sldId id="307"/>
+            <p14:sldId id="308"/>
+            <p14:sldId id="309"/>
+            <p14:sldId id="310"/>
+            <p14:sldId id="311"/>
+            <p14:sldId id="312"/>
+            <p14:sldId id="313"/>
+            <p14:sldId id="314"/>
+            <p14:sldId id="315"/>
+            <p14:sldId id="316"/>
             <p14:sldId id="273"/>
             <p14:sldId id="285"/>
-            <p14:sldId id="284"/>
             <p14:sldId id="286"/>
-            <p14:sldId id="287"/>
+            <p14:sldId id="305"/>
             <p14:sldId id="288"/>
+            <p14:sldId id="317"/>
+            <p14:sldId id="318"/>
+            <p14:sldId id="319"/>
+            <p14:sldId id="320"/>
             <p14:sldId id="296"/>
           </p14:sldIdLst>
         </p14:section>
@@ -252,7 +276,7 @@
             </a:lvl1pPr>
           </a:lstStyle>
           <a:p>
-            <a:endParaRPr lang="en-US"/>
+            <a:endParaRPr lang="en-US" dirty="0"/>
           </a:p>
         </p:txBody>
       </p:sp>
@@ -287,7 +311,7 @@
               <a:rPr lang="en-US" smtClean="0"/>
               <a:t>5/4/23</a:t>
             </a:fld>
-            <a:endParaRPr lang="en-US"/>
+            <a:endParaRPr lang="en-US" dirty="0"/>
           </a:p>
         </p:txBody>
       </p:sp>
@@ -320,7 +344,7 @@
           <a:bodyPr vert="horz" lIns="91440" tIns="45720" rIns="91440" bIns="45720" rtlCol="0" anchor="ctr"/>
           <a:lstStyle/>
           <a:p>
-            <a:endParaRPr lang="en-US"/>
+            <a:endParaRPr lang="en-US" dirty="0"/>
           </a:p>
         </p:txBody>
       </p:sp>
@@ -410,7 +434,7 @@
             </a:lvl1pPr>
           </a:lstStyle>
           <a:p>
-            <a:endParaRPr lang="en-US"/>
+            <a:endParaRPr lang="en-US" dirty="0"/>
           </a:p>
         </p:txBody>
       </p:sp>
@@ -445,7 +469,7 @@
               <a:rPr lang="en-US" smtClean="0"/>
               <a:t>‹#›</a:t>
             </a:fld>
-            <a:endParaRPr lang="en-US"/>
+            <a:endParaRPr lang="en-US" dirty="0"/>
           </a:p>
         </p:txBody>
       </p:sp>
@@ -748,9 +772,9 @@
           <a:p>
             <a:fld id="{7CE02DDE-5292-304A-AA17-8105D6E6D60D}" type="slidenum">
               <a:rPr lang="en-US" smtClean="0"/>
-              <a:t>19</a:t>
+              <a:t>18</a:t>
             </a:fld>
-            <a:endParaRPr lang="en-US"/>
+            <a:endParaRPr lang="en-US" dirty="0"/>
           </a:p>
         </p:txBody>
       </p:sp>
@@ -859,9 +883,9 @@
           <a:p>
             <a:fld id="{7CE02DDE-5292-304A-AA17-8105D6E6D60D}" type="slidenum">
               <a:rPr lang="en-US" smtClean="0"/>
-              <a:t>20</a:t>
+              <a:t>19</a:t>
             </a:fld>
-            <a:endParaRPr lang="en-US"/>
+            <a:endParaRPr lang="en-US" dirty="0"/>
           </a:p>
         </p:txBody>
       </p:sp>
@@ -974,9 +998,9 @@
           <a:p>
             <a:fld id="{7CE02DDE-5292-304A-AA17-8105D6E6D60D}" type="slidenum">
               <a:rPr lang="en-US" smtClean="0"/>
-              <a:t>21</a:t>
+              <a:t>20</a:t>
             </a:fld>
-            <a:endParaRPr lang="en-US"/>
+            <a:endParaRPr lang="en-US" dirty="0"/>
           </a:p>
         </p:txBody>
       </p:sp>
@@ -1095,9 +1119,9 @@
           <a:p>
             <a:fld id="{7CE02DDE-5292-304A-AA17-8105D6E6D60D}" type="slidenum">
               <a:rPr lang="en-US" smtClean="0"/>
-              <a:t>22</a:t>
+              <a:t>21</a:t>
             </a:fld>
-            <a:endParaRPr lang="en-US"/>
+            <a:endParaRPr lang="en-US" dirty="0"/>
           </a:p>
         </p:txBody>
       </p:sp>
@@ -1216,9 +1240,9 @@
           <a:p>
             <a:fld id="{7CE02DDE-5292-304A-AA17-8105D6E6D60D}" type="slidenum">
               <a:rPr lang="en-US" smtClean="0"/>
-              <a:t>23</a:t>
+              <a:t>22</a:t>
             </a:fld>
-            <a:endParaRPr lang="en-US"/>
+            <a:endParaRPr lang="en-US" dirty="0"/>
           </a:p>
         </p:txBody>
       </p:sp>
@@ -1384,7 +1408,7 @@
               <a:rPr lang="en-US" smtClean="0"/>
               <a:t>5/4/23</a:t>
             </a:fld>
-            <a:endParaRPr lang="en-US"/>
+            <a:endParaRPr lang="en-US" dirty="0"/>
           </a:p>
         </p:txBody>
       </p:sp>
@@ -1409,7 +1433,7 @@
           <a:bodyPr/>
           <a:lstStyle/>
           <a:p>
-            <a:endParaRPr lang="en-US"/>
+            <a:endParaRPr lang="en-US" dirty="0"/>
           </a:p>
         </p:txBody>
       </p:sp>
@@ -1438,7 +1462,7 @@
               <a:rPr lang="en-US" smtClean="0"/>
               <a:t>‹#›</a:t>
             </a:fld>
-            <a:endParaRPr lang="en-US"/>
+            <a:endParaRPr lang="en-US" dirty="0"/>
           </a:p>
         </p:txBody>
       </p:sp>
@@ -1582,7 +1606,7 @@
               <a:rPr lang="en-US" smtClean="0"/>
               <a:t>5/4/23</a:t>
             </a:fld>
-            <a:endParaRPr lang="en-US"/>
+            <a:endParaRPr lang="en-US" dirty="0"/>
           </a:p>
         </p:txBody>
       </p:sp>
@@ -1607,7 +1631,7 @@
           <a:bodyPr/>
           <a:lstStyle/>
           <a:p>
-            <a:endParaRPr lang="en-US"/>
+            <a:endParaRPr lang="en-US" dirty="0"/>
           </a:p>
         </p:txBody>
       </p:sp>
@@ -1636,7 +1660,7 @@
               <a:rPr lang="en-US" smtClean="0"/>
               <a:t>‹#›</a:t>
             </a:fld>
-            <a:endParaRPr lang="en-US"/>
+            <a:endParaRPr lang="en-US" dirty="0"/>
           </a:p>
         </p:txBody>
       </p:sp>
@@ -1790,7 +1814,7 @@
               <a:rPr lang="en-US" smtClean="0"/>
               <a:t>5/4/23</a:t>
             </a:fld>
-            <a:endParaRPr lang="en-US"/>
+            <a:endParaRPr lang="en-US" dirty="0"/>
           </a:p>
         </p:txBody>
       </p:sp>
@@ -1815,7 +1839,7 @@
           <a:bodyPr/>
           <a:lstStyle/>
           <a:p>
-            <a:endParaRPr lang="en-US"/>
+            <a:endParaRPr lang="en-US" dirty="0"/>
           </a:p>
         </p:txBody>
       </p:sp>
@@ -1844,7 +1868,7 @@
               <a:rPr lang="en-US" smtClean="0"/>
               <a:t>‹#›</a:t>
             </a:fld>
-            <a:endParaRPr lang="en-US"/>
+            <a:endParaRPr lang="en-US" dirty="0"/>
           </a:p>
         </p:txBody>
       </p:sp>
@@ -1988,7 +2012,7 @@
               <a:rPr lang="en-US" smtClean="0"/>
               <a:t>5/4/23</a:t>
             </a:fld>
-            <a:endParaRPr lang="en-US"/>
+            <a:endParaRPr lang="en-US" dirty="0"/>
           </a:p>
         </p:txBody>
       </p:sp>
@@ -2013,7 +2037,7 @@
           <a:bodyPr/>
           <a:lstStyle/>
           <a:p>
-            <a:endParaRPr lang="en-US"/>
+            <a:endParaRPr lang="en-US" dirty="0"/>
           </a:p>
         </p:txBody>
       </p:sp>
@@ -2042,7 +2066,7 @@
               <a:rPr lang="en-US" smtClean="0"/>
               <a:t>‹#›</a:t>
             </a:fld>
-            <a:endParaRPr lang="en-US"/>
+            <a:endParaRPr lang="en-US" dirty="0"/>
           </a:p>
         </p:txBody>
       </p:sp>
@@ -2263,7 +2287,7 @@
               <a:rPr lang="en-US" smtClean="0"/>
               <a:t>5/4/23</a:t>
             </a:fld>
-            <a:endParaRPr lang="en-US"/>
+            <a:endParaRPr lang="en-US" dirty="0"/>
           </a:p>
         </p:txBody>
       </p:sp>
@@ -2288,7 +2312,7 @@
           <a:bodyPr/>
           <a:lstStyle/>
           <a:p>
-            <a:endParaRPr lang="en-US"/>
+            <a:endParaRPr lang="en-US" dirty="0"/>
           </a:p>
         </p:txBody>
       </p:sp>
@@ -2317,7 +2341,7 @@
               <a:rPr lang="en-US" smtClean="0"/>
               <a:t>‹#›</a:t>
             </a:fld>
-            <a:endParaRPr lang="en-US"/>
+            <a:endParaRPr lang="en-US" dirty="0"/>
           </a:p>
         </p:txBody>
       </p:sp>
@@ -2528,7 +2552,7 @@
               <a:rPr lang="en-US" smtClean="0"/>
               <a:t>5/4/23</a:t>
             </a:fld>
-            <a:endParaRPr lang="en-US"/>
+            <a:endParaRPr lang="en-US" dirty="0"/>
           </a:p>
         </p:txBody>
       </p:sp>
@@ -2553,7 +2577,7 @@
           <a:bodyPr/>
           <a:lstStyle/>
           <a:p>
-            <a:endParaRPr lang="en-US"/>
+            <a:endParaRPr lang="en-US" dirty="0"/>
           </a:p>
         </p:txBody>
       </p:sp>
@@ -2582,7 +2606,7 @@
               <a:rPr lang="en-US" smtClean="0"/>
               <a:t>‹#›</a:t>
             </a:fld>
-            <a:endParaRPr lang="en-US"/>
+            <a:endParaRPr lang="en-US" dirty="0"/>
           </a:p>
         </p:txBody>
       </p:sp>
@@ -2940,7 +2964,7 @@
               <a:rPr lang="en-US" smtClean="0"/>
               <a:t>5/4/23</a:t>
             </a:fld>
-            <a:endParaRPr lang="en-US"/>
+            <a:endParaRPr lang="en-US" dirty="0"/>
           </a:p>
         </p:txBody>
       </p:sp>
@@ -2965,7 +2989,7 @@
           <a:bodyPr/>
           <a:lstStyle/>
           <a:p>
-            <a:endParaRPr lang="en-US"/>
+            <a:endParaRPr lang="en-US" dirty="0"/>
           </a:p>
         </p:txBody>
       </p:sp>
@@ -2994,7 +3018,7 @@
               <a:rPr lang="en-US" smtClean="0"/>
               <a:t>‹#›</a:t>
             </a:fld>
-            <a:endParaRPr lang="en-US"/>
+            <a:endParaRPr lang="en-US" dirty="0"/>
           </a:p>
         </p:txBody>
       </p:sp>
@@ -3081,7 +3105,7 @@
               <a:rPr lang="en-US" smtClean="0"/>
               <a:t>5/4/23</a:t>
             </a:fld>
-            <a:endParaRPr lang="en-US"/>
+            <a:endParaRPr lang="en-US" dirty="0"/>
           </a:p>
         </p:txBody>
       </p:sp>
@@ -3106,7 +3130,7 @@
           <a:bodyPr/>
           <a:lstStyle/>
           <a:p>
-            <a:endParaRPr lang="en-US"/>
+            <a:endParaRPr lang="en-US" dirty="0"/>
           </a:p>
         </p:txBody>
       </p:sp>
@@ -3135,7 +3159,7 @@
               <a:rPr lang="en-US" smtClean="0"/>
               <a:t>‹#›</a:t>
             </a:fld>
-            <a:endParaRPr lang="en-US"/>
+            <a:endParaRPr lang="en-US" dirty="0"/>
           </a:p>
         </p:txBody>
       </p:sp>
@@ -3194,7 +3218,7 @@
               <a:rPr lang="en-US" smtClean="0"/>
               <a:t>5/4/23</a:t>
             </a:fld>
-            <a:endParaRPr lang="en-US"/>
+            <a:endParaRPr lang="en-US" dirty="0"/>
           </a:p>
         </p:txBody>
       </p:sp>
@@ -3219,7 +3243,7 @@
           <a:bodyPr/>
           <a:lstStyle/>
           <a:p>
-            <a:endParaRPr lang="en-US"/>
+            <a:endParaRPr lang="en-US" dirty="0"/>
           </a:p>
         </p:txBody>
       </p:sp>
@@ -3248,7 +3272,7 @@
               <a:rPr lang="en-US" smtClean="0"/>
               <a:t>‹#›</a:t>
             </a:fld>
-            <a:endParaRPr lang="en-US"/>
+            <a:endParaRPr lang="en-US" dirty="0"/>
           </a:p>
         </p:txBody>
       </p:sp>
@@ -3505,7 +3529,7 @@
               <a:rPr lang="en-US" smtClean="0"/>
               <a:t>5/4/23</a:t>
             </a:fld>
-            <a:endParaRPr lang="en-US"/>
+            <a:endParaRPr lang="en-US" dirty="0"/>
           </a:p>
         </p:txBody>
       </p:sp>
@@ -3530,7 +3554,7 @@
           <a:bodyPr/>
           <a:lstStyle/>
           <a:p>
-            <a:endParaRPr lang="en-US"/>
+            <a:endParaRPr lang="en-US" dirty="0"/>
           </a:p>
         </p:txBody>
       </p:sp>
@@ -3559,7 +3583,7 @@
               <a:rPr lang="en-US" smtClean="0"/>
               <a:t>‹#›</a:t>
             </a:fld>
-            <a:endParaRPr lang="en-US"/>
+            <a:endParaRPr lang="en-US" dirty="0"/>
           </a:p>
         </p:txBody>
       </p:sp>
@@ -3693,7 +3717,7 @@
             </a:lvl9pPr>
           </a:lstStyle>
           <a:p>
-            <a:endParaRPr lang="en-US"/>
+            <a:endParaRPr lang="en-US" dirty="0"/>
           </a:p>
         </p:txBody>
       </p:sp>
@@ -3793,7 +3817,7 @@
               <a:rPr lang="en-US" smtClean="0"/>
               <a:t>5/4/23</a:t>
             </a:fld>
-            <a:endParaRPr lang="en-US"/>
+            <a:endParaRPr lang="en-US" dirty="0"/>
           </a:p>
         </p:txBody>
       </p:sp>
@@ -3818,7 +3842,7 @@
           <a:bodyPr/>
           <a:lstStyle/>
           <a:p>
-            <a:endParaRPr lang="en-US"/>
+            <a:endParaRPr lang="en-US" dirty="0"/>
           </a:p>
         </p:txBody>
       </p:sp>
@@ -3847,7 +3871,7 @@
               <a:rPr lang="en-US" smtClean="0"/>
               <a:t>‹#›</a:t>
             </a:fld>
-            <a:endParaRPr lang="en-US"/>
+            <a:endParaRPr lang="en-US" dirty="0"/>
           </a:p>
         </p:txBody>
       </p:sp>
@@ -4034,7 +4058,7 @@
               <a:rPr lang="en-US" smtClean="0"/>
               <a:t>5/4/23</a:t>
             </a:fld>
-            <a:endParaRPr lang="en-US"/>
+            <a:endParaRPr lang="en-US" dirty="0"/>
           </a:p>
         </p:txBody>
       </p:sp>
@@ -4077,7 +4101,7 @@
             </a:lvl1pPr>
           </a:lstStyle>
           <a:p>
-            <a:endParaRPr lang="en-US"/>
+            <a:endParaRPr lang="en-US" dirty="0"/>
           </a:p>
         </p:txBody>
       </p:sp>
@@ -4124,7 +4148,7 @@
               <a:rPr lang="en-US" smtClean="0"/>
               <a:t>‹#›</a:t>
             </a:fld>
-            <a:endParaRPr lang="en-US"/>
+            <a:endParaRPr lang="en-US" dirty="0"/>
           </a:p>
         </p:txBody>
       </p:sp>
@@ -4467,13 +4491,13 @@
         </p:nvSpPr>
         <p:spPr>
           <a:xfrm>
-            <a:off x="838200" y="365125"/>
-            <a:ext cx="10515600" cy="5761355"/>
+            <a:off x="838200" y="1177675"/>
+            <a:ext cx="10515600" cy="4502649"/>
           </a:xfrm>
         </p:spPr>
         <p:txBody>
           <a:bodyPr>
-            <a:normAutofit/>
+            <a:normAutofit fontScale="90000"/>
           </a:bodyPr>
           <a:lstStyle/>
           <a:p>
@@ -4485,15 +4509,21 @@
             <a:br>
               <a:rPr lang="en-US" sz="4800" dirty="0"/>
             </a:br>
+            <a:br>
+              <a:rPr lang="en-US" sz="4800" dirty="0"/>
+            </a:br>
             <a:r>
               <a:rPr lang="en-US" dirty="0"/>
               <a:t>of the </a:t>
             </a:r>
+            <a:br>
+              <a:rPr lang="en-US" dirty="0"/>
+            </a:br>
             <a:br>
               <a:rPr lang="en-US" sz="5400" dirty="0"/>
             </a:br>
             <a:r>
-              <a:rPr lang="en-US" sz="6000" b="1" dirty="0"/>
+              <a:rPr lang="en-US" sz="7300" b="1" dirty="0"/>
               <a:t>Orlando Magic</a:t>
             </a:r>
             <a:br>
@@ -4580,13 +4610,8 @@
           <a:p>
             <a:r>
               <a:rPr lang="en-US" dirty="0"/>
-              <a:t>Data was collected through the python module </a:t>
-            </a:r>
-            <a:r>
-              <a:rPr lang="en-US" dirty="0" err="1"/>
-              <a:t>nba_api</a:t>
-            </a:r>
-            <a:endParaRPr lang="en-US" dirty="0"/>
+              <a:t>Data was collected through the python module nba_api</a:t>
+            </a:r>
           </a:p>
           <a:p>
             <a:r>
@@ -5028,41 +5053,70 @@
             <p:ph type="title"/>
           </p:nvPr>
         </p:nvSpPr>
-        <p:spPr/>
-        <p:txBody>
-          <a:bodyPr/>
-          <a:lstStyle/>
-          <a:p>
-            <a:r>
-              <a:rPr lang="en-US" dirty="0"/>
-              <a:t>Dario</a:t>
-            </a:r>
-          </a:p>
-        </p:txBody>
-      </p:sp>
-      <p:sp>
-        <p:nvSpPr>
-          <p:cNvPr id="3" name="Content Placeholder 2"/>
-          <p:cNvSpPr>
-            <a:spLocks noGrp="1"/>
-          </p:cNvSpPr>
-          <p:nvPr>
-            <p:ph idx="1"/>
-          </p:nvPr>
-        </p:nvSpPr>
-        <p:spPr/>
-        <p:txBody>
-          <a:bodyPr/>
-          <a:lstStyle/>
-          <a:p>
-            <a:endParaRPr lang="en-US" dirty="0"/>
+        <p:spPr>
+          <a:xfrm>
+            <a:off x="844550" y="1718238"/>
+            <a:ext cx="10515600" cy="1427874"/>
+          </a:xfrm>
+        </p:spPr>
+        <p:txBody>
+          <a:bodyPr>
+            <a:normAutofit/>
+          </a:bodyPr>
+          <a:lstStyle/>
+          <a:p>
+            <a:pPr algn="ctr"/>
+            <a:r>
+              <a:rPr lang="en-US" dirty="0">
+                <a:solidFill>
+                  <a:prstClr val="black"/>
+                </a:solidFill>
+              </a:rPr>
+              <a:t>SECTION 4</a:t>
+            </a:r>
+            <a:endParaRPr lang="en-US" sz="2400" dirty="0"/>
+          </a:p>
+        </p:txBody>
+      </p:sp>
+      <p:sp>
+        <p:nvSpPr>
+          <p:cNvPr id="3" name="Text Placeholder 2"/>
+          <p:cNvSpPr>
+            <a:spLocks noGrp="1"/>
+          </p:cNvSpPr>
+          <p:nvPr>
+            <p:ph type="body" idx="1"/>
+          </p:nvPr>
+        </p:nvSpPr>
+        <p:spPr>
+          <a:xfrm>
+            <a:off x="844550" y="3928398"/>
+            <a:ext cx="10515600" cy="818775"/>
+          </a:xfrm>
+        </p:spPr>
+        <p:txBody>
+          <a:bodyPr>
+            <a:noAutofit/>
+          </a:bodyPr>
+          <a:lstStyle/>
+          <a:p>
+            <a:pPr algn="ctr"/>
+            <a:r>
+              <a:rPr lang="en-US" sz="2800" dirty="0">
+                <a:solidFill>
+                  <a:prstClr val="black"/>
+                </a:solidFill>
+              </a:rPr>
+              <a:t>Results and conclusions of the analysis</a:t>
+            </a:r>
+            <a:endParaRPr lang="en-US" sz="2800" dirty="0"/>
           </a:p>
         </p:txBody>
       </p:sp>
     </p:spTree>
     <p:extLst>
       <p:ext uri="{BB962C8B-B14F-4D97-AF65-F5344CB8AC3E}">
-        <p14:creationId xmlns:p14="http://schemas.microsoft.com/office/powerpoint/2010/main" val="3429720316"/>
+        <p14:creationId xmlns:p14="http://schemas.microsoft.com/office/powerpoint/2010/main" val="3578810854"/>
       </p:ext>
     </p:extLst>
   </p:cSld>
@@ -5099,70 +5153,116 @@
             <p:ph type="title"/>
           </p:nvPr>
         </p:nvSpPr>
+        <p:spPr/>
+        <p:txBody>
+          <a:bodyPr/>
+          <a:lstStyle/>
+          <a:p>
+            <a:pPr algn="ctr"/>
+            <a:r>
+              <a:rPr lang="en-US" sz="3600" b="1" dirty="0"/>
+              <a:t>Question 1 – Regular Season vs Playoff Percentage</a:t>
+            </a:r>
+            <a:endParaRPr lang="en-US" sz="3600" dirty="0"/>
+          </a:p>
+        </p:txBody>
+      </p:sp>
+      <p:pic>
+        <p:nvPicPr>
+          <p:cNvPr id="4" name="Content Placeholder 3"/>
+          <p:cNvPicPr>
+            <a:picLocks noGrp="1" noChangeAspect="1"/>
+          </p:cNvPicPr>
+          <p:nvPr>
+            <p:ph sz="half" idx="1"/>
+          </p:nvPr>
+        </p:nvPicPr>
+        <p:blipFill>
+          <a:blip r:embed="rId2">
+            <a:extLst>
+              <a:ext uri="{28A0092B-C50C-407E-A947-70E740481C1C}">
+                <a14:useLocalDpi xmlns:a14="http://schemas.microsoft.com/office/drawing/2010/main" val="0"/>
+              </a:ext>
+            </a:extLst>
+          </a:blip>
+          <a:stretch>
+            <a:fillRect/>
+          </a:stretch>
+        </p:blipFill>
         <p:spPr>
           <a:xfrm>
-            <a:off x="831850" y="239561"/>
-            <a:ext cx="10515600" cy="1427874"/>
-          </a:xfrm>
-        </p:spPr>
-        <p:txBody>
-          <a:bodyPr>
-            <a:normAutofit/>
-          </a:bodyPr>
-          <a:lstStyle/>
-          <a:p>
-            <a:pPr algn="ctr"/>
-            <a:r>
-              <a:rPr lang="en-US" dirty="0">
-                <a:solidFill>
-                  <a:prstClr val="black"/>
-                </a:solidFill>
-              </a:rPr>
-              <a:t>SECTION 4</a:t>
-            </a:r>
-            <a:endParaRPr lang="en-US" sz="2400" dirty="0"/>
-          </a:p>
-        </p:txBody>
-      </p:sp>
-      <p:sp>
-        <p:nvSpPr>
-          <p:cNvPr id="3" name="Text Placeholder 2"/>
-          <p:cNvSpPr>
-            <a:spLocks noGrp="1"/>
-          </p:cNvSpPr>
-          <p:nvPr>
-            <p:ph type="body" idx="1"/>
+            <a:off x="6583680" y="4092734"/>
+            <a:ext cx="4983480" cy="2590800"/>
+          </a:xfrm>
+        </p:spPr>
+      </p:pic>
+      <p:sp>
+        <p:nvSpPr>
+          <p:cNvPr id="6" name="Content Placeholder 5"/>
+          <p:cNvSpPr>
+            <a:spLocks noGrp="1"/>
+          </p:cNvSpPr>
+          <p:nvPr>
+            <p:ph sz="half" idx="2"/>
           </p:nvPr>
         </p:nvSpPr>
         <p:spPr>
           <a:xfrm>
-            <a:off x="831850" y="1721225"/>
-            <a:ext cx="10515600" cy="818775"/>
-          </a:xfrm>
-        </p:spPr>
-        <p:txBody>
-          <a:bodyPr>
-            <a:noAutofit/>
-          </a:bodyPr>
-          <a:lstStyle/>
-          <a:p>
-            <a:pPr algn="ctr"/>
-            <a:r>
-              <a:rPr lang="en-US" sz="2800" dirty="0">
-                <a:solidFill>
-                  <a:prstClr val="black"/>
-                </a:solidFill>
-              </a:rPr>
-              <a:t>Results and conclusions of the analysis</a:t>
-            </a:r>
-            <a:endParaRPr lang="en-US" sz="2800" dirty="0"/>
-          </a:p>
-        </p:txBody>
-      </p:sp>
+            <a:off x="655320" y="1825625"/>
+            <a:ext cx="4541520" cy="4351338"/>
+          </a:xfrm>
+        </p:spPr>
+        <p:txBody>
+          <a:bodyPr/>
+          <a:lstStyle/>
+          <a:p>
+            <a:r>
+              <a:rPr lang="en-US" dirty="0"/>
+              <a:t>The two-line plot data of regular season vs playoff games was used to determine the p value</a:t>
+            </a:r>
+          </a:p>
+          <a:p>
+            <a:r>
+              <a:rPr lang="en-US" dirty="0"/>
+              <a:t>The p value was calculated as 6.11315173e-05, which shows a strong correlation. </a:t>
+            </a:r>
+          </a:p>
+        </p:txBody>
+      </p:sp>
+      <p:pic>
+        <p:nvPicPr>
+          <p:cNvPr id="5" name="Picture 4"/>
+          <p:cNvPicPr>
+            <a:picLocks noChangeAspect="1"/>
+          </p:cNvPicPr>
+          <p:nvPr/>
+        </p:nvPicPr>
+        <p:blipFill>
+          <a:blip r:embed="rId3">
+            <a:extLst>
+              <a:ext uri="{28A0092B-C50C-407E-A947-70E740481C1C}">
+                <a14:useLocalDpi xmlns:a14="http://schemas.microsoft.com/office/drawing/2010/main" val="0"/>
+              </a:ext>
+            </a:extLst>
+          </a:blip>
+          <a:stretch>
+            <a:fillRect/>
+          </a:stretch>
+        </p:blipFill>
+        <p:spPr>
+          <a:xfrm>
+            <a:off x="6598920" y="1600200"/>
+            <a:ext cx="5003940" cy="2407920"/>
+          </a:xfrm>
+          <a:prstGeom prst="rect">
+            <a:avLst/>
+          </a:prstGeom>
+        </p:spPr>
+      </p:pic>
     </p:spTree>
     <p:extLst>
       <p:ext uri="{BB962C8B-B14F-4D97-AF65-F5344CB8AC3E}">
-        <p14:creationId xmlns:p14="http://schemas.microsoft.com/office/powerpoint/2010/main" val="3578810854"/>
+        <p14:creationId xmlns:p14="http://schemas.microsoft.com/office/powerpoint/2010/main" val="2896972427"/>
       </p:ext>
     </p:extLst>
   </p:cSld>
@@ -5201,26 +5301,33 @@
         </p:nvSpPr>
         <p:spPr/>
         <p:txBody>
-          <a:bodyPr/>
+          <a:bodyPr>
+            <a:normAutofit/>
+          </a:bodyPr>
           <a:lstStyle/>
           <a:p>
             <a:pPr algn="ctr"/>
             <a:r>
               <a:rPr lang="en-US" sz="3600" b="1" dirty="0"/>
-              <a:t>Question 1 – Regular Season vs Playoff Percentage</a:t>
-            </a:r>
-            <a:endParaRPr lang="en-US" sz="3600" dirty="0"/>
+              <a:t>Question 2 – Last Season vs Best/Worst Seasons</a:t>
+            </a:r>
           </a:p>
         </p:txBody>
       </p:sp>
       <p:pic>
         <p:nvPicPr>
-          <p:cNvPr id="4" name="Content Placeholder 3"/>
+          <p:cNvPr id="3" name="Content Placeholder 2" descr="Chart, bar chart, histogram&#10;&#10;Description automatically generated">
+            <a:extLst>
+              <a:ext uri="{FF2B5EF4-FFF2-40B4-BE49-F238E27FC236}">
+                <a16:creationId xmlns:a16="http://schemas.microsoft.com/office/drawing/2014/main" id="{18A37965-FA94-2800-5618-C59BF5FEDD9D}"/>
+              </a:ext>
+            </a:extLst>
+          </p:cNvPr>
           <p:cNvPicPr>
             <a:picLocks noGrp="1" noChangeAspect="1"/>
           </p:cNvPicPr>
           <p:nvPr>
-            <p:ph sz="half" idx="1"/>
+            <p:ph idx="1"/>
           </p:nvPr>
         </p:nvPicPr>
         <p:blipFill>
@@ -5231,53 +5338,34 @@
               </a:ext>
             </a:extLst>
           </a:blip>
+          <a:srcRect/>
           <a:stretch>
             <a:fillRect/>
           </a:stretch>
         </p:blipFill>
-        <p:spPr>
-          <a:xfrm>
-            <a:off x="6583680" y="4092734"/>
-            <a:ext cx="4983480" cy="2590800"/>
-          </a:xfrm>
+        <p:spPr bwMode="auto">
+          <a:xfrm>
+            <a:off x="431643" y="1619802"/>
+            <a:ext cx="2854483" cy="2721345"/>
+          </a:xfrm>
+          <a:prstGeom prst="rect">
+            <a:avLst/>
+          </a:prstGeom>
+          <a:noFill/>
+          <a:ln>
+            <a:noFill/>
+          </a:ln>
         </p:spPr>
       </p:pic>
-      <p:sp>
-        <p:nvSpPr>
-          <p:cNvPr id="6" name="Content Placeholder 5"/>
-          <p:cNvSpPr>
-            <a:spLocks noGrp="1"/>
-          </p:cNvSpPr>
-          <p:nvPr>
-            <p:ph sz="half" idx="2"/>
-          </p:nvPr>
-        </p:nvSpPr>
-        <p:spPr>
-          <a:xfrm>
-            <a:off x="655320" y="1825625"/>
-            <a:ext cx="4541520" cy="4351338"/>
-          </a:xfrm>
-        </p:spPr>
-        <p:txBody>
-          <a:bodyPr/>
-          <a:lstStyle/>
-          <a:p>
-            <a:r>
-              <a:rPr lang="en-US" dirty="0"/>
-              <a:t>The two-line plot data of regular season vs playoff games was used to determine the p value</a:t>
-            </a:r>
-          </a:p>
-          <a:p>
-            <a:r>
-              <a:rPr lang="en-US" dirty="0"/>
-              <a:t>The p value was calculated as 6.11315173e-05, which shows a strong correlation. </a:t>
-            </a:r>
-          </a:p>
-        </p:txBody>
-      </p:sp>
       <p:pic>
         <p:nvPicPr>
-          <p:cNvPr id="5" name="Picture 4"/>
+          <p:cNvPr id="5" name="Picture 4" descr="Chart, scatter chart&#10;&#10;Description automatically generated">
+            <a:extLst>
+              <a:ext uri="{FF2B5EF4-FFF2-40B4-BE49-F238E27FC236}">
+                <a16:creationId xmlns:a16="http://schemas.microsoft.com/office/drawing/2014/main" id="{3222F769-2358-55C2-F04C-E7E80DFFF16D}"/>
+              </a:ext>
+            </a:extLst>
+          </p:cNvPr>
           <p:cNvPicPr>
             <a:picLocks noChangeAspect="1"/>
           </p:cNvPicPr>
@@ -5291,24 +5379,164 @@
               </a:ext>
             </a:extLst>
           </a:blip>
+          <a:srcRect/>
           <a:stretch>
             <a:fillRect/>
           </a:stretch>
         </p:blipFill>
-        <p:spPr>
-          <a:xfrm>
-            <a:off x="6598920" y="1600200"/>
-            <a:ext cx="5003940" cy="2407920"/>
+        <p:spPr bwMode="auto">
+          <a:xfrm>
+            <a:off x="3772713" y="2301537"/>
+            <a:ext cx="3838038" cy="3271838"/>
           </a:xfrm>
           <a:prstGeom prst="rect">
             <a:avLst/>
           </a:prstGeom>
+          <a:noFill/>
+          <a:ln>
+            <a:noFill/>
+          </a:ln>
         </p:spPr>
       </p:pic>
+      <p:pic>
+        <p:nvPicPr>
+          <p:cNvPr id="6" name="Picture 5" descr="Chart, box and whisker chart&#10;&#10;Description automatically generated">
+            <a:extLst>
+              <a:ext uri="{FF2B5EF4-FFF2-40B4-BE49-F238E27FC236}">
+                <a16:creationId xmlns:a16="http://schemas.microsoft.com/office/drawing/2014/main" id="{22A32539-8CE3-25E1-BBA3-B665DEDA5BBF}"/>
+              </a:ext>
+            </a:extLst>
+          </p:cNvPr>
+          <p:cNvPicPr>
+            <a:picLocks noChangeAspect="1"/>
+          </p:cNvPicPr>
+          <p:nvPr/>
+        </p:nvPicPr>
+        <p:blipFill>
+          <a:blip r:embed="rId4">
+            <a:extLst>
+              <a:ext uri="{28A0092B-C50C-407E-A947-70E740481C1C}">
+                <a14:useLocalDpi xmlns:a14="http://schemas.microsoft.com/office/drawing/2010/main" val="0"/>
+              </a:ext>
+            </a:extLst>
+          </a:blip>
+          <a:srcRect/>
+          <a:stretch>
+            <a:fillRect/>
+          </a:stretch>
+        </p:blipFill>
+        <p:spPr bwMode="auto">
+          <a:xfrm>
+            <a:off x="8082237" y="3614942"/>
+            <a:ext cx="3271563" cy="2863113"/>
+          </a:xfrm>
+          <a:prstGeom prst="rect">
+            <a:avLst/>
+          </a:prstGeom>
+          <a:noFill/>
+          <a:ln>
+            <a:noFill/>
+          </a:ln>
+        </p:spPr>
+      </p:pic>
+      <p:sp>
+        <p:nvSpPr>
+          <p:cNvPr id="7" name="TextBox 6">
+            <a:extLst>
+              <a:ext uri="{FF2B5EF4-FFF2-40B4-BE49-F238E27FC236}">
+                <a16:creationId xmlns:a16="http://schemas.microsoft.com/office/drawing/2014/main" id="{7BD06AD1-0A1A-6ABB-FE68-1DE69ED54200}"/>
+              </a:ext>
+            </a:extLst>
+          </p:cNvPr>
+          <p:cNvSpPr txBox="1"/>
+          <p:nvPr/>
+        </p:nvSpPr>
+        <p:spPr>
+          <a:xfrm>
+            <a:off x="265171" y="4557713"/>
+            <a:ext cx="3492441" cy="2031325"/>
+          </a:xfrm>
+          <a:prstGeom prst="rect">
+            <a:avLst/>
+          </a:prstGeom>
+          <a:noFill/>
+        </p:spPr>
+        <p:txBody>
+          <a:bodyPr wrap="square" rtlCol="0">
+            <a:spAutoFit/>
+          </a:bodyPr>
+          <a:lstStyle/>
+          <a:p>
+            <a:pPr marL="285750" indent="-285750">
+              <a:buFont typeface="Arial" panose="020B0604020202020204" pitchFamily="34" charset="0"/>
+              <a:buChar char="•"/>
+            </a:pPr>
+            <a:r>
+              <a:rPr lang="en-US" sz="1800" kern="100" dirty="0">
+                <a:effectLst/>
+                <a:latin typeface="Calibri" panose="020F0502020204030204" pitchFamily="34" charset="0"/>
+                <a:ea typeface="Calibri" panose="020F0502020204030204" pitchFamily="34" charset="0"/>
+                <a:cs typeface="Times New Roman" panose="02020603050405020304" pitchFamily="18" charset="0"/>
+              </a:rPr>
+              <a:t>In the 2022-2023 season, the Orlando Magic performed slightly below average (0.415 W/L%) compared to their 32 previous seasons dating back to 1989 (0.468 W/L%).</a:t>
+            </a:r>
+          </a:p>
+          <a:p>
+            <a:endParaRPr lang="en-US" dirty="0"/>
+          </a:p>
+        </p:txBody>
+      </p:sp>
+      <p:sp>
+        <p:nvSpPr>
+          <p:cNvPr id="8" name="TextBox 7">
+            <a:extLst>
+              <a:ext uri="{FF2B5EF4-FFF2-40B4-BE49-F238E27FC236}">
+                <a16:creationId xmlns:a16="http://schemas.microsoft.com/office/drawing/2014/main" id="{FF7D4CEC-2BD3-1EC7-711A-DC6ADEDD204B}"/>
+              </a:ext>
+            </a:extLst>
+          </p:cNvPr>
+          <p:cNvSpPr txBox="1"/>
+          <p:nvPr/>
+        </p:nvSpPr>
+        <p:spPr>
+          <a:xfrm>
+            <a:off x="7971797" y="1710290"/>
+            <a:ext cx="3492441" cy="1754326"/>
+          </a:xfrm>
+          <a:prstGeom prst="rect">
+            <a:avLst/>
+          </a:prstGeom>
+          <a:noFill/>
+        </p:spPr>
+        <p:txBody>
+          <a:bodyPr wrap="square" rtlCol="0">
+            <a:spAutoFit/>
+          </a:bodyPr>
+          <a:lstStyle/>
+          <a:p>
+            <a:pPr marL="285750" indent="-285750">
+              <a:buFont typeface="Arial" panose="020B0604020202020204" pitchFamily="34" charset="0"/>
+              <a:buChar char="•"/>
+            </a:pPr>
+            <a:r>
+              <a:rPr lang="en-US" sz="1800" kern="100" dirty="0">
+                <a:effectLst/>
+                <a:latin typeface="Calibri" panose="020F0502020204030204" pitchFamily="34" charset="0"/>
+                <a:ea typeface="Calibri" panose="020F0502020204030204" pitchFamily="34" charset="0"/>
+                <a:cs typeface="Times New Roman" panose="02020603050405020304" pitchFamily="18" charset="0"/>
+              </a:rPr>
+              <a:t>Compared to their 5 best seasons, players’ average years of experience prior to the start of the season was 2.5 years lower in 2022-2023.</a:t>
+            </a:r>
+          </a:p>
+          <a:p>
+            <a:endParaRPr lang="en-US" dirty="0"/>
+          </a:p>
+        </p:txBody>
+      </p:sp>
     </p:spTree>
     <p:extLst>
       <p:ext uri="{BB962C8B-B14F-4D97-AF65-F5344CB8AC3E}">
-        <p14:creationId xmlns:p14="http://schemas.microsoft.com/office/powerpoint/2010/main" val="2896972427"/>
+        <p14:creationId xmlns:p14="http://schemas.microsoft.com/office/powerpoint/2010/main" val="14831185"/>
       </p:ext>
     </p:extLst>
   </p:cSld>
@@ -5347,242 +5575,121 @@
         </p:nvSpPr>
         <p:spPr/>
         <p:txBody>
-          <a:bodyPr>
-            <a:normAutofit/>
-          </a:bodyPr>
-          <a:lstStyle/>
-          <a:p>
-            <a:pPr algn="ctr"/>
-            <a:r>
-              <a:rPr lang="en-US" sz="3600" b="1" dirty="0"/>
-              <a:t>Question 2 – Last Season vs Best/Worst Seasons</a:t>
-            </a:r>
-          </a:p>
-        </p:txBody>
-      </p:sp>
-      <p:pic>
-        <p:nvPicPr>
-          <p:cNvPr id="3" name="Content Placeholder 2" descr="Chart, bar chart, histogram&#10;&#10;Description automatically generated">
-            <a:extLst>
-              <a:ext uri="{FF2B5EF4-FFF2-40B4-BE49-F238E27FC236}">
-                <a16:creationId xmlns:a16="http://schemas.microsoft.com/office/drawing/2014/main" id="{18A37965-FA94-2800-5618-C59BF5FEDD9D}"/>
-              </a:ext>
-            </a:extLst>
-          </p:cNvPr>
-          <p:cNvPicPr>
-            <a:picLocks noGrp="1" noChangeAspect="1"/>
-          </p:cNvPicPr>
+          <a:bodyPr/>
+          <a:lstStyle/>
+          <a:p>
+            <a:r>
+              <a:rPr lang="en-US" sz="3200" b="1" dirty="0">
+                <a:solidFill>
+                  <a:prstClr val="black"/>
+                </a:solidFill>
+              </a:rPr>
+              <a:t>Question 3 – How Does the Magic Compare to the League</a:t>
+            </a:r>
+            <a:endParaRPr lang="en-US" dirty="0"/>
+          </a:p>
+        </p:txBody>
+      </p:sp>
+      <p:sp>
+        <p:nvSpPr>
+          <p:cNvPr id="4" name="Content Placeholder 3"/>
+          <p:cNvSpPr>
+            <a:spLocks noGrp="1"/>
+          </p:cNvSpPr>
           <p:nvPr>
             <p:ph idx="1"/>
           </p:nvPr>
-        </p:nvPicPr>
-        <p:blipFill>
-          <a:blip r:embed="rId2">
-            <a:extLst>
-              <a:ext uri="{28A0092B-C50C-407E-A947-70E740481C1C}">
-                <a14:useLocalDpi xmlns:a14="http://schemas.microsoft.com/office/drawing/2010/main" val="0"/>
-              </a:ext>
-            </a:extLst>
-          </a:blip>
-          <a:srcRect/>
-          <a:stretch>
-            <a:fillRect/>
-          </a:stretch>
-        </p:blipFill>
-        <p:spPr bwMode="auto">
-          <a:xfrm>
-            <a:off x="431643" y="1619802"/>
-            <a:ext cx="2854483" cy="2721345"/>
-          </a:xfrm>
-          <a:prstGeom prst="rect">
-            <a:avLst/>
-          </a:prstGeom>
-          <a:noFill/>
-          <a:ln>
-            <a:noFill/>
-          </a:ln>
-        </p:spPr>
-      </p:pic>
-      <p:pic>
-        <p:nvPicPr>
-          <p:cNvPr id="5" name="Picture 4" descr="Chart, scatter chart&#10;&#10;Description automatically generated">
-            <a:extLst>
-              <a:ext uri="{FF2B5EF4-FFF2-40B4-BE49-F238E27FC236}">
-                <a16:creationId xmlns:a16="http://schemas.microsoft.com/office/drawing/2014/main" id="{3222F769-2358-55C2-F04C-E7E80DFFF16D}"/>
-              </a:ext>
-            </a:extLst>
-          </p:cNvPr>
-          <p:cNvPicPr>
-            <a:picLocks noChangeAspect="1"/>
-          </p:cNvPicPr>
-          <p:nvPr/>
-        </p:nvPicPr>
-        <p:blipFill>
-          <a:blip r:embed="rId3">
-            <a:extLst>
-              <a:ext uri="{28A0092B-C50C-407E-A947-70E740481C1C}">
-                <a14:useLocalDpi xmlns:a14="http://schemas.microsoft.com/office/drawing/2010/main" val="0"/>
-              </a:ext>
-            </a:extLst>
-          </a:blip>
-          <a:srcRect/>
-          <a:stretch>
-            <a:fillRect/>
-          </a:stretch>
-        </p:blipFill>
-        <p:spPr bwMode="auto">
-          <a:xfrm>
-            <a:off x="3772713" y="2301537"/>
-            <a:ext cx="3838038" cy="3271838"/>
-          </a:xfrm>
-          <a:prstGeom prst="rect">
-            <a:avLst/>
-          </a:prstGeom>
-          <a:noFill/>
-          <a:ln>
-            <a:noFill/>
-          </a:ln>
-        </p:spPr>
-      </p:pic>
-      <p:pic>
-        <p:nvPicPr>
-          <p:cNvPr id="6" name="Picture 5" descr="Chart, box and whisker chart&#10;&#10;Description automatically generated">
-            <a:extLst>
-              <a:ext uri="{FF2B5EF4-FFF2-40B4-BE49-F238E27FC236}">
-                <a16:creationId xmlns:a16="http://schemas.microsoft.com/office/drawing/2014/main" id="{22A32539-8CE3-25E1-BBA3-B665DEDA5BBF}"/>
-              </a:ext>
-            </a:extLst>
-          </p:cNvPr>
-          <p:cNvPicPr>
-            <a:picLocks noChangeAspect="1"/>
-          </p:cNvPicPr>
-          <p:nvPr/>
-        </p:nvPicPr>
-        <p:blipFill>
-          <a:blip r:embed="rId4">
-            <a:extLst>
-              <a:ext uri="{28A0092B-C50C-407E-A947-70E740481C1C}">
-                <a14:useLocalDpi xmlns:a14="http://schemas.microsoft.com/office/drawing/2010/main" val="0"/>
-              </a:ext>
-            </a:extLst>
-          </a:blip>
-          <a:srcRect/>
-          <a:stretch>
-            <a:fillRect/>
-          </a:stretch>
-        </p:blipFill>
-        <p:spPr bwMode="auto">
-          <a:xfrm>
-            <a:off x="8082237" y="3614942"/>
-            <a:ext cx="3271563" cy="2863113"/>
-          </a:xfrm>
-          <a:prstGeom prst="rect">
-            <a:avLst/>
-          </a:prstGeom>
-          <a:noFill/>
-          <a:ln>
-            <a:noFill/>
-          </a:ln>
-        </p:spPr>
-      </p:pic>
-      <p:sp>
-        <p:nvSpPr>
-          <p:cNvPr id="7" name="TextBox 6">
-            <a:extLst>
-              <a:ext uri="{FF2B5EF4-FFF2-40B4-BE49-F238E27FC236}">
-                <a16:creationId xmlns:a16="http://schemas.microsoft.com/office/drawing/2014/main" id="{7BD06AD1-0A1A-6ABB-FE68-1DE69ED54200}"/>
-              </a:ext>
-            </a:extLst>
-          </p:cNvPr>
-          <p:cNvSpPr txBox="1"/>
-          <p:nvPr/>
-        </p:nvSpPr>
-        <p:spPr>
-          <a:xfrm>
-            <a:off x="265171" y="4557713"/>
-            <a:ext cx="3492441" cy="2031325"/>
-          </a:xfrm>
-          <a:prstGeom prst="rect">
-            <a:avLst/>
-          </a:prstGeom>
-          <a:noFill/>
-        </p:spPr>
-        <p:txBody>
-          <a:bodyPr wrap="square" rtlCol="0">
-            <a:spAutoFit/>
-          </a:bodyPr>
-          <a:lstStyle/>
-          <a:p>
-            <a:pPr marL="285750" indent="-285750">
-              <a:buFont typeface="Arial" panose="020B0604020202020204" pitchFamily="34" charset="0"/>
-              <a:buChar char="•"/>
-            </a:pPr>
-            <a:r>
-              <a:rPr lang="en-US" sz="1800" kern="100" dirty="0">
-                <a:effectLst/>
-                <a:latin typeface="Calibri" panose="020F0502020204030204" pitchFamily="34" charset="0"/>
-                <a:ea typeface="Calibri" panose="020F0502020204030204" pitchFamily="34" charset="0"/>
-                <a:cs typeface="Times New Roman" panose="02020603050405020304" pitchFamily="18" charset="0"/>
-              </a:rPr>
-              <a:t>In the 2022-2023 season, the Orlando Magic performed slightly below average (0.415 W/L%) compared to their 32 previous seasons dating back to 1989 (0.468 W/L%).</a:t>
+        </p:nvSpPr>
+        <p:spPr/>
+        <p:txBody>
+          <a:bodyPr/>
+          <a:lstStyle/>
+          <a:p>
+            <a:r>
+              <a:rPr lang="en-US" dirty="0"/>
+              <a:t>Orlando Magic vs 1</a:t>
+            </a:r>
+            <a:r>
+              <a:rPr lang="en-US" baseline="30000" dirty="0"/>
+              <a:t>st</a:t>
+            </a:r>
+            <a:r>
+              <a:rPr lang="en-US" dirty="0"/>
+              <a:t>, 15</a:t>
+            </a:r>
+            <a:r>
+              <a:rPr lang="en-US" baseline="30000" dirty="0"/>
+              <a:t>th</a:t>
+            </a:r>
+            <a:r>
+              <a:rPr lang="en-US" dirty="0"/>
+              <a:t>, and 30</a:t>
+            </a:r>
+            <a:r>
+              <a:rPr lang="en-US" baseline="30000" dirty="0"/>
+              <a:t>th</a:t>
+            </a:r>
+            <a:r>
+              <a:rPr lang="en-US" dirty="0"/>
+              <a:t> ranked teams</a:t>
+            </a:r>
+          </a:p>
+          <a:p>
+            <a:r>
+              <a:rPr lang="en-US" dirty="0"/>
+              <a:t>Orlando Magic vs League</a:t>
             </a:r>
           </a:p>
           <a:p>
             <a:endParaRPr lang="en-US" dirty="0"/>
           </a:p>
-        </p:txBody>
-      </p:sp>
-      <p:sp>
-        <p:nvSpPr>
-          <p:cNvPr id="8" name="TextBox 7">
-            <a:extLst>
-              <a:ext uri="{FF2B5EF4-FFF2-40B4-BE49-F238E27FC236}">
-                <a16:creationId xmlns:a16="http://schemas.microsoft.com/office/drawing/2014/main" id="{FF7D4CEC-2BD3-1EC7-711A-DC6ADEDD204B}"/>
-              </a:ext>
-            </a:extLst>
-          </p:cNvPr>
-          <p:cNvSpPr txBox="1"/>
-          <p:nvPr/>
-        </p:nvSpPr>
-        <p:spPr>
-          <a:xfrm>
-            <a:off x="7971797" y="1710290"/>
-            <a:ext cx="3492441" cy="1754326"/>
-          </a:xfrm>
-          <a:prstGeom prst="rect">
-            <a:avLst/>
-          </a:prstGeom>
-          <a:noFill/>
-        </p:spPr>
-        <p:txBody>
-          <a:bodyPr wrap="square" rtlCol="0">
-            <a:spAutoFit/>
-          </a:bodyPr>
-          <a:lstStyle/>
-          <a:p>
-            <a:pPr marL="285750" indent="-285750">
-              <a:buFont typeface="Arial" panose="020B0604020202020204" pitchFamily="34" charset="0"/>
-              <a:buChar char="•"/>
-            </a:pPr>
-            <a:r>
-              <a:rPr lang="en-US" sz="1800" kern="100" dirty="0">
-                <a:effectLst/>
-                <a:latin typeface="Calibri" panose="020F0502020204030204" pitchFamily="34" charset="0"/>
-                <a:ea typeface="Calibri" panose="020F0502020204030204" pitchFamily="34" charset="0"/>
-                <a:cs typeface="Times New Roman" panose="02020603050405020304" pitchFamily="18" charset="0"/>
-              </a:rPr>
-              <a:t>Compared to their 5 best seasons, players’ average years of experience prior to the start of the season was 2.5 years lower in 2022-2023.</a:t>
-            </a:r>
-          </a:p>
-          <a:p>
-            <a:endParaRPr lang="en-US" dirty="0"/>
+          <a:p>
+            <a:r>
+              <a:rPr lang="en-US" dirty="0"/>
+              <a:t>5 chosen KPIs</a:t>
+            </a:r>
+          </a:p>
+          <a:p>
+            <a:pPr lvl="1"/>
+            <a:r>
+              <a:rPr lang="en-US" dirty="0"/>
+              <a:t>Points Scored</a:t>
+            </a:r>
+          </a:p>
+          <a:p>
+            <a:pPr lvl="1"/>
+            <a:r>
+              <a:rPr lang="en-US" dirty="0"/>
+              <a:t>3 Pointers </a:t>
+            </a:r>
+          </a:p>
+          <a:p>
+            <a:pPr lvl="1"/>
+            <a:r>
+              <a:rPr lang="en-US" dirty="0"/>
+              <a:t>Field Goals</a:t>
+            </a:r>
+          </a:p>
+          <a:p>
+            <a:pPr lvl="1"/>
+            <a:r>
+              <a:rPr lang="en-US" dirty="0"/>
+              <a:t>Rebounds</a:t>
+            </a:r>
+          </a:p>
+          <a:p>
+            <a:pPr lvl="1"/>
+            <a:r>
+              <a:rPr lang="en-US" dirty="0"/>
+              <a:t>Turnovers</a:t>
+            </a:r>
           </a:p>
         </p:txBody>
       </p:sp>
     </p:spTree>
     <p:extLst>
       <p:ext uri="{BB962C8B-B14F-4D97-AF65-F5344CB8AC3E}">
-        <p14:creationId xmlns:p14="http://schemas.microsoft.com/office/powerpoint/2010/main" val="14831185"/>
+        <p14:creationId xmlns:p14="http://schemas.microsoft.com/office/powerpoint/2010/main" val="1046711718"/>
       </p:ext>
     </p:extLst>
   </p:cSld>
@@ -5609,133 +5716,309 @@
           <a:chExt cx="0" cy="0"/>
         </a:xfrm>
       </p:grpSpPr>
-      <p:sp>
-        <p:nvSpPr>
-          <p:cNvPr id="2" name="Title 1"/>
-          <p:cNvSpPr>
-            <a:spLocks noGrp="1"/>
-          </p:cNvSpPr>
-          <p:nvPr>
-            <p:ph type="title"/>
-          </p:nvPr>
-        </p:nvSpPr>
-        <p:spPr/>
-        <p:txBody>
-          <a:bodyPr/>
-          <a:lstStyle/>
-          <a:p>
-            <a:r>
-              <a:rPr lang="en-US" sz="3200" b="1" dirty="0">
-                <a:solidFill>
-                  <a:prstClr val="black"/>
-                </a:solidFill>
-              </a:rPr>
-              <a:t>Question 3 – How Does the Magic Compare to the League</a:t>
-            </a:r>
+      <p:pic>
+        <p:nvPicPr>
+          <p:cNvPr id="9" name="Picture 8" descr="Chart, box and whisker chart&#10;&#10;Description automatically generated">
+            <a:extLst>
+              <a:ext uri="{FF2B5EF4-FFF2-40B4-BE49-F238E27FC236}">
+                <a16:creationId xmlns:a16="http://schemas.microsoft.com/office/drawing/2014/main" id="{E43BBEB8-47FE-9D80-DA86-0E032C2F32A6}"/>
+              </a:ext>
+            </a:extLst>
+          </p:cNvPr>
+          <p:cNvPicPr>
+            <a:picLocks noChangeAspect="1"/>
+          </p:cNvPicPr>
+          <p:nvPr/>
+        </p:nvPicPr>
+        <p:blipFill rotWithShape="1">
+          <a:blip r:embed="rId3"/>
+          <a:srcRect l="21" r="3" b="3"/>
+          <a:stretch/>
+        </p:blipFill>
+        <p:spPr>
+          <a:xfrm>
+            <a:off x="7217636" y="0"/>
+            <a:ext cx="4974365" cy="3429000"/>
+          </a:xfrm>
+          <a:prstGeom prst="rect">
+            <a:avLst/>
+          </a:prstGeom>
+        </p:spPr>
+      </p:pic>
+      <p:pic>
+        <p:nvPicPr>
+          <p:cNvPr id="22" name="Picture 21" descr="Chart, waterfall chart&#10;&#10;Description automatically generated">
+            <a:extLst>
+              <a:ext uri="{FF2B5EF4-FFF2-40B4-BE49-F238E27FC236}">
+                <a16:creationId xmlns:a16="http://schemas.microsoft.com/office/drawing/2014/main" id="{9BDC5DA7-AEC1-1113-4950-7CD1187E0D45}"/>
+              </a:ext>
+            </a:extLst>
+          </p:cNvPr>
+          <p:cNvPicPr>
+            <a:picLocks noChangeAspect="1"/>
+          </p:cNvPicPr>
+          <p:nvPr/>
+        </p:nvPicPr>
+        <p:blipFill>
+          <a:blip r:embed="rId4"/>
+          <a:stretch>
+            <a:fillRect/>
+          </a:stretch>
+        </p:blipFill>
+        <p:spPr>
+          <a:xfrm>
+            <a:off x="7124700" y="3327400"/>
+            <a:ext cx="5081822" cy="3530600"/>
+          </a:xfrm>
+          <a:prstGeom prst="rect">
+            <a:avLst/>
+          </a:prstGeom>
+        </p:spPr>
+      </p:pic>
+      <p:pic>
+        <p:nvPicPr>
+          <p:cNvPr id="19" name="Picture 18" descr="Chart, bar chart, histogram&#10;&#10;Description automatically generated">
+            <a:extLst>
+              <a:ext uri="{FF2B5EF4-FFF2-40B4-BE49-F238E27FC236}">
+                <a16:creationId xmlns:a16="http://schemas.microsoft.com/office/drawing/2014/main" id="{F6D78484-4440-8245-7869-BB45A79451FD}"/>
+              </a:ext>
+            </a:extLst>
+          </p:cNvPr>
+          <p:cNvPicPr>
+            <a:picLocks noChangeAspect="1"/>
+          </p:cNvPicPr>
+          <p:nvPr/>
+        </p:nvPicPr>
+        <p:blipFill>
+          <a:blip r:embed="rId5"/>
+          <a:stretch>
+            <a:fillRect/>
+          </a:stretch>
+        </p:blipFill>
+        <p:spPr>
+          <a:xfrm>
+            <a:off x="3942" y="2308324"/>
+            <a:ext cx="7213694" cy="4549676"/>
+          </a:xfrm>
+          <a:prstGeom prst="rect">
+            <a:avLst/>
+          </a:prstGeom>
+        </p:spPr>
+      </p:pic>
+      <p:sp>
+        <p:nvSpPr>
+          <p:cNvPr id="29" name="TextBox 28">
+            <a:extLst>
+              <a:ext uri="{FF2B5EF4-FFF2-40B4-BE49-F238E27FC236}">
+                <a16:creationId xmlns:a16="http://schemas.microsoft.com/office/drawing/2014/main" id="{84225DD0-E65F-B710-27C2-F1AE289CC4AE}"/>
+              </a:ext>
+            </a:extLst>
+          </p:cNvPr>
+          <p:cNvSpPr txBox="1"/>
+          <p:nvPr/>
+        </p:nvSpPr>
+        <p:spPr>
+          <a:xfrm>
+            <a:off x="0" y="0"/>
+            <a:ext cx="2506050" cy="2308324"/>
+          </a:xfrm>
+          <a:prstGeom prst="rect">
+            <a:avLst/>
+          </a:prstGeom>
+        </p:spPr>
+        <p:style>
+          <a:lnRef idx="2">
+            <a:schemeClr val="dk1"/>
+          </a:lnRef>
+          <a:fillRef idx="1">
+            <a:schemeClr val="lt1"/>
+          </a:fillRef>
+          <a:effectRef idx="0">
+            <a:schemeClr val="dk1"/>
+          </a:effectRef>
+          <a:fontRef idx="minor">
+            <a:schemeClr val="dk1"/>
+          </a:fontRef>
+        </p:style>
+        <p:txBody>
+          <a:bodyPr wrap="square" rtlCol="0">
+            <a:spAutoFit/>
+          </a:bodyPr>
+          <a:lstStyle/>
+          <a:p>
             <a:endParaRPr lang="en-US" dirty="0"/>
           </a:p>
         </p:txBody>
       </p:sp>
       <p:sp>
         <p:nvSpPr>
-          <p:cNvPr id="4" name="Content Placeholder 3"/>
-          <p:cNvSpPr>
-            <a:spLocks noGrp="1"/>
-          </p:cNvSpPr>
-          <p:nvPr>
-            <p:ph idx="1"/>
-          </p:nvPr>
-        </p:nvSpPr>
-        <p:spPr/>
-        <p:txBody>
-          <a:bodyPr/>
-          <a:lstStyle/>
-          <a:p>
-            <a:r>
-              <a:rPr lang="en-US" dirty="0"/>
-              <a:t>Orlando Magic vs 1</a:t>
-            </a:r>
-            <a:r>
-              <a:rPr lang="en-US" baseline="30000" dirty="0"/>
-              <a:t>st</a:t>
-            </a:r>
-            <a:r>
-              <a:rPr lang="en-US" dirty="0"/>
-              <a:t>, 15</a:t>
-            </a:r>
-            <a:r>
-              <a:rPr lang="en-US" baseline="30000" dirty="0"/>
-              <a:t>th</a:t>
-            </a:r>
-            <a:r>
-              <a:rPr lang="en-US" dirty="0"/>
-              <a:t>, and 30</a:t>
-            </a:r>
-            <a:r>
-              <a:rPr lang="en-US" baseline="30000" dirty="0"/>
-              <a:t>th</a:t>
-            </a:r>
-            <a:r>
-              <a:rPr lang="en-US" dirty="0"/>
-              <a:t> ranked teams</a:t>
-            </a:r>
-          </a:p>
-          <a:p>
-            <a:r>
-              <a:rPr lang="en-US" dirty="0"/>
-              <a:t>Orlando Magic vs League</a:t>
-            </a:r>
-          </a:p>
-          <a:p>
+          <p:cNvPr id="23" name="TextBox 22">
+            <a:extLst>
+              <a:ext uri="{FF2B5EF4-FFF2-40B4-BE49-F238E27FC236}">
+                <a16:creationId xmlns:a16="http://schemas.microsoft.com/office/drawing/2014/main" id="{E492EA35-F853-C549-25DD-8833D4ADF337}"/>
+              </a:ext>
+            </a:extLst>
+          </p:cNvPr>
+          <p:cNvSpPr txBox="1"/>
+          <p:nvPr/>
+        </p:nvSpPr>
+        <p:spPr>
+          <a:xfrm>
+            <a:off x="-1" y="817122"/>
+            <a:ext cx="2461979" cy="1200329"/>
+          </a:xfrm>
+          <a:prstGeom prst="rect">
+            <a:avLst/>
+          </a:prstGeom>
+          <a:noFill/>
+        </p:spPr>
+        <p:txBody>
+          <a:bodyPr wrap="square" rtlCol="0">
+            <a:spAutoFit/>
+          </a:bodyPr>
+          <a:lstStyle/>
+          <a:p>
+            <a:r>
+              <a:rPr lang="en-US" dirty="0"/>
+              <a:t>Orlando : 111.4</a:t>
+            </a:r>
+          </a:p>
+          <a:p>
+            <a:r>
+              <a:rPr lang="en-US" dirty="0"/>
+              <a:t>Mean : 114.6867</a:t>
+            </a:r>
+          </a:p>
+          <a:p>
+            <a:r>
+              <a:rPr lang="en-US" dirty="0"/>
+              <a:t>STD : 2.7782</a:t>
+            </a:r>
+          </a:p>
+          <a:p>
+            <a:r>
+              <a:rPr lang="en-US" dirty="0"/>
+              <a:t>Z-Score : -1.20324</a:t>
+            </a:r>
+          </a:p>
+        </p:txBody>
+      </p:sp>
+      <p:sp>
+        <p:nvSpPr>
+          <p:cNvPr id="28" name="TextBox 27">
+            <a:extLst>
+              <a:ext uri="{FF2B5EF4-FFF2-40B4-BE49-F238E27FC236}">
+                <a16:creationId xmlns:a16="http://schemas.microsoft.com/office/drawing/2014/main" id="{5BDBE0E3-0C33-CD1C-C995-4AB40CC0230B}"/>
+              </a:ext>
+            </a:extLst>
+          </p:cNvPr>
+          <p:cNvSpPr txBox="1"/>
+          <p:nvPr/>
+        </p:nvSpPr>
+        <p:spPr>
+          <a:xfrm>
+            <a:off x="2476500" y="0"/>
+            <a:ext cx="4559300" cy="2308324"/>
+          </a:xfrm>
+          <a:prstGeom prst="rect">
+            <a:avLst/>
+          </a:prstGeom>
+        </p:spPr>
+        <p:style>
+          <a:lnRef idx="2">
+            <a:schemeClr val="dk1"/>
+          </a:lnRef>
+          <a:fillRef idx="1">
+            <a:schemeClr val="lt1"/>
+          </a:fillRef>
+          <a:effectRef idx="0">
+            <a:schemeClr val="dk1"/>
+          </a:effectRef>
+          <a:fontRef idx="minor">
+            <a:schemeClr val="dk1"/>
+          </a:fontRef>
+        </p:style>
+        <p:txBody>
+          <a:bodyPr wrap="square" rtlCol="0">
+            <a:spAutoFit/>
+          </a:bodyPr>
+          <a:lstStyle/>
+          <a:p>
+            <a:pPr marL="285750" indent="-285750">
+              <a:buFont typeface="Arial" panose="020B0604020202020204" pitchFamily="34" charset="0"/>
+              <a:buChar char="•"/>
+            </a:pPr>
+            <a:r>
+              <a:rPr lang="en-US" dirty="0"/>
+              <a:t> The Orlando Magic score well below average points per game. </a:t>
+            </a:r>
+          </a:p>
+          <a:p>
+            <a:pPr marL="285750" indent="-285750">
+              <a:buFont typeface="Arial" panose="020B0604020202020204" pitchFamily="34" charset="0"/>
+              <a:buChar char="•"/>
+            </a:pPr>
             <a:endParaRPr lang="en-US" dirty="0"/>
           </a:p>
           <a:p>
-            <a:r>
-              <a:rPr lang="en-US" dirty="0"/>
-              <a:t>5 chosen KPIs</a:t>
-            </a:r>
-          </a:p>
-          <a:p>
-            <a:pPr lvl="1"/>
-            <a:r>
-              <a:rPr lang="en-US" dirty="0"/>
-              <a:t>Points Scored</a:t>
-            </a:r>
-          </a:p>
-          <a:p>
-            <a:pPr lvl="1"/>
-            <a:r>
-              <a:rPr lang="en-US" dirty="0"/>
-              <a:t>3 Pointers </a:t>
-            </a:r>
-          </a:p>
-          <a:p>
-            <a:pPr lvl="1"/>
-            <a:r>
-              <a:rPr lang="en-US" dirty="0"/>
-              <a:t>Field Goals</a:t>
-            </a:r>
-          </a:p>
-          <a:p>
-            <a:pPr lvl="1"/>
-            <a:r>
-              <a:rPr lang="en-US" dirty="0"/>
-              <a:t>Rebounds</a:t>
-            </a:r>
-          </a:p>
-          <a:p>
-            <a:pPr lvl="1"/>
-            <a:r>
-              <a:rPr lang="en-US" dirty="0"/>
-              <a:t>Turnovers</a:t>
-            </a:r>
+            <a:pPr marL="285750" indent="-285750">
+              <a:buFont typeface="Arial" panose="020B0604020202020204" pitchFamily="34" charset="0"/>
+              <a:buChar char="•"/>
+            </a:pPr>
+            <a:r>
+              <a:rPr lang="en-US" dirty="0"/>
+              <a:t>While the Magic scored less points than the league leader, the Milwaukee Bucks, the Bucks themselves did not score the most points per game throughout the season. </a:t>
+            </a:r>
+          </a:p>
+          <a:p>
+            <a:pPr marL="285750" indent="-285750">
+              <a:buFont typeface="Arial" panose="020B0604020202020204" pitchFamily="34" charset="0"/>
+              <a:buChar char="•"/>
+            </a:pPr>
+            <a:endParaRPr lang="en-US" dirty="0"/>
+          </a:p>
+        </p:txBody>
+      </p:sp>
+      <p:sp>
+        <p:nvSpPr>
+          <p:cNvPr id="24" name="TextBox 23">
+            <a:extLst>
+              <a:ext uri="{FF2B5EF4-FFF2-40B4-BE49-F238E27FC236}">
+                <a16:creationId xmlns:a16="http://schemas.microsoft.com/office/drawing/2014/main" id="{1CDF34BE-5078-FA3F-D836-FE3694EEC6CE}"/>
+              </a:ext>
+            </a:extLst>
+          </p:cNvPr>
+          <p:cNvSpPr txBox="1"/>
+          <p:nvPr/>
+        </p:nvSpPr>
+        <p:spPr>
+          <a:xfrm>
+            <a:off x="0" y="124120"/>
+            <a:ext cx="2461979" cy="646331"/>
+          </a:xfrm>
+          <a:prstGeom prst="rect">
+            <a:avLst/>
+          </a:prstGeom>
+          <a:noFill/>
+        </p:spPr>
+        <p:txBody>
+          <a:bodyPr wrap="square" rtlCol="0">
+            <a:spAutoFit/>
+          </a:bodyPr>
+          <a:lstStyle/>
+          <a:p>
+            <a:r>
+              <a:rPr lang="en-US" sz="3600" b="1" dirty="0"/>
+              <a:t>POINTS</a:t>
+            </a:r>
+            <a:endParaRPr lang="en-US" sz="6000" b="1" dirty="0"/>
           </a:p>
         </p:txBody>
       </p:sp>
     </p:spTree>
     <p:extLst>
       <p:ext uri="{BB962C8B-B14F-4D97-AF65-F5344CB8AC3E}">
-        <p14:creationId xmlns:p14="http://schemas.microsoft.com/office/powerpoint/2010/main" val="1046711718"/>
+        <p14:creationId xmlns:p14="http://schemas.microsoft.com/office/powerpoint/2010/main" val="1965986416"/>
       </p:ext>
     </p:extLst>
   </p:cSld>
@@ -5764,10 +6047,10 @@
       </p:grpSpPr>
       <p:pic>
         <p:nvPicPr>
-          <p:cNvPr id="9" name="Picture 8" descr="Chart, box and whisker chart&#10;&#10;Description automatically generated">
-            <a:extLst>
-              <a:ext uri="{FF2B5EF4-FFF2-40B4-BE49-F238E27FC236}">
-                <a16:creationId xmlns:a16="http://schemas.microsoft.com/office/drawing/2014/main" id="{E43BBEB8-47FE-9D80-DA86-0E032C2F32A6}"/>
+          <p:cNvPr id="13" name="Picture 12" descr="Chart, box and whisker chart&#10;&#10;Description automatically generated">
+            <a:extLst>
+              <a:ext uri="{FF2B5EF4-FFF2-40B4-BE49-F238E27FC236}">
+                <a16:creationId xmlns:a16="http://schemas.microsoft.com/office/drawing/2014/main" id="{5D5E6A11-F128-BC4C-C8C0-E6E872362B92}"/>
               </a:ext>
             </a:extLst>
           </p:cNvPr>
@@ -5776,27 +6059,65 @@
           </p:cNvPicPr>
           <p:nvPr/>
         </p:nvPicPr>
-        <p:blipFill rotWithShape="1">
+        <p:blipFill>
           <a:blip r:embed="rId3"/>
-          <a:srcRect l="21" r="3" b="3"/>
-          <a:stretch/>
+          <a:stretch>
+            <a:fillRect/>
+          </a:stretch>
         </p:blipFill>
         <p:spPr>
           <a:xfrm>
-            <a:off x="7217636" y="0"/>
-            <a:ext cx="4974365" cy="3429000"/>
+            <a:off x="5853505" y="2086988"/>
+            <a:ext cx="6338495" cy="4753869"/>
           </a:xfrm>
           <a:prstGeom prst="rect">
             <a:avLst/>
           </a:prstGeom>
         </p:spPr>
       </p:pic>
+      <p:sp>
+        <p:nvSpPr>
+          <p:cNvPr id="27" name="TextBox 26">
+            <a:extLst>
+              <a:ext uri="{FF2B5EF4-FFF2-40B4-BE49-F238E27FC236}">
+                <a16:creationId xmlns:a16="http://schemas.microsoft.com/office/drawing/2014/main" id="{84A26EED-910C-C7B8-0F12-2475C08C7C87}"/>
+              </a:ext>
+            </a:extLst>
+          </p:cNvPr>
+          <p:cNvSpPr txBox="1"/>
+          <p:nvPr/>
+        </p:nvSpPr>
+        <p:spPr>
+          <a:xfrm>
+            <a:off x="2476499" y="0"/>
+            <a:ext cx="9715501" cy="2187233"/>
+          </a:xfrm>
+          <a:prstGeom prst="rect">
+            <a:avLst/>
+          </a:prstGeom>
+          <a:noFill/>
+          <a:ln>
+            <a:solidFill>
+              <a:schemeClr val="dk1"/>
+            </a:solidFill>
+          </a:ln>
+        </p:spPr>
+        <p:txBody>
+          <a:bodyPr wrap="square" rtlCol="0">
+            <a:spAutoFit/>
+          </a:bodyPr>
+          <a:lstStyle/>
+          <a:p>
+            <a:endParaRPr lang="en-US" dirty="0"/>
+          </a:p>
+        </p:txBody>
+      </p:sp>
       <p:pic>
         <p:nvPicPr>
-          <p:cNvPr id="22" name="Picture 21" descr="Chart, waterfall chart&#10;&#10;Description automatically generated">
-            <a:extLst>
-              <a:ext uri="{FF2B5EF4-FFF2-40B4-BE49-F238E27FC236}">
-                <a16:creationId xmlns:a16="http://schemas.microsoft.com/office/drawing/2014/main" id="{9BDC5DA7-AEC1-1113-4950-7CD1187E0D45}"/>
+          <p:cNvPr id="15" name="Picture 14">
+            <a:extLst>
+              <a:ext uri="{FF2B5EF4-FFF2-40B4-BE49-F238E27FC236}">
+                <a16:creationId xmlns:a16="http://schemas.microsoft.com/office/drawing/2014/main" id="{4AA2E58B-BBB7-B574-D261-0A376CEA1FD3}"/>
               </a:ext>
             </a:extLst>
           </p:cNvPr>
@@ -5807,70 +6128,41 @@
         </p:nvPicPr>
         <p:blipFill>
           <a:blip r:embed="rId4"/>
-          <a:stretch>
-            <a:fillRect/>
-          </a:stretch>
+          <a:stretch/>
         </p:blipFill>
         <p:spPr>
           <a:xfrm>
-            <a:off x="7124700" y="3327400"/>
-            <a:ext cx="5081822" cy="3530600"/>
+            <a:off x="0" y="2348864"/>
+            <a:ext cx="5989328" cy="4491994"/>
           </a:xfrm>
           <a:prstGeom prst="rect">
             <a:avLst/>
           </a:prstGeom>
         </p:spPr>
       </p:pic>
-      <p:pic>
-        <p:nvPicPr>
-          <p:cNvPr id="19" name="Picture 18" descr="Chart, bar chart, histogram&#10;&#10;Description automatically generated">
-            <a:extLst>
-              <a:ext uri="{FF2B5EF4-FFF2-40B4-BE49-F238E27FC236}">
-                <a16:creationId xmlns:a16="http://schemas.microsoft.com/office/drawing/2014/main" id="{F6D78484-4440-8245-7869-BB45A79451FD}"/>
-              </a:ext>
-            </a:extLst>
-          </p:cNvPr>
-          <p:cNvPicPr>
-            <a:picLocks noChangeAspect="1"/>
-          </p:cNvPicPr>
+      <p:sp>
+        <p:nvSpPr>
+          <p:cNvPr id="16" name="TextBox 15">
+            <a:extLst>
+              <a:ext uri="{FF2B5EF4-FFF2-40B4-BE49-F238E27FC236}">
+                <a16:creationId xmlns:a16="http://schemas.microsoft.com/office/drawing/2014/main" id="{07319BBA-A49F-8B3E-55AA-3E215B7B3853}"/>
+              </a:ext>
+            </a:extLst>
+          </p:cNvPr>
+          <p:cNvSpPr txBox="1"/>
           <p:nvPr/>
-        </p:nvPicPr>
-        <p:blipFill>
-          <a:blip r:embed="rId5"/>
-          <a:stretch>
-            <a:fillRect/>
-          </a:stretch>
-        </p:blipFill>
+        </p:nvSpPr>
         <p:spPr>
           <a:xfrm>
-            <a:off x="3942" y="2308324"/>
-            <a:ext cx="7213694" cy="4549676"/>
+            <a:off x="2476500" y="0"/>
+            <a:ext cx="9715500" cy="2031325"/>
           </a:xfrm>
           <a:prstGeom prst="rect">
             <a:avLst/>
           </a:prstGeom>
-        </p:spPr>
-      </p:pic>
-      <p:sp>
-        <p:nvSpPr>
-          <p:cNvPr id="29" name="TextBox 28">
-            <a:extLst>
-              <a:ext uri="{FF2B5EF4-FFF2-40B4-BE49-F238E27FC236}">
-                <a16:creationId xmlns:a16="http://schemas.microsoft.com/office/drawing/2014/main" id="{84225DD0-E65F-B710-27C2-F1AE289CC4AE}"/>
-              </a:ext>
-            </a:extLst>
-          </p:cNvPr>
-          <p:cNvSpPr txBox="1"/>
-          <p:nvPr/>
-        </p:nvSpPr>
-        <p:spPr>
-          <a:xfrm>
-            <a:off x="0" y="0"/>
-            <a:ext cx="2506050" cy="2308324"/>
-          </a:xfrm>
-          <a:prstGeom prst="rect">
-            <a:avLst/>
-          </a:prstGeom>
+          <a:ln>
+            <a:noFill/>
+          </a:ln>
         </p:spPr>
         <p:style>
           <a:lnRef idx="2">
@@ -5892,16 +6184,64 @@
           </a:bodyPr>
           <a:lstStyle/>
           <a:p>
+            <a:pPr marL="285750" indent="-285750">
+              <a:buFont typeface="Arial" panose="020B0604020202020204" pitchFamily="34" charset="0"/>
+              <a:buChar char="•"/>
+            </a:pPr>
             <a:endParaRPr lang="en-US" dirty="0"/>
           </a:p>
-        </p:txBody>
-      </p:sp>
-      <p:sp>
-        <p:nvSpPr>
-          <p:cNvPr id="23" name="TextBox 22">
-            <a:extLst>
-              <a:ext uri="{FF2B5EF4-FFF2-40B4-BE49-F238E27FC236}">
-                <a16:creationId xmlns:a16="http://schemas.microsoft.com/office/drawing/2014/main" id="{E492EA35-F853-C549-25DD-8833D4ADF337}"/>
+          <a:p>
+            <a:pPr marL="285750" indent="-285750">
+              <a:buFont typeface="Arial" panose="020B0604020202020204" pitchFamily="34" charset="0"/>
+              <a:buChar char="•"/>
+            </a:pPr>
+            <a:r>
+              <a:rPr lang="en-US" dirty="0"/>
+              <a:t>The Magic are once again below the lower quartile in regard to making 3-point shots. </a:t>
+            </a:r>
+          </a:p>
+          <a:p>
+            <a:pPr marL="285750" indent="-285750">
+              <a:buFont typeface="Arial" panose="020B0604020202020204" pitchFamily="34" charset="0"/>
+              <a:buChar char="•"/>
+            </a:pPr>
+            <a:endParaRPr lang="en-US" dirty="0"/>
+          </a:p>
+          <a:p>
+            <a:pPr marL="285750" indent="-285750">
+              <a:buFont typeface="Arial" panose="020B0604020202020204" pitchFamily="34" charset="0"/>
+              <a:buChar char="•"/>
+            </a:pPr>
+            <a:r>
+              <a:rPr lang="en-US" dirty="0"/>
+              <a:t>Orlando’s 3-point percentage is 34.6%.</a:t>
+            </a:r>
+          </a:p>
+          <a:p>
+            <a:pPr marL="285750" indent="-285750">
+              <a:buFont typeface="Arial" panose="020B0604020202020204" pitchFamily="34" charset="0"/>
+              <a:buChar char="•"/>
+            </a:pPr>
+            <a:endParaRPr lang="en-US" dirty="0"/>
+          </a:p>
+          <a:p>
+            <a:pPr marL="285750" indent="-285750">
+              <a:buFont typeface="Arial" panose="020B0604020202020204" pitchFamily="34" charset="0"/>
+              <a:buChar char="•"/>
+            </a:pPr>
+            <a:r>
+              <a:rPr lang="en-US" dirty="0"/>
+              <a:t>The two outliers, The Golden State Warriors and the Boston Celtics, should be looked at more in depth to better analyze a successful 3-point program. </a:t>
+            </a:r>
+          </a:p>
+        </p:txBody>
+      </p:sp>
+      <p:sp>
+        <p:nvSpPr>
+          <p:cNvPr id="18" name="TextBox 17">
+            <a:extLst>
+              <a:ext uri="{FF2B5EF4-FFF2-40B4-BE49-F238E27FC236}">
+                <a16:creationId xmlns:a16="http://schemas.microsoft.com/office/drawing/2014/main" id="{48CC2705-E621-509D-8986-A0F717C4E69F}"/>
               </a:ext>
             </a:extLst>
           </p:cNvPr>
@@ -5910,61 +6250,8 @@
         </p:nvSpPr>
         <p:spPr>
           <a:xfrm>
-            <a:off x="-1" y="817122"/>
-            <a:ext cx="2461979" cy="1200329"/>
-          </a:xfrm>
-          <a:prstGeom prst="rect">
-            <a:avLst/>
-          </a:prstGeom>
-          <a:noFill/>
-        </p:spPr>
-        <p:txBody>
-          <a:bodyPr wrap="square" rtlCol="0">
-            <a:spAutoFit/>
-          </a:bodyPr>
-          <a:lstStyle/>
-          <a:p>
-            <a:r>
-              <a:rPr lang="en-US" dirty="0"/>
-              <a:t>Orlando : 111.4</a:t>
-            </a:r>
-          </a:p>
-          <a:p>
-            <a:r>
-              <a:rPr lang="en-US" dirty="0"/>
-              <a:t>Mean : 114.6867</a:t>
-            </a:r>
-          </a:p>
-          <a:p>
-            <a:r>
-              <a:rPr lang="en-US" dirty="0"/>
-              <a:t>STD : 2.7782</a:t>
-            </a:r>
-          </a:p>
-          <a:p>
-            <a:r>
-              <a:rPr lang="en-US" dirty="0"/>
-              <a:t>Z-Score : -1.20324</a:t>
-            </a:r>
-          </a:p>
-        </p:txBody>
-      </p:sp>
-      <p:sp>
-        <p:nvSpPr>
-          <p:cNvPr id="28" name="TextBox 27">
-            <a:extLst>
-              <a:ext uri="{FF2B5EF4-FFF2-40B4-BE49-F238E27FC236}">
-                <a16:creationId xmlns:a16="http://schemas.microsoft.com/office/drawing/2014/main" id="{5BDBE0E3-0C33-CD1C-C995-4AB40CC0230B}"/>
-              </a:ext>
-            </a:extLst>
-          </p:cNvPr>
-          <p:cNvSpPr txBox="1"/>
-          <p:nvPr/>
-        </p:nvSpPr>
-        <p:spPr>
-          <a:xfrm>
-            <a:off x="2476500" y="0"/>
-            <a:ext cx="4559300" cy="2308324"/>
+            <a:off x="0" y="0"/>
+            <a:ext cx="2476500" cy="2187233"/>
           </a:xfrm>
           <a:prstGeom prst="rect">
             <a:avLst/>
@@ -5990,47 +6277,16 @@
           </a:bodyPr>
           <a:lstStyle/>
           <a:p>
-            <a:pPr marL="285750" indent="-285750">
-              <a:buFont typeface="Arial" panose="020B0604020202020204" pitchFamily="34" charset="0"/>
-              <a:buChar char="•"/>
-            </a:pPr>
-            <a:r>
-              <a:rPr lang="en-US" dirty="0"/>
-              <a:t> The Orlando Magic score well below average points per game. </a:t>
-            </a:r>
-          </a:p>
-          <a:p>
-            <a:pPr marL="285750" indent="-285750">
-              <a:buFont typeface="Arial" panose="020B0604020202020204" pitchFamily="34" charset="0"/>
-              <a:buChar char="•"/>
-            </a:pPr>
             <a:endParaRPr lang="en-US" dirty="0"/>
           </a:p>
-          <a:p>
-            <a:pPr marL="285750" indent="-285750">
-              <a:buFont typeface="Arial" panose="020B0604020202020204" pitchFamily="34" charset="0"/>
-              <a:buChar char="•"/>
-            </a:pPr>
-            <a:r>
-              <a:rPr lang="en-US" dirty="0"/>
-              <a:t>While the Magic scored less points than the league leader, the Milwaukee Bucks, the Bucks themselves did not score the most points per game throughout the season. </a:t>
-            </a:r>
-          </a:p>
-          <a:p>
-            <a:pPr marL="285750" indent="-285750">
-              <a:buFont typeface="Arial" panose="020B0604020202020204" pitchFamily="34" charset="0"/>
-              <a:buChar char="•"/>
-            </a:pPr>
-            <a:endParaRPr lang="en-US" dirty="0"/>
-          </a:p>
-        </p:txBody>
-      </p:sp>
-      <p:sp>
-        <p:nvSpPr>
-          <p:cNvPr id="24" name="TextBox 23">
-            <a:extLst>
-              <a:ext uri="{FF2B5EF4-FFF2-40B4-BE49-F238E27FC236}">
-                <a16:creationId xmlns:a16="http://schemas.microsoft.com/office/drawing/2014/main" id="{1CDF34BE-5078-FA3F-D836-FE3694EEC6CE}"/>
+        </p:txBody>
+      </p:sp>
+      <p:sp>
+        <p:nvSpPr>
+          <p:cNvPr id="14" name="TextBox 13">
+            <a:extLst>
+              <a:ext uri="{FF2B5EF4-FFF2-40B4-BE49-F238E27FC236}">
+                <a16:creationId xmlns:a16="http://schemas.microsoft.com/office/drawing/2014/main" id="{5B7BED2E-3C52-6084-0729-04D51CEC7FB8}"/>
               </a:ext>
             </a:extLst>
           </p:cNvPr>
@@ -6039,13 +6295,131 @@
         </p:nvSpPr>
         <p:spPr>
           <a:xfrm>
-            <a:off x="0" y="124120"/>
-            <a:ext cx="2461979" cy="646331"/>
+            <a:off x="0" y="769585"/>
+            <a:ext cx="2476499" cy="1208825"/>
           </a:xfrm>
           <a:prstGeom prst="rect">
             <a:avLst/>
           </a:prstGeom>
           <a:noFill/>
+          <a:ln>
+            <a:noFill/>
+          </a:ln>
+        </p:spPr>
+        <p:style>
+          <a:lnRef idx="2">
+            <a:schemeClr val="dk1"/>
+          </a:lnRef>
+          <a:fillRef idx="1">
+            <a:schemeClr val="lt1"/>
+          </a:fillRef>
+          <a:effectRef idx="0">
+            <a:schemeClr val="dk1"/>
+          </a:effectRef>
+          <a:fontRef idx="minor">
+            <a:schemeClr val="dk1"/>
+          </a:fontRef>
+        </p:style>
+        <p:txBody>
+          <a:bodyPr vert="horz" lIns="91440" tIns="45720" rIns="91440" bIns="45720" rtlCol="0">
+            <a:normAutofit lnSpcReduction="10000"/>
+          </a:bodyPr>
+          <a:lstStyle/>
+          <a:p>
+            <a:pPr>
+              <a:lnSpc>
+                <a:spcPct val="90000"/>
+              </a:lnSpc>
+              <a:spcAft>
+                <a:spcPts val="600"/>
+              </a:spcAft>
+            </a:pPr>
+            <a:r>
+              <a:rPr lang="en-US" dirty="0">
+                <a:solidFill>
+                  <a:schemeClr val="tx1"/>
+                </a:solidFill>
+              </a:rPr>
+              <a:t>Orlando : 10.8 </a:t>
+            </a:r>
+          </a:p>
+          <a:p>
+            <a:pPr>
+              <a:lnSpc>
+                <a:spcPct val="90000"/>
+              </a:lnSpc>
+              <a:spcAft>
+                <a:spcPts val="600"/>
+              </a:spcAft>
+            </a:pPr>
+            <a:r>
+              <a:rPr lang="en-US" dirty="0">
+                <a:solidFill>
+                  <a:schemeClr val="tx1"/>
+                </a:solidFill>
+              </a:rPr>
+              <a:t>Mean : 12.3400</a:t>
+            </a:r>
+          </a:p>
+          <a:p>
+            <a:pPr>
+              <a:lnSpc>
+                <a:spcPct val="90000"/>
+              </a:lnSpc>
+              <a:spcAft>
+                <a:spcPts val="600"/>
+              </a:spcAft>
+            </a:pPr>
+            <a:r>
+              <a:rPr lang="en-US" dirty="0">
+                <a:solidFill>
+                  <a:schemeClr val="tx1"/>
+                </a:solidFill>
+              </a:rPr>
+              <a:t>STD : 1.6368</a:t>
+            </a:r>
+          </a:p>
+          <a:p>
+            <a:pPr>
+              <a:lnSpc>
+                <a:spcPct val="90000"/>
+              </a:lnSpc>
+              <a:spcAft>
+                <a:spcPts val="600"/>
+              </a:spcAft>
+            </a:pPr>
+            <a:r>
+              <a:rPr lang="en-US" dirty="0">
+                <a:solidFill>
+                  <a:schemeClr val="tx1"/>
+                </a:solidFill>
+              </a:rPr>
+              <a:t>Z-Score : -0.95696</a:t>
+            </a:r>
+          </a:p>
+        </p:txBody>
+      </p:sp>
+      <p:sp>
+        <p:nvSpPr>
+          <p:cNvPr id="22" name="TextBox 21">
+            <a:extLst>
+              <a:ext uri="{FF2B5EF4-FFF2-40B4-BE49-F238E27FC236}">
+                <a16:creationId xmlns:a16="http://schemas.microsoft.com/office/drawing/2014/main" id="{172646F8-48A0-01F1-ED83-0C40FF6F1A47}"/>
+              </a:ext>
+            </a:extLst>
+          </p:cNvPr>
+          <p:cNvSpPr txBox="1"/>
+          <p:nvPr/>
+        </p:nvSpPr>
+        <p:spPr>
+          <a:xfrm>
+            <a:off x="1" y="123254"/>
+            <a:ext cx="2476500" cy="646331"/>
+          </a:xfrm>
+          <a:prstGeom prst="rect">
+            <a:avLst/>
+          </a:prstGeom>
+          <a:noFill/>
         </p:spPr>
         <p:txBody>
           <a:bodyPr wrap="square" rtlCol="0">
@@ -6055,16 +6429,15 @@
           <a:p>
             <a:r>
               <a:rPr lang="en-US" sz="3600" b="1" dirty="0"/>
-              <a:t>POINTS</a:t>
-            </a:r>
-            <a:endParaRPr lang="en-US" sz="6000" b="1" dirty="0"/>
+              <a:t>3 POINTERS</a:t>
+            </a:r>
           </a:p>
         </p:txBody>
       </p:sp>
     </p:spTree>
     <p:extLst>
       <p:ext uri="{BB962C8B-B14F-4D97-AF65-F5344CB8AC3E}">
-        <p14:creationId xmlns:p14="http://schemas.microsoft.com/office/powerpoint/2010/main" val="1965986416"/>
+        <p14:creationId xmlns:p14="http://schemas.microsoft.com/office/powerpoint/2010/main" val="2092867181"/>
       </p:ext>
     </p:extLst>
   </p:cSld>
@@ -6103,7 +6476,7 @@
         </p:nvSpPr>
         <p:spPr>
           <a:xfrm>
-            <a:off x="831850" y="239561"/>
+            <a:off x="838200" y="1795092"/>
             <a:ext cx="10515600" cy="1427874"/>
           </a:xfrm>
         </p:spPr>
@@ -6137,8 +6510,8 @@
         </p:nvSpPr>
         <p:spPr>
           <a:xfrm>
-            <a:off x="831850" y="1721225"/>
-            <a:ext cx="10515600" cy="4368426"/>
+            <a:off x="838200" y="3949418"/>
+            <a:ext cx="10515600" cy="706665"/>
           </a:xfrm>
         </p:spPr>
         <p:txBody>
@@ -6192,10 +6565,10 @@
       </p:grpSpPr>
       <p:pic>
         <p:nvPicPr>
-          <p:cNvPr id="13" name="Picture 12" descr="Chart, box and whisker chart&#10;&#10;Description automatically generated">
-            <a:extLst>
-              <a:ext uri="{FF2B5EF4-FFF2-40B4-BE49-F238E27FC236}">
-                <a16:creationId xmlns:a16="http://schemas.microsoft.com/office/drawing/2014/main" id="{5D5E6A11-F128-BC4C-C8C0-E6E872362B92}"/>
+          <p:cNvPr id="7" name="Picture 6" descr="Chart, box and whisker chart&#10;&#10;Description automatically generated">
+            <a:extLst>
+              <a:ext uri="{FF2B5EF4-FFF2-40B4-BE49-F238E27FC236}">
+                <a16:creationId xmlns:a16="http://schemas.microsoft.com/office/drawing/2014/main" id="{571B0C43-F5A2-CE4B-F0F0-BBEAB88388C2}"/>
               </a:ext>
             </a:extLst>
           </p:cNvPr>
@@ -6212,8 +6585,8 @@
         </p:blipFill>
         <p:spPr>
           <a:xfrm>
-            <a:off x="5853505" y="2086988"/>
-            <a:ext cx="6338495" cy="4753869"/>
+            <a:off x="0" y="2187232"/>
+            <a:ext cx="7188200" cy="4627457"/>
           </a:xfrm>
           <a:prstGeom prst="rect">
             <a:avLst/>
@@ -6222,10 +6595,10 @@
       </p:pic>
       <p:sp>
         <p:nvSpPr>
-          <p:cNvPr id="27" name="TextBox 26">
-            <a:extLst>
-              <a:ext uri="{FF2B5EF4-FFF2-40B4-BE49-F238E27FC236}">
-                <a16:creationId xmlns:a16="http://schemas.microsoft.com/office/drawing/2014/main" id="{84A26EED-910C-C7B8-0F12-2475C08C7C87}"/>
+          <p:cNvPr id="13" name="TextBox 12">
+            <a:extLst>
+              <a:ext uri="{FF2B5EF4-FFF2-40B4-BE49-F238E27FC236}">
+                <a16:creationId xmlns:a16="http://schemas.microsoft.com/office/drawing/2014/main" id="{1899E0F4-7C0C-AFD8-A946-5C44652224F9}"/>
               </a:ext>
             </a:extLst>
           </p:cNvPr>
@@ -6234,80 +6607,12 @@
         </p:nvSpPr>
         <p:spPr>
           <a:xfrm>
-            <a:off x="2476499" y="0"/>
-            <a:ext cx="9715501" cy="2187233"/>
+            <a:off x="0" y="0"/>
+            <a:ext cx="2692400" cy="2308324"/>
           </a:xfrm>
           <a:prstGeom prst="rect">
             <a:avLst/>
           </a:prstGeom>
-          <a:noFill/>
-          <a:ln>
-            <a:solidFill>
-              <a:schemeClr val="dk1"/>
-            </a:solidFill>
-          </a:ln>
-        </p:spPr>
-        <p:txBody>
-          <a:bodyPr wrap="square" rtlCol="0">
-            <a:spAutoFit/>
-          </a:bodyPr>
-          <a:lstStyle/>
-          <a:p>
-            <a:endParaRPr lang="en-US" dirty="0"/>
-          </a:p>
-        </p:txBody>
-      </p:sp>
-      <p:pic>
-        <p:nvPicPr>
-          <p:cNvPr id="15" name="Picture 14">
-            <a:extLst>
-              <a:ext uri="{FF2B5EF4-FFF2-40B4-BE49-F238E27FC236}">
-                <a16:creationId xmlns:a16="http://schemas.microsoft.com/office/drawing/2014/main" id="{4AA2E58B-BBB7-B574-D261-0A376CEA1FD3}"/>
-              </a:ext>
-            </a:extLst>
-          </p:cNvPr>
-          <p:cNvPicPr>
-            <a:picLocks noChangeAspect="1"/>
-          </p:cNvPicPr>
-          <p:nvPr/>
-        </p:nvPicPr>
-        <p:blipFill>
-          <a:blip r:embed="rId4"/>
-          <a:stretch/>
-        </p:blipFill>
-        <p:spPr>
-          <a:xfrm>
-            <a:off x="0" y="2348864"/>
-            <a:ext cx="5989328" cy="4491994"/>
-          </a:xfrm>
-          <a:prstGeom prst="rect">
-            <a:avLst/>
-          </a:prstGeom>
-        </p:spPr>
-      </p:pic>
-      <p:sp>
-        <p:nvSpPr>
-          <p:cNvPr id="16" name="TextBox 15">
-            <a:extLst>
-              <a:ext uri="{FF2B5EF4-FFF2-40B4-BE49-F238E27FC236}">
-                <a16:creationId xmlns:a16="http://schemas.microsoft.com/office/drawing/2014/main" id="{07319BBA-A49F-8B3E-55AA-3E215B7B3853}"/>
-              </a:ext>
-            </a:extLst>
-          </p:cNvPr>
-          <p:cNvSpPr txBox="1"/>
-          <p:nvPr/>
-        </p:nvSpPr>
-        <p:spPr>
-          <a:xfrm>
-            <a:off x="2476500" y="0"/>
-            <a:ext cx="9715500" cy="2031325"/>
-          </a:xfrm>
-          <a:prstGeom prst="rect">
-            <a:avLst/>
-          </a:prstGeom>
-          <a:ln>
-            <a:noFill/>
-          </a:ln>
         </p:spPr>
         <p:style>
           <a:lnRef idx="2">
@@ -6329,64 +6634,16 @@
           </a:bodyPr>
           <a:lstStyle/>
           <a:p>
-            <a:pPr marL="285750" indent="-285750">
-              <a:buFont typeface="Arial" panose="020B0604020202020204" pitchFamily="34" charset="0"/>
-              <a:buChar char="•"/>
-            </a:pPr>
             <a:endParaRPr lang="en-US" dirty="0"/>
           </a:p>
-          <a:p>
-            <a:pPr marL="285750" indent="-285750">
-              <a:buFont typeface="Arial" panose="020B0604020202020204" pitchFamily="34" charset="0"/>
-              <a:buChar char="•"/>
-            </a:pPr>
-            <a:r>
-              <a:rPr lang="en-US" dirty="0"/>
-              <a:t>The Magic are once again below the lower quartile in regard to making 3-point shots. </a:t>
-            </a:r>
-          </a:p>
-          <a:p>
-            <a:pPr marL="285750" indent="-285750">
-              <a:buFont typeface="Arial" panose="020B0604020202020204" pitchFamily="34" charset="0"/>
-              <a:buChar char="•"/>
-            </a:pPr>
-            <a:endParaRPr lang="en-US" dirty="0"/>
-          </a:p>
-          <a:p>
-            <a:pPr marL="285750" indent="-285750">
-              <a:buFont typeface="Arial" panose="020B0604020202020204" pitchFamily="34" charset="0"/>
-              <a:buChar char="•"/>
-            </a:pPr>
-            <a:r>
-              <a:rPr lang="en-US" dirty="0"/>
-              <a:t>Orlando’s 3-point percentage is 34.6%.</a:t>
-            </a:r>
-          </a:p>
-          <a:p>
-            <a:pPr marL="285750" indent="-285750">
-              <a:buFont typeface="Arial" panose="020B0604020202020204" pitchFamily="34" charset="0"/>
-              <a:buChar char="•"/>
-            </a:pPr>
-            <a:endParaRPr lang="en-US" dirty="0"/>
-          </a:p>
-          <a:p>
-            <a:pPr marL="285750" indent="-285750">
-              <a:buFont typeface="Arial" panose="020B0604020202020204" pitchFamily="34" charset="0"/>
-              <a:buChar char="•"/>
-            </a:pPr>
-            <a:r>
-              <a:rPr lang="en-US" dirty="0"/>
-              <a:t>The two outliers, The Golden State Warriors and the Boston Celtics, should be looked at more in depth to better analyze a successful 3-point program. </a:t>
-            </a:r>
-          </a:p>
-        </p:txBody>
-      </p:sp>
-      <p:sp>
-        <p:nvSpPr>
-          <p:cNvPr id="18" name="TextBox 17">
-            <a:extLst>
-              <a:ext uri="{FF2B5EF4-FFF2-40B4-BE49-F238E27FC236}">
-                <a16:creationId xmlns:a16="http://schemas.microsoft.com/office/drawing/2014/main" id="{48CC2705-E621-509D-8986-A0F717C4E69F}"/>
+        </p:txBody>
+      </p:sp>
+      <p:sp>
+        <p:nvSpPr>
+          <p:cNvPr id="14" name="TextBox 13">
+            <a:extLst>
+              <a:ext uri="{FF2B5EF4-FFF2-40B4-BE49-F238E27FC236}">
+                <a16:creationId xmlns:a16="http://schemas.microsoft.com/office/drawing/2014/main" id="{26C2532B-CB63-FC73-866B-8F3AF94C97C5}"/>
               </a:ext>
             </a:extLst>
           </p:cNvPr>
@@ -6395,12 +6652,16 @@
         </p:nvSpPr>
         <p:spPr>
           <a:xfrm>
-            <a:off x="0" y="0"/>
-            <a:ext cx="2476500" cy="2187233"/>
+            <a:off x="0" y="795855"/>
+            <a:ext cx="2692400" cy="1359630"/>
           </a:xfrm>
           <a:prstGeom prst="rect">
             <a:avLst/>
           </a:prstGeom>
+          <a:noFill/>
+          <a:ln>
+            <a:noFill/>
+          </a:ln>
         </p:spPr>
         <p:style>
           <a:lnRef idx="2">
@@ -6417,21 +6678,47 @@
           </a:fontRef>
         </p:style>
         <p:txBody>
-          <a:bodyPr wrap="square" rtlCol="0">
-            <a:spAutoFit/>
+          <a:bodyPr vert="horz" lIns="91440" tIns="45720" rIns="91440" bIns="45720" rtlCol="0">
+            <a:normAutofit/>
           </a:bodyPr>
           <a:lstStyle/>
           <a:p>
-            <a:endParaRPr lang="en-US" dirty="0"/>
-          </a:p>
-        </p:txBody>
-      </p:sp>
-      <p:sp>
-        <p:nvSpPr>
-          <p:cNvPr id="14" name="TextBox 13">
-            <a:extLst>
-              <a:ext uri="{FF2B5EF4-FFF2-40B4-BE49-F238E27FC236}">
-                <a16:creationId xmlns:a16="http://schemas.microsoft.com/office/drawing/2014/main" id="{5B7BED2E-3C52-6084-0729-04D51CEC7FB8}"/>
+            <a:r>
+              <a:rPr lang="en-US" dirty="0"/>
+              <a:t>Orlando : 40.5</a:t>
+            </a:r>
+          </a:p>
+          <a:p>
+            <a:r>
+              <a:rPr lang="en-US" dirty="0"/>
+              <a:t>Mean : 41.9767</a:t>
+            </a:r>
+          </a:p>
+          <a:p>
+            <a:r>
+              <a:rPr lang="en-US" dirty="0"/>
+              <a:t>STD : 1.2902</a:t>
+            </a:r>
+          </a:p>
+          <a:p>
+            <a:r>
+              <a:rPr lang="en-US" dirty="0"/>
+              <a:t>Z-Score : -1.16409</a:t>
+            </a:r>
+            <a:endParaRPr lang="en-US" dirty="0">
+              <a:solidFill>
+                <a:schemeClr val="tx1"/>
+              </a:solidFill>
+            </a:endParaRPr>
+          </a:p>
+        </p:txBody>
+      </p:sp>
+      <p:sp>
+        <p:nvSpPr>
+          <p:cNvPr id="15" name="TextBox 14">
+            <a:extLst>
+              <a:ext uri="{FF2B5EF4-FFF2-40B4-BE49-F238E27FC236}">
+                <a16:creationId xmlns:a16="http://schemas.microsoft.com/office/drawing/2014/main" id="{EFFC6B80-C9B5-5F6E-4DB1-8B3320E3D598}"/>
               </a:ext>
             </a:extLst>
           </p:cNvPr>
@@ -6440,16 +6727,47 @@
         </p:nvSpPr>
         <p:spPr>
           <a:xfrm>
-            <a:off x="0" y="769585"/>
-            <a:ext cx="2476499" cy="1208825"/>
+            <a:off x="1" y="123254"/>
+            <a:ext cx="2692400" cy="646331"/>
           </a:xfrm>
           <a:prstGeom prst="rect">
             <a:avLst/>
           </a:prstGeom>
           <a:noFill/>
-          <a:ln>
-            <a:noFill/>
-          </a:ln>
+        </p:spPr>
+        <p:txBody>
+          <a:bodyPr wrap="square" rtlCol="0">
+            <a:spAutoFit/>
+          </a:bodyPr>
+          <a:lstStyle/>
+          <a:p>
+            <a:r>
+              <a:rPr lang="en-US" sz="3600" b="1" dirty="0"/>
+              <a:t>FIELD GOALS</a:t>
+            </a:r>
+          </a:p>
+        </p:txBody>
+      </p:sp>
+      <p:sp>
+        <p:nvSpPr>
+          <p:cNvPr id="12" name="TextBox 11">
+            <a:extLst>
+              <a:ext uri="{FF2B5EF4-FFF2-40B4-BE49-F238E27FC236}">
+                <a16:creationId xmlns:a16="http://schemas.microsoft.com/office/drawing/2014/main" id="{C24C0949-7E96-4201-102D-D7A219EE7A3A}"/>
+              </a:ext>
+            </a:extLst>
+          </p:cNvPr>
+          <p:cNvSpPr txBox="1"/>
+          <p:nvPr/>
+        </p:nvSpPr>
+        <p:spPr>
+          <a:xfrm>
+            <a:off x="2552700" y="0"/>
+            <a:ext cx="3921066" cy="2308324"/>
+          </a:xfrm>
+          <a:prstGeom prst="rect">
+            <a:avLst/>
+          </a:prstGeom>
         </p:spPr>
         <p:style>
           <a:lnRef idx="2">
@@ -6466,123 +6784,110 @@
           </a:fontRef>
         </p:style>
         <p:txBody>
-          <a:bodyPr vert="horz" lIns="91440" tIns="45720" rIns="91440" bIns="45720" rtlCol="0">
-            <a:normAutofit lnSpcReduction="10000"/>
+          <a:bodyPr wrap="square" rtlCol="0">
+            <a:spAutoFit/>
           </a:bodyPr>
           <a:lstStyle/>
           <a:p>
-            <a:pPr>
-              <a:lnSpc>
-                <a:spcPct val="90000"/>
-              </a:lnSpc>
-              <a:spcAft>
-                <a:spcPts val="600"/>
-              </a:spcAft>
+            <a:pPr marL="285750" indent="-285750">
+              <a:buFont typeface="Arial" panose="020B0604020202020204" pitchFamily="34" charset="0"/>
+              <a:buChar char="•"/>
             </a:pPr>
             <a:r>
-              <a:rPr lang="en-US" dirty="0">
-                <a:solidFill>
-                  <a:schemeClr val="tx1"/>
-                </a:solidFill>
-              </a:rPr>
-              <a:t>Orlando : 10.8 </a:t>
-            </a:r>
-          </a:p>
-          <a:p>
-            <a:pPr>
-              <a:lnSpc>
-                <a:spcPct val="90000"/>
-              </a:lnSpc>
-              <a:spcAft>
-                <a:spcPts val="600"/>
-              </a:spcAft>
+              <a:rPr lang="en-US" dirty="0"/>
+              <a:t>The average Field Goals per games in more evenly distributed across the league. </a:t>
+            </a:r>
+          </a:p>
+          <a:p>
+            <a:pPr marL="285750" indent="-285750">
+              <a:buFont typeface="Arial" panose="020B0604020202020204" pitchFamily="34" charset="0"/>
+              <a:buChar char="•"/>
             </a:pPr>
-            <a:r>
-              <a:rPr lang="en-US" dirty="0">
-                <a:solidFill>
-                  <a:schemeClr val="tx1"/>
-                </a:solidFill>
-              </a:rPr>
-              <a:t>Mean : 12.3400</a:t>
-            </a:r>
-          </a:p>
-          <a:p>
-            <a:pPr>
-              <a:lnSpc>
-                <a:spcPct val="90000"/>
-              </a:lnSpc>
-              <a:spcAft>
-                <a:spcPts val="600"/>
-              </a:spcAft>
+            <a:endParaRPr lang="en-US" dirty="0"/>
+          </a:p>
+          <a:p>
+            <a:pPr marL="285750" indent="-285750">
+              <a:buFont typeface="Arial" panose="020B0604020202020204" pitchFamily="34" charset="0"/>
+              <a:buChar char="•"/>
             </a:pPr>
             <a:r>
-              <a:rPr lang="en-US" dirty="0">
-                <a:solidFill>
-                  <a:schemeClr val="tx1"/>
-                </a:solidFill>
-              </a:rPr>
-              <a:t>STD : 1.6368</a:t>
-            </a:r>
-          </a:p>
-          <a:p>
-            <a:pPr>
-              <a:lnSpc>
-                <a:spcPct val="90000"/>
-              </a:lnSpc>
-              <a:spcAft>
-                <a:spcPts val="600"/>
-              </a:spcAft>
-            </a:pPr>
-            <a:r>
-              <a:rPr lang="en-US" dirty="0">
-                <a:solidFill>
-                  <a:schemeClr val="tx1"/>
-                </a:solidFill>
-              </a:rPr>
-              <a:t>Z-Score : -0.95696</a:t>
-            </a:r>
-          </a:p>
-        </p:txBody>
-      </p:sp>
-      <p:sp>
-        <p:nvSpPr>
-          <p:cNvPr id="22" name="TextBox 21">
-            <a:extLst>
-              <a:ext uri="{FF2B5EF4-FFF2-40B4-BE49-F238E27FC236}">
-                <a16:creationId xmlns:a16="http://schemas.microsoft.com/office/drawing/2014/main" id="{172646F8-48A0-01F1-ED83-0C40FF6F1A47}"/>
-              </a:ext>
-            </a:extLst>
-          </p:cNvPr>
-          <p:cNvSpPr txBox="1"/>
+              <a:rPr lang="en-US" dirty="0"/>
+              <a:t>The Magic have a close Field Goal % to the Milwaukee Bucks, but both teams are beat by the 15</a:t>
+            </a:r>
+            <a:r>
+              <a:rPr lang="en-US" baseline="30000" dirty="0"/>
+              <a:t>th</a:t>
+            </a:r>
+            <a:r>
+              <a:rPr lang="en-US" dirty="0"/>
+              <a:t> place Minnesota Timberwolves. </a:t>
+            </a:r>
+          </a:p>
+        </p:txBody>
+      </p:sp>
+      <p:pic>
+        <p:nvPicPr>
+          <p:cNvPr id="9" name="Picture 8" descr="Chart, waterfall chart&#10;&#10;Description automatically generated">
+            <a:extLst>
+              <a:ext uri="{FF2B5EF4-FFF2-40B4-BE49-F238E27FC236}">
+                <a16:creationId xmlns:a16="http://schemas.microsoft.com/office/drawing/2014/main" id="{8774639A-46B7-CDD1-E2D3-06C72BFB3B7C}"/>
+              </a:ext>
+            </a:extLst>
+          </p:cNvPr>
+          <p:cNvPicPr>
+            <a:picLocks noChangeAspect="1"/>
+          </p:cNvPicPr>
           <p:nvPr/>
-        </p:nvSpPr>
+        </p:nvPicPr>
+        <p:blipFill>
+          <a:blip r:embed="rId4"/>
+          <a:stretch>
+            <a:fillRect/>
+          </a:stretch>
+        </p:blipFill>
         <p:spPr>
           <a:xfrm>
-            <a:off x="1" y="123254"/>
-            <a:ext cx="2476500" cy="646331"/>
+            <a:off x="6705600" y="106809"/>
+            <a:ext cx="5486400" cy="2743200"/>
           </a:xfrm>
           <a:prstGeom prst="rect">
             <a:avLst/>
           </a:prstGeom>
-          <a:noFill/>
-        </p:spPr>
-        <p:txBody>
-          <a:bodyPr wrap="square" rtlCol="0">
-            <a:spAutoFit/>
-          </a:bodyPr>
-          <a:lstStyle/>
-          <a:p>
-            <a:r>
-              <a:rPr lang="en-US" sz="3600" b="1" dirty="0"/>
-              <a:t>3 POINTERS</a:t>
-            </a:r>
-          </a:p>
-        </p:txBody>
-      </p:sp>
+        </p:spPr>
+      </p:pic>
+      <p:pic>
+        <p:nvPicPr>
+          <p:cNvPr id="5" name="Content Placeholder 4" descr="Chart, bar chart&#10;&#10;Description automatically generated">
+            <a:extLst>
+              <a:ext uri="{FF2B5EF4-FFF2-40B4-BE49-F238E27FC236}">
+                <a16:creationId xmlns:a16="http://schemas.microsoft.com/office/drawing/2014/main" id="{85864E5B-CDEB-BBC1-7623-E8B82E57EAE7}"/>
+              </a:ext>
+            </a:extLst>
+          </p:cNvPr>
+          <p:cNvPicPr>
+            <a:picLocks noGrp="1" noChangeAspect="1"/>
+          </p:cNvPicPr>
+          <p:nvPr>
+            <p:ph idx="1"/>
+          </p:nvPr>
+        </p:nvPicPr>
+        <p:blipFill>
+          <a:blip r:embed="rId5"/>
+          <a:stretch>
+            <a:fillRect/>
+          </a:stretch>
+        </p:blipFill>
+        <p:spPr>
+          <a:xfrm>
+            <a:off x="6705600" y="2565399"/>
+            <a:ext cx="5486400" cy="4281037"/>
+          </a:xfrm>
+        </p:spPr>
+      </p:pic>
     </p:spTree>
     <p:extLst>
       <p:ext uri="{BB962C8B-B14F-4D97-AF65-F5344CB8AC3E}">
-        <p14:creationId xmlns:p14="http://schemas.microsoft.com/office/powerpoint/2010/main" val="2092867181"/>
+        <p14:creationId xmlns:p14="http://schemas.microsoft.com/office/powerpoint/2010/main" val="1351282298"/>
       </p:ext>
     </p:extLst>
   </p:cSld>
@@ -6614,7 +6919,7 @@
           <p:cNvPr id="7" name="Picture 6" descr="Chart, box and whisker chart&#10;&#10;Description automatically generated">
             <a:extLst>
               <a:ext uri="{FF2B5EF4-FFF2-40B4-BE49-F238E27FC236}">
-                <a16:creationId xmlns:a16="http://schemas.microsoft.com/office/drawing/2014/main" id="{571B0C43-F5A2-CE4B-F0F0-BBEAB88388C2}"/>
+                <a16:creationId xmlns:a16="http://schemas.microsoft.com/office/drawing/2014/main" id="{0CF6731B-1235-D502-0766-AE84CAD517B9}"/>
               </a:ext>
             </a:extLst>
           </p:cNvPr>
@@ -6631,8 +6936,8 @@
         </p:blipFill>
         <p:spPr>
           <a:xfrm>
-            <a:off x="0" y="2187232"/>
-            <a:ext cx="7188200" cy="4627457"/>
+            <a:off x="0" y="1887537"/>
+            <a:ext cx="7035800" cy="4970463"/>
           </a:xfrm>
           <a:prstGeom prst="rect">
             <a:avLst/>
@@ -6641,10 +6946,10 @@
       </p:pic>
       <p:sp>
         <p:nvSpPr>
-          <p:cNvPr id="13" name="TextBox 12">
-            <a:extLst>
-              <a:ext uri="{FF2B5EF4-FFF2-40B4-BE49-F238E27FC236}">
-                <a16:creationId xmlns:a16="http://schemas.microsoft.com/office/drawing/2014/main" id="{1899E0F4-7C0C-AFD8-A946-5C44652224F9}"/>
+          <p:cNvPr id="16" name="TextBox 15">
+            <a:extLst>
+              <a:ext uri="{FF2B5EF4-FFF2-40B4-BE49-F238E27FC236}">
+                <a16:creationId xmlns:a16="http://schemas.microsoft.com/office/drawing/2014/main" id="{E9DC06BE-101F-F93B-897F-4C12AE4E16B6}"/>
               </a:ext>
             </a:extLst>
           </p:cNvPr>
@@ -6653,12 +6958,52 @@
         </p:nvSpPr>
         <p:spPr>
           <a:xfrm>
-            <a:off x="0" y="0"/>
-            <a:ext cx="2692400" cy="2308324"/>
+            <a:off x="2540000" y="0"/>
+            <a:ext cx="9652000" cy="2187232"/>
           </a:xfrm>
           <a:prstGeom prst="rect">
             <a:avLst/>
           </a:prstGeom>
+          <a:noFill/>
+          <a:ln>
+            <a:solidFill>
+              <a:schemeClr val="tx1"/>
+            </a:solidFill>
+          </a:ln>
+        </p:spPr>
+        <p:txBody>
+          <a:bodyPr wrap="square" rtlCol="0">
+            <a:spAutoFit/>
+          </a:bodyPr>
+          <a:lstStyle/>
+          <a:p>
+            <a:endParaRPr lang="en-US" dirty="0"/>
+          </a:p>
+        </p:txBody>
+      </p:sp>
+      <p:sp>
+        <p:nvSpPr>
+          <p:cNvPr id="12" name="TextBox 11">
+            <a:extLst>
+              <a:ext uri="{FF2B5EF4-FFF2-40B4-BE49-F238E27FC236}">
+                <a16:creationId xmlns:a16="http://schemas.microsoft.com/office/drawing/2014/main" id="{BF9EF508-25C6-AC8C-6C0F-9C2464570415}"/>
+              </a:ext>
+            </a:extLst>
+          </p:cNvPr>
+          <p:cNvSpPr txBox="1"/>
+          <p:nvPr/>
+        </p:nvSpPr>
+        <p:spPr>
+          <a:xfrm>
+            <a:off x="2540000" y="0"/>
+            <a:ext cx="9652000" cy="1754326"/>
+          </a:xfrm>
+          <a:prstGeom prst="rect">
+            <a:avLst/>
+          </a:prstGeom>
+          <a:ln>
+            <a:noFill/>
+          </a:ln>
         </p:spPr>
         <p:style>
           <a:lnRef idx="2">
@@ -6680,16 +7025,64 @@
           </a:bodyPr>
           <a:lstStyle/>
           <a:p>
+            <a:pPr marL="285750" indent="-285750">
+              <a:buFont typeface="Arial" panose="020B0604020202020204" pitchFamily="34" charset="0"/>
+              <a:buChar char="•"/>
+            </a:pPr>
             <a:endParaRPr lang="en-US" dirty="0"/>
           </a:p>
-        </p:txBody>
-      </p:sp>
-      <p:sp>
-        <p:nvSpPr>
-          <p:cNvPr id="14" name="TextBox 13">
-            <a:extLst>
-              <a:ext uri="{FF2B5EF4-FFF2-40B4-BE49-F238E27FC236}">
-                <a16:creationId xmlns:a16="http://schemas.microsoft.com/office/drawing/2014/main" id="{26C2532B-CB63-FC73-866B-8F3AF94C97C5}"/>
+          <a:p>
+            <a:pPr marL="285750" indent="-285750">
+              <a:buFont typeface="Arial" panose="020B0604020202020204" pitchFamily="34" charset="0"/>
+              <a:buChar char="•"/>
+            </a:pPr>
+            <a:r>
+              <a:rPr lang="en-US" dirty="0"/>
+              <a:t>The Orlando Magic is comfortably in the middle of the pack when it comes to rebounds.</a:t>
+            </a:r>
+          </a:p>
+          <a:p>
+            <a:pPr marL="285750" indent="-285750">
+              <a:buFont typeface="Arial" panose="020B0604020202020204" pitchFamily="34" charset="0"/>
+              <a:buChar char="•"/>
+            </a:pPr>
+            <a:endParaRPr lang="en-US" dirty="0"/>
+          </a:p>
+          <a:p>
+            <a:pPr marL="285750" indent="-285750">
+              <a:buFont typeface="Arial" panose="020B0604020202020204" pitchFamily="34" charset="0"/>
+              <a:buChar char="•"/>
+            </a:pPr>
+            <a:r>
+              <a:rPr lang="en-US" dirty="0"/>
+              <a:t>There is a higher variance with this KPI with a Standard Deviation of 2.2.</a:t>
+            </a:r>
+          </a:p>
+          <a:p>
+            <a:pPr marL="285750" indent="-285750">
+              <a:buFont typeface="Arial" panose="020B0604020202020204" pitchFamily="34" charset="0"/>
+              <a:buChar char="•"/>
+            </a:pPr>
+            <a:endParaRPr lang="en-US" dirty="0"/>
+          </a:p>
+          <a:p>
+            <a:pPr marL="285750" indent="-285750">
+              <a:buFont typeface="Arial" panose="020B0604020202020204" pitchFamily="34" charset="0"/>
+              <a:buChar char="•"/>
+            </a:pPr>
+            <a:r>
+              <a:rPr lang="en-US" dirty="0"/>
+              <a:t>The Milwaukee Bucks are the high outlier of the league with an average 48.6 rebounds per game.</a:t>
+            </a:r>
+          </a:p>
+        </p:txBody>
+      </p:sp>
+      <p:sp>
+        <p:nvSpPr>
+          <p:cNvPr id="13" name="TextBox 12">
+            <a:extLst>
+              <a:ext uri="{FF2B5EF4-FFF2-40B4-BE49-F238E27FC236}">
+                <a16:creationId xmlns:a16="http://schemas.microsoft.com/office/drawing/2014/main" id="{E5689CCD-E170-413E-57F6-8D72C3892BF1}"/>
               </a:ext>
             </a:extLst>
           </p:cNvPr>
@@ -6698,16 +7091,12 @@
         </p:nvSpPr>
         <p:spPr>
           <a:xfrm>
-            <a:off x="0" y="795855"/>
-            <a:ext cx="2692400" cy="1359630"/>
+            <a:off x="0" y="0"/>
+            <a:ext cx="2540000" cy="2187233"/>
           </a:xfrm>
           <a:prstGeom prst="rect">
             <a:avLst/>
           </a:prstGeom>
-          <a:noFill/>
-          <a:ln>
-            <a:noFill/>
-          </a:ln>
         </p:spPr>
         <p:style>
           <a:lnRef idx="2">
@@ -6724,47 +7113,21 @@
           </a:fontRef>
         </p:style>
         <p:txBody>
-          <a:bodyPr vert="horz" lIns="91440" tIns="45720" rIns="91440" bIns="45720" rtlCol="0">
-            <a:normAutofit/>
+          <a:bodyPr wrap="square" rtlCol="0">
+            <a:spAutoFit/>
           </a:bodyPr>
           <a:lstStyle/>
           <a:p>
-            <a:r>
-              <a:rPr lang="en-US" dirty="0"/>
-              <a:t>Orlando : 40.5</a:t>
-            </a:r>
-          </a:p>
-          <a:p>
-            <a:r>
-              <a:rPr lang="en-US" dirty="0"/>
-              <a:t>Mean : 41.9767</a:t>
-            </a:r>
-          </a:p>
-          <a:p>
-            <a:r>
-              <a:rPr lang="en-US" dirty="0"/>
-              <a:t>STD : 1.2902</a:t>
-            </a:r>
-          </a:p>
-          <a:p>
-            <a:r>
-              <a:rPr lang="en-US" dirty="0"/>
-              <a:t>Z-Score : -1.16409</a:t>
-            </a:r>
-            <a:endParaRPr lang="en-US" dirty="0">
-              <a:solidFill>
-                <a:schemeClr val="tx1"/>
-              </a:solidFill>
-            </a:endParaRPr>
-          </a:p>
-        </p:txBody>
-      </p:sp>
-      <p:sp>
-        <p:nvSpPr>
-          <p:cNvPr id="15" name="TextBox 14">
-            <a:extLst>
-              <a:ext uri="{FF2B5EF4-FFF2-40B4-BE49-F238E27FC236}">
-                <a16:creationId xmlns:a16="http://schemas.microsoft.com/office/drawing/2014/main" id="{EFFC6B80-C9B5-5F6E-4DB1-8B3320E3D598}"/>
+            <a:endParaRPr lang="en-US" dirty="0"/>
+          </a:p>
+        </p:txBody>
+      </p:sp>
+      <p:sp>
+        <p:nvSpPr>
+          <p:cNvPr id="14" name="TextBox 13">
+            <a:extLst>
+              <a:ext uri="{FF2B5EF4-FFF2-40B4-BE49-F238E27FC236}">
+                <a16:creationId xmlns:a16="http://schemas.microsoft.com/office/drawing/2014/main" id="{811BD2D6-5D13-1806-AA02-FBF1B5474F35}"/>
               </a:ext>
             </a:extLst>
           </p:cNvPr>
@@ -6773,47 +7136,16 @@
         </p:nvSpPr>
         <p:spPr>
           <a:xfrm>
-            <a:off x="1" y="123254"/>
-            <a:ext cx="2692400" cy="646331"/>
+            <a:off x="1" y="978407"/>
+            <a:ext cx="2540000" cy="1208825"/>
           </a:xfrm>
           <a:prstGeom prst="rect">
             <a:avLst/>
           </a:prstGeom>
           <a:noFill/>
-        </p:spPr>
-        <p:txBody>
-          <a:bodyPr wrap="square" rtlCol="0">
-            <a:spAutoFit/>
-          </a:bodyPr>
-          <a:lstStyle/>
-          <a:p>
-            <a:r>
-              <a:rPr lang="en-US" sz="3600" b="1" dirty="0"/>
-              <a:t>FIELD GOALS</a:t>
-            </a:r>
-          </a:p>
-        </p:txBody>
-      </p:sp>
-      <p:sp>
-        <p:nvSpPr>
-          <p:cNvPr id="12" name="TextBox 11">
-            <a:extLst>
-              <a:ext uri="{FF2B5EF4-FFF2-40B4-BE49-F238E27FC236}">
-                <a16:creationId xmlns:a16="http://schemas.microsoft.com/office/drawing/2014/main" id="{C24C0949-7E96-4201-102D-D7A219EE7A3A}"/>
-              </a:ext>
-            </a:extLst>
-          </p:cNvPr>
-          <p:cNvSpPr txBox="1"/>
-          <p:nvPr/>
-        </p:nvSpPr>
-        <p:spPr>
-          <a:xfrm>
-            <a:off x="2552700" y="0"/>
-            <a:ext cx="3921066" cy="2308324"/>
-          </a:xfrm>
-          <a:prstGeom prst="rect">
-            <a:avLst/>
-          </a:prstGeom>
+          <a:ln>
+            <a:noFill/>
+          </a:ln>
         </p:spPr>
         <p:style>
           <a:lnRef idx="2">
@@ -6830,60 +7162,87 @@
           </a:fontRef>
         </p:style>
         <p:txBody>
+          <a:bodyPr vert="horz" lIns="91440" tIns="45720" rIns="91440" bIns="45720" rtlCol="0">
+            <a:normAutofit/>
+          </a:bodyPr>
+          <a:lstStyle/>
+          <a:p>
+            <a:r>
+              <a:rPr lang="en-US" sz="1800" dirty="0"/>
+              <a:t>Orlando : 43.2</a:t>
+            </a:r>
+          </a:p>
+          <a:p>
+            <a:r>
+              <a:rPr lang="en-US" sz="1800" dirty="0"/>
+              <a:t>Mean : 43.4300</a:t>
+            </a:r>
+          </a:p>
+          <a:p>
+            <a:r>
+              <a:rPr lang="en-US" sz="1800" dirty="0"/>
+              <a:t>STD : 2.2135</a:t>
+            </a:r>
+          </a:p>
+          <a:p>
+            <a:r>
+              <a:rPr lang="en-US" sz="1800" dirty="0"/>
+              <a:t>Z-Score : -0.10569</a:t>
+            </a:r>
+          </a:p>
+        </p:txBody>
+      </p:sp>
+      <p:sp>
+        <p:nvSpPr>
+          <p:cNvPr id="15" name="TextBox 14">
+            <a:extLst>
+              <a:ext uri="{FF2B5EF4-FFF2-40B4-BE49-F238E27FC236}">
+                <a16:creationId xmlns:a16="http://schemas.microsoft.com/office/drawing/2014/main" id="{E7B2BD0B-6667-9677-9712-BD83C533314C}"/>
+              </a:ext>
+            </a:extLst>
+          </p:cNvPr>
+          <p:cNvSpPr txBox="1"/>
+          <p:nvPr/>
+        </p:nvSpPr>
+        <p:spPr>
+          <a:xfrm>
+            <a:off x="1" y="123254"/>
+            <a:ext cx="2641600" cy="707886"/>
+          </a:xfrm>
+          <a:prstGeom prst="rect">
+            <a:avLst/>
+          </a:prstGeom>
+          <a:noFill/>
+        </p:spPr>
+        <p:txBody>
           <a:bodyPr wrap="square" rtlCol="0">
             <a:spAutoFit/>
           </a:bodyPr>
           <a:lstStyle/>
           <a:p>
-            <a:pPr marL="285750" indent="-285750">
-              <a:buFont typeface="Arial" panose="020B0604020202020204" pitchFamily="34" charset="0"/>
-              <a:buChar char="•"/>
-            </a:pPr>
-            <a:r>
-              <a:rPr lang="en-US" dirty="0"/>
-              <a:t>The average Field Goals per games in more evenly distributed across the league. </a:t>
-            </a:r>
-          </a:p>
-          <a:p>
-            <a:pPr marL="285750" indent="-285750">
-              <a:buFont typeface="Arial" panose="020B0604020202020204" pitchFamily="34" charset="0"/>
-              <a:buChar char="•"/>
-            </a:pPr>
-            <a:endParaRPr lang="en-US" dirty="0"/>
-          </a:p>
-          <a:p>
-            <a:pPr marL="285750" indent="-285750">
-              <a:buFont typeface="Arial" panose="020B0604020202020204" pitchFamily="34" charset="0"/>
-              <a:buChar char="•"/>
-            </a:pPr>
-            <a:r>
-              <a:rPr lang="en-US" dirty="0"/>
-              <a:t>The Magic have a close Field Goal % to the Milwaukee Bucks, but both teams are beat by the 15</a:t>
-            </a:r>
-            <a:r>
-              <a:rPr lang="en-US" baseline="30000" dirty="0"/>
-              <a:t>th</a:t>
-            </a:r>
-            <a:r>
-              <a:rPr lang="en-US" dirty="0"/>
-              <a:t> place Minnesota Timberwolves. </a:t>
-            </a:r>
+            <a:r>
+              <a:rPr lang="en-US" sz="4000" b="1" dirty="0"/>
+              <a:t>REBOUNDS</a:t>
+            </a:r>
+            <a:endParaRPr lang="en-US" sz="3600" b="1" dirty="0"/>
           </a:p>
         </p:txBody>
       </p:sp>
       <p:pic>
         <p:nvPicPr>
-          <p:cNvPr id="9" name="Picture 8" descr="Chart, waterfall chart&#10;&#10;Description automatically generated">
-            <a:extLst>
-              <a:ext uri="{FF2B5EF4-FFF2-40B4-BE49-F238E27FC236}">
-                <a16:creationId xmlns:a16="http://schemas.microsoft.com/office/drawing/2014/main" id="{8774639A-46B7-CDD1-E2D3-06C72BFB3B7C}"/>
+          <p:cNvPr id="5" name="Content Placeholder 4" descr="Chart, bar chart&#10;&#10;Description automatically generated">
+            <a:extLst>
+              <a:ext uri="{FF2B5EF4-FFF2-40B4-BE49-F238E27FC236}">
+                <a16:creationId xmlns:a16="http://schemas.microsoft.com/office/drawing/2014/main" id="{22713D47-33E4-344B-8941-72BB2FB30B62}"/>
               </a:ext>
             </a:extLst>
           </p:cNvPr>
           <p:cNvPicPr>
-            <a:picLocks noChangeAspect="1"/>
+            <a:picLocks noGrp="1" noChangeAspect="1"/>
           </p:cNvPicPr>
-          <p:nvPr/>
+          <p:nvPr>
+            <p:ph idx="1"/>
+          </p:nvPr>
         </p:nvPicPr>
         <p:blipFill>
           <a:blip r:embed="rId4"/>
@@ -6893,47 +7252,15 @@
         </p:blipFill>
         <p:spPr>
           <a:xfrm>
-            <a:off x="6705600" y="106809"/>
-            <a:ext cx="5486400" cy="2743200"/>
-          </a:xfrm>
-          <a:prstGeom prst="rect">
-            <a:avLst/>
-          </a:prstGeom>
-        </p:spPr>
-      </p:pic>
-      <p:pic>
-        <p:nvPicPr>
-          <p:cNvPr id="5" name="Content Placeholder 4" descr="Chart, bar chart&#10;&#10;Description automatically generated">
-            <a:extLst>
-              <a:ext uri="{FF2B5EF4-FFF2-40B4-BE49-F238E27FC236}">
-                <a16:creationId xmlns:a16="http://schemas.microsoft.com/office/drawing/2014/main" id="{85864E5B-CDEB-BBC1-7623-E8B82E57EAE7}"/>
-              </a:ext>
-            </a:extLst>
-          </p:cNvPr>
-          <p:cNvPicPr>
-            <a:picLocks noGrp="1" noChangeAspect="1"/>
-          </p:cNvPicPr>
-          <p:nvPr>
-            <p:ph idx="1"/>
-          </p:nvPr>
-        </p:nvPicPr>
-        <p:blipFill>
-          <a:blip r:embed="rId5"/>
-          <a:stretch>
-            <a:fillRect/>
-          </a:stretch>
-        </p:blipFill>
-        <p:spPr>
-          <a:xfrm>
-            <a:off x="6705600" y="2565399"/>
-            <a:ext cx="5486400" cy="4281037"/>
+            <a:off x="6350000" y="2476500"/>
+            <a:ext cx="5842000" cy="4381500"/>
           </a:xfrm>
         </p:spPr>
       </p:pic>
     </p:spTree>
     <p:extLst>
       <p:ext uri="{BB962C8B-B14F-4D97-AF65-F5344CB8AC3E}">
-        <p14:creationId xmlns:p14="http://schemas.microsoft.com/office/powerpoint/2010/main" val="1351282298"/>
+        <p14:creationId xmlns:p14="http://schemas.microsoft.com/office/powerpoint/2010/main" val="3438332265"/>
       </p:ext>
     </p:extLst>
   </p:cSld>
@@ -6965,7 +7292,7 @@
           <p:cNvPr id="7" name="Picture 6" descr="Chart, box and whisker chart&#10;&#10;Description automatically generated">
             <a:extLst>
               <a:ext uri="{FF2B5EF4-FFF2-40B4-BE49-F238E27FC236}">
-                <a16:creationId xmlns:a16="http://schemas.microsoft.com/office/drawing/2014/main" id="{0CF6731B-1235-D502-0766-AE84CAD517B9}"/>
+                <a16:creationId xmlns:a16="http://schemas.microsoft.com/office/drawing/2014/main" id="{62F9A557-682B-BB6E-9FFC-DAB4D9D0B879}"/>
               </a:ext>
             </a:extLst>
           </p:cNvPr>
@@ -6982,8 +7309,8 @@
         </p:blipFill>
         <p:spPr>
           <a:xfrm>
-            <a:off x="0" y="1887537"/>
-            <a:ext cx="7035800" cy="4970463"/>
+            <a:off x="6362700" y="0"/>
+            <a:ext cx="5829299" cy="6857999"/>
           </a:xfrm>
           <a:prstGeom prst="rect">
             <a:avLst/>
@@ -6995,7 +7322,7 @@
           <p:cNvPr id="16" name="TextBox 15">
             <a:extLst>
               <a:ext uri="{FF2B5EF4-FFF2-40B4-BE49-F238E27FC236}">
-                <a16:creationId xmlns:a16="http://schemas.microsoft.com/office/drawing/2014/main" id="{E9DC06BE-101F-F93B-897F-4C12AE4E16B6}"/>
+                <a16:creationId xmlns:a16="http://schemas.microsoft.com/office/drawing/2014/main" id="{A61CAA6D-C5D5-324F-AA15-CEE47EBB5CF5}"/>
               </a:ext>
             </a:extLst>
           </p:cNvPr>
@@ -7005,44 +7332,7 @@
         <p:spPr>
           <a:xfrm>
             <a:off x="2540000" y="0"/>
-            <a:ext cx="9652000" cy="2187232"/>
-          </a:xfrm>
-          <a:prstGeom prst="rect">
-            <a:avLst/>
-          </a:prstGeom>
-          <a:noFill/>
-          <a:ln>
-            <a:solidFill>
-              <a:schemeClr val="tx1"/>
-            </a:solidFill>
-          </a:ln>
-        </p:spPr>
-        <p:txBody>
-          <a:bodyPr wrap="square" rtlCol="0">
-            <a:spAutoFit/>
-          </a:bodyPr>
-          <a:lstStyle/>
-          <a:p>
-            <a:endParaRPr lang="en-US" dirty="0"/>
-          </a:p>
-        </p:txBody>
-      </p:sp>
-      <p:sp>
-        <p:nvSpPr>
-          <p:cNvPr id="12" name="TextBox 11">
-            <a:extLst>
-              <a:ext uri="{FF2B5EF4-FFF2-40B4-BE49-F238E27FC236}">
-                <a16:creationId xmlns:a16="http://schemas.microsoft.com/office/drawing/2014/main" id="{BF9EF508-25C6-AC8C-6C0F-9C2464570415}"/>
-              </a:ext>
-            </a:extLst>
-          </p:cNvPr>
-          <p:cNvSpPr txBox="1"/>
-          <p:nvPr/>
-        </p:nvSpPr>
-        <p:spPr>
-          <a:xfrm>
-            <a:off x="2540000" y="0"/>
-            <a:ext cx="9652000" cy="1754326"/>
+            <a:ext cx="3933766" cy="2031325"/>
           </a:xfrm>
           <a:prstGeom prst="rect">
             <a:avLst/>
@@ -7084,7 +7374,7 @@
             </a:pPr>
             <a:r>
               <a:rPr lang="en-US" dirty="0"/>
-              <a:t>The Orlando Magic is comfortably in the middle of the pack when it comes to rebounds.</a:t>
+              <a:t>The Magic are above average when it comes to turnovers. </a:t>
             </a:r>
           </a:p>
           <a:p>
@@ -7101,24 +7391,7 @@
             </a:pPr>
             <a:r>
               <a:rPr lang="en-US" dirty="0"/>
-              <a:t>There is a higher variance with this KPI with a Standard Deviation of 2.2.</a:t>
-            </a:r>
-          </a:p>
-          <a:p>
-            <a:pPr marL="285750" indent="-285750">
-              <a:buFont typeface="Arial" panose="020B0604020202020204" pitchFamily="34" charset="0"/>
-              <a:buChar char="•"/>
-            </a:pPr>
-            <a:endParaRPr lang="en-US" dirty="0"/>
-          </a:p>
-          <a:p>
-            <a:pPr marL="285750" indent="-285750">
-              <a:buFont typeface="Arial" panose="020B0604020202020204" pitchFamily="34" charset="0"/>
-              <a:buChar char="•"/>
-            </a:pPr>
-            <a:r>
-              <a:rPr lang="en-US" dirty="0"/>
-              <a:t>The Milwaukee Bucks are the high outlier of the league with an average 48.6 rebounds per game.</a:t>
+              <a:t>The Bucks, Timberwolves, and Pistons have very similar Turnover rates.</a:t>
             </a:r>
           </a:p>
         </p:txBody>
@@ -7128,7 +7401,7 @@
           <p:cNvPr id="13" name="TextBox 12">
             <a:extLst>
               <a:ext uri="{FF2B5EF4-FFF2-40B4-BE49-F238E27FC236}">
-                <a16:creationId xmlns:a16="http://schemas.microsoft.com/office/drawing/2014/main" id="{E5689CCD-E170-413E-57F6-8D72C3892BF1}"/>
+                <a16:creationId xmlns:a16="http://schemas.microsoft.com/office/drawing/2014/main" id="{E5C009C6-7EDE-BAAA-B6AC-03FDA5C4FB9D}"/>
               </a:ext>
             </a:extLst>
           </p:cNvPr>
@@ -7170,10 +7443,10 @@
       </p:sp>
       <p:sp>
         <p:nvSpPr>
-          <p:cNvPr id="14" name="TextBox 13">
-            <a:extLst>
-              <a:ext uri="{FF2B5EF4-FFF2-40B4-BE49-F238E27FC236}">
-                <a16:creationId xmlns:a16="http://schemas.microsoft.com/office/drawing/2014/main" id="{811BD2D6-5D13-1806-AA02-FBF1B5474F35}"/>
+          <p:cNvPr id="11" name="TextBox 10">
+            <a:extLst>
+              <a:ext uri="{FF2B5EF4-FFF2-40B4-BE49-F238E27FC236}">
+                <a16:creationId xmlns:a16="http://schemas.microsoft.com/office/drawing/2014/main" id="{F061ACA2-FCFF-2FBB-FE82-6E7A9AB3FABF}"/>
               </a:ext>
             </a:extLst>
           </p:cNvPr>
@@ -7182,83 +7455,142 @@
         </p:nvSpPr>
         <p:spPr>
           <a:xfrm>
-            <a:off x="1" y="978407"/>
-            <a:ext cx="2540000" cy="1208825"/>
+            <a:off x="0" y="154031"/>
+            <a:ext cx="2540000" cy="646331"/>
+          </a:xfrm>
+          <a:prstGeom prst="rect">
+            <a:avLst/>
+          </a:prstGeom>
+          <a:noFill/>
+        </p:spPr>
+        <p:txBody>
+          <a:bodyPr wrap="square" rtlCol="0">
+            <a:spAutoFit/>
+          </a:bodyPr>
+          <a:lstStyle/>
+          <a:p>
+            <a:r>
+              <a:rPr lang="en-US" sz="3600" b="1" dirty="0"/>
+              <a:t>TURNOVERS</a:t>
+            </a:r>
+            <a:endParaRPr lang="en-US" sz="6600" b="1" dirty="0"/>
+          </a:p>
+        </p:txBody>
+      </p:sp>
+      <p:sp>
+        <p:nvSpPr>
+          <p:cNvPr id="10" name="TextBox 9">
+            <a:extLst>
+              <a:ext uri="{FF2B5EF4-FFF2-40B4-BE49-F238E27FC236}">
+                <a16:creationId xmlns:a16="http://schemas.microsoft.com/office/drawing/2014/main" id="{E7087A4F-34AE-DCFE-1CD7-40695B9B990F}"/>
+              </a:ext>
+            </a:extLst>
+          </p:cNvPr>
+          <p:cNvSpPr txBox="1"/>
+          <p:nvPr/>
+        </p:nvSpPr>
+        <p:spPr>
+          <a:xfrm>
+            <a:off x="0" y="894160"/>
+            <a:ext cx="2540000" cy="1754326"/>
+          </a:xfrm>
+          <a:prstGeom prst="rect">
+            <a:avLst/>
+          </a:prstGeom>
+          <a:noFill/>
+        </p:spPr>
+        <p:txBody>
+          <a:bodyPr wrap="square" rtlCol="0">
+            <a:spAutoFit/>
+          </a:bodyPr>
+          <a:lstStyle/>
+          <a:p>
+            <a:r>
+              <a:rPr lang="en-US" dirty="0"/>
+              <a:t>Orlando : 15.1</a:t>
+            </a:r>
+          </a:p>
+          <a:p>
+            <a:r>
+              <a:rPr lang="en-US" dirty="0"/>
+              <a:t>Mean : 14.0933</a:t>
+            </a:r>
+          </a:p>
+          <a:p>
+            <a:r>
+              <a:rPr lang="en-US" dirty="0"/>
+              <a:t>STD : 1.0796</a:t>
+            </a:r>
+          </a:p>
+          <a:p>
+            <a:r>
+              <a:rPr lang="en-US" dirty="0"/>
+              <a:t>Z-Score : 0.94841</a:t>
+            </a:r>
+          </a:p>
+          <a:p>
+            <a:endParaRPr lang="en-US" dirty="0"/>
+          </a:p>
+          <a:p>
+            <a:endParaRPr lang="en-US" dirty="0"/>
+          </a:p>
+        </p:txBody>
+      </p:sp>
+      <p:pic>
+        <p:nvPicPr>
+          <p:cNvPr id="18" name="Picture 17">
+            <a:extLst>
+              <a:ext uri="{FF2B5EF4-FFF2-40B4-BE49-F238E27FC236}">
+                <a16:creationId xmlns:a16="http://schemas.microsoft.com/office/drawing/2014/main" id="{10B492B2-3BA6-2B91-D49E-918159086F02}"/>
+              </a:ext>
+            </a:extLst>
+          </p:cNvPr>
+          <p:cNvPicPr>
+            <a:picLocks noChangeAspect="1"/>
+          </p:cNvPicPr>
+          <p:nvPr/>
+        </p:nvPicPr>
+        <p:blipFill>
+          <a:blip r:embed="rId4"/>
+          <a:srcRect/>
+          <a:stretch/>
+        </p:blipFill>
+        <p:spPr>
+          <a:xfrm>
+            <a:off x="0" y="2341263"/>
+            <a:ext cx="6654800" cy="4516735"/>
+          </a:xfrm>
+          <a:prstGeom prst="rect">
+            <a:avLst/>
+          </a:prstGeom>
+        </p:spPr>
+      </p:pic>
+      <p:sp>
+        <p:nvSpPr>
+          <p:cNvPr id="19" name="TextBox 18">
+            <a:extLst>
+              <a:ext uri="{FF2B5EF4-FFF2-40B4-BE49-F238E27FC236}">
+                <a16:creationId xmlns:a16="http://schemas.microsoft.com/office/drawing/2014/main" id="{EAD0A887-299A-4DCF-A07D-C8266612ECF6}"/>
+              </a:ext>
+            </a:extLst>
+          </p:cNvPr>
+          <p:cNvSpPr txBox="1"/>
+          <p:nvPr/>
+        </p:nvSpPr>
+        <p:spPr>
+          <a:xfrm>
+            <a:off x="2540000" y="0"/>
+            <a:ext cx="3933766" cy="2187233"/>
           </a:xfrm>
           <a:prstGeom prst="rect">
             <a:avLst/>
           </a:prstGeom>
           <a:noFill/>
           <a:ln>
-            <a:noFill/>
+            <a:solidFill>
+              <a:schemeClr val="tx1"/>
+            </a:solidFill>
           </a:ln>
-        </p:spPr>
-        <p:style>
-          <a:lnRef idx="2">
-            <a:schemeClr val="dk1"/>
-          </a:lnRef>
-          <a:fillRef idx="1">
-            <a:schemeClr val="lt1"/>
-          </a:fillRef>
-          <a:effectRef idx="0">
-            <a:schemeClr val="dk1"/>
-          </a:effectRef>
-          <a:fontRef idx="minor">
-            <a:schemeClr val="dk1"/>
-          </a:fontRef>
-        </p:style>
-        <p:txBody>
-          <a:bodyPr vert="horz" lIns="91440" tIns="45720" rIns="91440" bIns="45720" rtlCol="0">
-            <a:normAutofit/>
-          </a:bodyPr>
-          <a:lstStyle/>
-          <a:p>
-            <a:r>
-              <a:rPr lang="en-US" sz="1800" dirty="0"/>
-              <a:t>Orlando : 43.2</a:t>
-            </a:r>
-          </a:p>
-          <a:p>
-            <a:r>
-              <a:rPr lang="en-US" sz="1800" dirty="0"/>
-              <a:t>Mean : 43.4300</a:t>
-            </a:r>
-          </a:p>
-          <a:p>
-            <a:r>
-              <a:rPr lang="en-US" sz="1800" dirty="0"/>
-              <a:t>STD : 2.2135</a:t>
-            </a:r>
-          </a:p>
-          <a:p>
-            <a:r>
-              <a:rPr lang="en-US" sz="1800" dirty="0"/>
-              <a:t>Z-Score : -0.10569</a:t>
-            </a:r>
-          </a:p>
-        </p:txBody>
-      </p:sp>
-      <p:sp>
-        <p:nvSpPr>
-          <p:cNvPr id="15" name="TextBox 14">
-            <a:extLst>
-              <a:ext uri="{FF2B5EF4-FFF2-40B4-BE49-F238E27FC236}">
-                <a16:creationId xmlns:a16="http://schemas.microsoft.com/office/drawing/2014/main" id="{E7B2BD0B-6667-9677-9712-BD83C533314C}"/>
-              </a:ext>
-            </a:extLst>
-          </p:cNvPr>
-          <p:cNvSpPr txBox="1"/>
-          <p:nvPr/>
-        </p:nvSpPr>
-        <p:spPr>
-          <a:xfrm>
-            <a:off x="1" y="123254"/>
-            <a:ext cx="2641600" cy="707886"/>
-          </a:xfrm>
-          <a:prstGeom prst="rect">
-            <a:avLst/>
-          </a:prstGeom>
-          <a:noFill/>
         </p:spPr>
         <p:txBody>
           <a:bodyPr wrap="square" rtlCol="0">
@@ -7266,47 +7598,14 @@
           </a:bodyPr>
           <a:lstStyle/>
           <a:p>
-            <a:r>
-              <a:rPr lang="en-US" sz="4000" b="1" dirty="0"/>
-              <a:t>REBOUNDS</a:t>
-            </a:r>
-            <a:endParaRPr lang="en-US" sz="3600" b="1" dirty="0"/>
-          </a:p>
-        </p:txBody>
-      </p:sp>
-      <p:pic>
-        <p:nvPicPr>
-          <p:cNvPr id="5" name="Content Placeholder 4" descr="Chart, bar chart&#10;&#10;Description automatically generated">
-            <a:extLst>
-              <a:ext uri="{FF2B5EF4-FFF2-40B4-BE49-F238E27FC236}">
-                <a16:creationId xmlns:a16="http://schemas.microsoft.com/office/drawing/2014/main" id="{22713D47-33E4-344B-8941-72BB2FB30B62}"/>
-              </a:ext>
-            </a:extLst>
-          </p:cNvPr>
-          <p:cNvPicPr>
-            <a:picLocks noGrp="1" noChangeAspect="1"/>
-          </p:cNvPicPr>
-          <p:nvPr>
-            <p:ph idx="1"/>
-          </p:nvPr>
-        </p:nvPicPr>
-        <p:blipFill>
-          <a:blip r:embed="rId4"/>
-          <a:stretch>
-            <a:fillRect/>
-          </a:stretch>
-        </p:blipFill>
-        <p:spPr>
-          <a:xfrm>
-            <a:off x="6350000" y="2476500"/>
-            <a:ext cx="5842000" cy="4381500"/>
-          </a:xfrm>
-        </p:spPr>
-      </p:pic>
+            <a:endParaRPr lang="en-US" dirty="0"/>
+          </a:p>
+        </p:txBody>
+      </p:sp>
     </p:spTree>
     <p:extLst>
       <p:ext uri="{BB962C8B-B14F-4D97-AF65-F5344CB8AC3E}">
-        <p14:creationId xmlns:p14="http://schemas.microsoft.com/office/powerpoint/2010/main" val="3438332265"/>
+        <p14:creationId xmlns:p14="http://schemas.microsoft.com/office/powerpoint/2010/main" val="1960610940"/>
       </p:ext>
     </p:extLst>
   </p:cSld>
@@ -7333,12 +7632,99 @@
           <a:chExt cx="0" cy="0"/>
         </a:xfrm>
       </p:grpSpPr>
+      <p:sp>
+        <p:nvSpPr>
+          <p:cNvPr id="2" name="Title 1">
+            <a:extLst>
+              <a:ext uri="{FF2B5EF4-FFF2-40B4-BE49-F238E27FC236}">
+                <a16:creationId xmlns:a16="http://schemas.microsoft.com/office/drawing/2014/main" id="{4037983E-A1E4-8924-A985-57397BD6762A}"/>
+              </a:ext>
+            </a:extLst>
+          </p:cNvPr>
+          <p:cNvSpPr>
+            <a:spLocks noGrp="1"/>
+          </p:cNvSpPr>
+          <p:nvPr>
+            <p:ph type="title"/>
+          </p:nvPr>
+        </p:nvSpPr>
+        <p:spPr/>
+        <p:txBody>
+          <a:bodyPr>
+            <a:normAutofit fontScale="90000"/>
+          </a:bodyPr>
+          <a:lstStyle/>
+          <a:p>
+            <a:pPr algn="ctr"/>
+            <a:r>
+              <a:rPr lang="en-US" sz="4000" b="1" dirty="0"/>
+              <a:t>Question 4 - </a:t>
+            </a:r>
+            <a:r>
+              <a:rPr lang="en-US" sz="4000" b="1" dirty="0">
+                <a:solidFill>
+                  <a:srgbClr val="000000"/>
+                </a:solidFill>
+              </a:rPr>
+              <a:t>KPIs most closely relate to wins </a:t>
+            </a:r>
+            <a:br>
+              <a:rPr lang="en-US" b="1" dirty="0"/>
+            </a:br>
+            <a:r>
+              <a:rPr lang="en-US" sz="3600" b="1" dirty="0"/>
+              <a:t>Linear Regression: </a:t>
+            </a:r>
+            <a:br>
+              <a:rPr lang="en-US" sz="3600" b="1" dirty="0"/>
+            </a:br>
+            <a:r>
+              <a:rPr lang="en-US" sz="3600" b="1" dirty="0"/>
+              <a:t>Summary of the R-values of the KPIs studied</a:t>
+            </a:r>
+          </a:p>
+        </p:txBody>
+      </p:sp>
       <p:pic>
         <p:nvPicPr>
-          <p:cNvPr id="7" name="Picture 6" descr="Chart, box and whisker chart&#10;&#10;Description automatically generated">
-            <a:extLst>
-              <a:ext uri="{FF2B5EF4-FFF2-40B4-BE49-F238E27FC236}">
-                <a16:creationId xmlns:a16="http://schemas.microsoft.com/office/drawing/2014/main" id="{62F9A557-682B-BB6E-9FFC-DAB4D9D0B879}"/>
+          <p:cNvPr id="7" name="Content Placeholder 6" descr="Table&#10;&#10;Description automatically generated">
+            <a:extLst>
+              <a:ext uri="{FF2B5EF4-FFF2-40B4-BE49-F238E27FC236}">
+                <a16:creationId xmlns:a16="http://schemas.microsoft.com/office/drawing/2014/main" id="{07A5C1CF-BB1C-D01B-BC10-D02C55BB3FC7}"/>
+              </a:ext>
+            </a:extLst>
+          </p:cNvPr>
+          <p:cNvPicPr>
+            <a:picLocks noGrp="1" noChangeAspect="1"/>
+          </p:cNvPicPr>
+          <p:nvPr>
+            <p:ph idx="1"/>
+          </p:nvPr>
+        </p:nvPicPr>
+        <p:blipFill rotWithShape="1">
+          <a:blip r:embed="rId2">
+            <a:extLst>
+              <a:ext uri="{28A0092B-C50C-407E-A947-70E740481C1C}">
+                <a14:useLocalDpi xmlns:a14="http://schemas.microsoft.com/office/drawing/2010/main" val="0"/>
+              </a:ext>
+            </a:extLst>
+          </a:blip>
+          <a:srcRect t="5937" r="20376"/>
+          <a:stretch/>
+        </p:blipFill>
+        <p:spPr>
+          <a:xfrm>
+            <a:off x="5028047" y="1967024"/>
+            <a:ext cx="6392559" cy="4209940"/>
+          </a:xfrm>
+        </p:spPr>
+      </p:pic>
+      <p:pic>
+        <p:nvPicPr>
+          <p:cNvPr id="5" name="Picture 4">
+            <a:extLst>
+              <a:ext uri="{FF2B5EF4-FFF2-40B4-BE49-F238E27FC236}">
+                <a16:creationId xmlns:a16="http://schemas.microsoft.com/office/drawing/2014/main" id="{A4C6AC7E-EF8A-E3F5-9D18-07FECE5D4F52}"/>
               </a:ext>
             </a:extLst>
           </p:cNvPr>
@@ -7355,303 +7741,18 @@
         </p:blipFill>
         <p:spPr>
           <a:xfrm>
-            <a:off x="6362700" y="0"/>
-            <a:ext cx="5829299" cy="6857999"/>
+            <a:off x="771395" y="1828800"/>
+            <a:ext cx="4481090" cy="4348164"/>
           </a:xfrm>
           <a:prstGeom prst="rect">
             <a:avLst/>
           </a:prstGeom>
         </p:spPr>
       </p:pic>
-      <p:sp>
-        <p:nvSpPr>
-          <p:cNvPr id="16" name="TextBox 15">
-            <a:extLst>
-              <a:ext uri="{FF2B5EF4-FFF2-40B4-BE49-F238E27FC236}">
-                <a16:creationId xmlns:a16="http://schemas.microsoft.com/office/drawing/2014/main" id="{A61CAA6D-C5D5-324F-AA15-CEE47EBB5CF5}"/>
-              </a:ext>
-            </a:extLst>
-          </p:cNvPr>
-          <p:cNvSpPr txBox="1"/>
-          <p:nvPr/>
-        </p:nvSpPr>
-        <p:spPr>
-          <a:xfrm>
-            <a:off x="2540000" y="0"/>
-            <a:ext cx="3933766" cy="2031325"/>
-          </a:xfrm>
-          <a:prstGeom prst="rect">
-            <a:avLst/>
-          </a:prstGeom>
-          <a:ln>
-            <a:noFill/>
-          </a:ln>
-        </p:spPr>
-        <p:style>
-          <a:lnRef idx="2">
-            <a:schemeClr val="dk1"/>
-          </a:lnRef>
-          <a:fillRef idx="1">
-            <a:schemeClr val="lt1"/>
-          </a:fillRef>
-          <a:effectRef idx="0">
-            <a:schemeClr val="dk1"/>
-          </a:effectRef>
-          <a:fontRef idx="minor">
-            <a:schemeClr val="dk1"/>
-          </a:fontRef>
-        </p:style>
-        <p:txBody>
-          <a:bodyPr wrap="square" rtlCol="0">
-            <a:spAutoFit/>
-          </a:bodyPr>
-          <a:lstStyle/>
-          <a:p>
-            <a:pPr marL="285750" indent="-285750">
-              <a:buFont typeface="Arial" panose="020B0604020202020204" pitchFamily="34" charset="0"/>
-              <a:buChar char="•"/>
-            </a:pPr>
-            <a:endParaRPr lang="en-US" dirty="0"/>
-          </a:p>
-          <a:p>
-            <a:pPr marL="285750" indent="-285750">
-              <a:buFont typeface="Arial" panose="020B0604020202020204" pitchFamily="34" charset="0"/>
-              <a:buChar char="•"/>
-            </a:pPr>
-            <a:r>
-              <a:rPr lang="en-US" dirty="0"/>
-              <a:t>The Magic are above average when it comes to turnovers. </a:t>
-            </a:r>
-          </a:p>
-          <a:p>
-            <a:pPr marL="285750" indent="-285750">
-              <a:buFont typeface="Arial" panose="020B0604020202020204" pitchFamily="34" charset="0"/>
-              <a:buChar char="•"/>
-            </a:pPr>
-            <a:endParaRPr lang="en-US" dirty="0"/>
-          </a:p>
-          <a:p>
-            <a:pPr marL="285750" indent="-285750">
-              <a:buFont typeface="Arial" panose="020B0604020202020204" pitchFamily="34" charset="0"/>
-              <a:buChar char="•"/>
-            </a:pPr>
-            <a:r>
-              <a:rPr lang="en-US" dirty="0"/>
-              <a:t>The Bucks, Timberwolves, and Pistons have very similar Turnover rates.</a:t>
-            </a:r>
-          </a:p>
-        </p:txBody>
-      </p:sp>
-      <p:sp>
-        <p:nvSpPr>
-          <p:cNvPr id="13" name="TextBox 12">
-            <a:extLst>
-              <a:ext uri="{FF2B5EF4-FFF2-40B4-BE49-F238E27FC236}">
-                <a16:creationId xmlns:a16="http://schemas.microsoft.com/office/drawing/2014/main" id="{E5C009C6-7EDE-BAAA-B6AC-03FDA5C4FB9D}"/>
-              </a:ext>
-            </a:extLst>
-          </p:cNvPr>
-          <p:cNvSpPr txBox="1"/>
-          <p:nvPr/>
-        </p:nvSpPr>
-        <p:spPr>
-          <a:xfrm>
-            <a:off x="0" y="0"/>
-            <a:ext cx="2540000" cy="2187233"/>
-          </a:xfrm>
-          <a:prstGeom prst="rect">
-            <a:avLst/>
-          </a:prstGeom>
-        </p:spPr>
-        <p:style>
-          <a:lnRef idx="2">
-            <a:schemeClr val="dk1"/>
-          </a:lnRef>
-          <a:fillRef idx="1">
-            <a:schemeClr val="lt1"/>
-          </a:fillRef>
-          <a:effectRef idx="0">
-            <a:schemeClr val="dk1"/>
-          </a:effectRef>
-          <a:fontRef idx="minor">
-            <a:schemeClr val="dk1"/>
-          </a:fontRef>
-        </p:style>
-        <p:txBody>
-          <a:bodyPr wrap="square" rtlCol="0">
-            <a:spAutoFit/>
-          </a:bodyPr>
-          <a:lstStyle/>
-          <a:p>
-            <a:endParaRPr lang="en-US" dirty="0"/>
-          </a:p>
-        </p:txBody>
-      </p:sp>
-      <p:sp>
-        <p:nvSpPr>
-          <p:cNvPr id="11" name="TextBox 10">
-            <a:extLst>
-              <a:ext uri="{FF2B5EF4-FFF2-40B4-BE49-F238E27FC236}">
-                <a16:creationId xmlns:a16="http://schemas.microsoft.com/office/drawing/2014/main" id="{F061ACA2-FCFF-2FBB-FE82-6E7A9AB3FABF}"/>
-              </a:ext>
-            </a:extLst>
-          </p:cNvPr>
-          <p:cNvSpPr txBox="1"/>
-          <p:nvPr/>
-        </p:nvSpPr>
-        <p:spPr>
-          <a:xfrm>
-            <a:off x="0" y="154031"/>
-            <a:ext cx="2540000" cy="646331"/>
-          </a:xfrm>
-          <a:prstGeom prst="rect">
-            <a:avLst/>
-          </a:prstGeom>
-          <a:noFill/>
-        </p:spPr>
-        <p:txBody>
-          <a:bodyPr wrap="square" rtlCol="0">
-            <a:spAutoFit/>
-          </a:bodyPr>
-          <a:lstStyle/>
-          <a:p>
-            <a:r>
-              <a:rPr lang="en-US" sz="3600" b="1" dirty="0"/>
-              <a:t>TURNOVERS</a:t>
-            </a:r>
-            <a:endParaRPr lang="en-US" sz="6600" b="1" dirty="0"/>
-          </a:p>
-        </p:txBody>
-      </p:sp>
-      <p:sp>
-        <p:nvSpPr>
-          <p:cNvPr id="10" name="TextBox 9">
-            <a:extLst>
-              <a:ext uri="{FF2B5EF4-FFF2-40B4-BE49-F238E27FC236}">
-                <a16:creationId xmlns:a16="http://schemas.microsoft.com/office/drawing/2014/main" id="{E7087A4F-34AE-DCFE-1CD7-40695B9B990F}"/>
-              </a:ext>
-            </a:extLst>
-          </p:cNvPr>
-          <p:cNvSpPr txBox="1"/>
-          <p:nvPr/>
-        </p:nvSpPr>
-        <p:spPr>
-          <a:xfrm>
-            <a:off x="0" y="894160"/>
-            <a:ext cx="2540000" cy="1754326"/>
-          </a:xfrm>
-          <a:prstGeom prst="rect">
-            <a:avLst/>
-          </a:prstGeom>
-          <a:noFill/>
-        </p:spPr>
-        <p:txBody>
-          <a:bodyPr wrap="square" rtlCol="0">
-            <a:spAutoFit/>
-          </a:bodyPr>
-          <a:lstStyle/>
-          <a:p>
-            <a:r>
-              <a:rPr lang="en-US" dirty="0"/>
-              <a:t>Orlando : 15.1</a:t>
-            </a:r>
-          </a:p>
-          <a:p>
-            <a:r>
-              <a:rPr lang="en-US" dirty="0"/>
-              <a:t>Mean : 14.0933</a:t>
-            </a:r>
-          </a:p>
-          <a:p>
-            <a:r>
-              <a:rPr lang="en-US" dirty="0"/>
-              <a:t>STD : 1.0796</a:t>
-            </a:r>
-          </a:p>
-          <a:p>
-            <a:r>
-              <a:rPr lang="en-US" dirty="0"/>
-              <a:t>Z-Score : 0.94841</a:t>
-            </a:r>
-          </a:p>
-          <a:p>
-            <a:endParaRPr lang="en-US" dirty="0"/>
-          </a:p>
-          <a:p>
-            <a:endParaRPr lang="en-US" dirty="0"/>
-          </a:p>
-        </p:txBody>
-      </p:sp>
-      <p:pic>
-        <p:nvPicPr>
-          <p:cNvPr id="18" name="Picture 17">
-            <a:extLst>
-              <a:ext uri="{FF2B5EF4-FFF2-40B4-BE49-F238E27FC236}">
-                <a16:creationId xmlns:a16="http://schemas.microsoft.com/office/drawing/2014/main" id="{10B492B2-3BA6-2B91-D49E-918159086F02}"/>
-              </a:ext>
-            </a:extLst>
-          </p:cNvPr>
-          <p:cNvPicPr>
-            <a:picLocks noChangeAspect="1"/>
-          </p:cNvPicPr>
-          <p:nvPr/>
-        </p:nvPicPr>
-        <p:blipFill>
-          <a:blip r:embed="rId4"/>
-          <a:srcRect/>
-          <a:stretch/>
-        </p:blipFill>
-        <p:spPr>
-          <a:xfrm>
-            <a:off x="0" y="2341263"/>
-            <a:ext cx="6654800" cy="4516735"/>
-          </a:xfrm>
-          <a:prstGeom prst="rect">
-            <a:avLst/>
-          </a:prstGeom>
-        </p:spPr>
-      </p:pic>
-      <p:sp>
-        <p:nvSpPr>
-          <p:cNvPr id="19" name="TextBox 18">
-            <a:extLst>
-              <a:ext uri="{FF2B5EF4-FFF2-40B4-BE49-F238E27FC236}">
-                <a16:creationId xmlns:a16="http://schemas.microsoft.com/office/drawing/2014/main" id="{EAD0A887-299A-4DCF-A07D-C8266612ECF6}"/>
-              </a:ext>
-            </a:extLst>
-          </p:cNvPr>
-          <p:cNvSpPr txBox="1"/>
-          <p:nvPr/>
-        </p:nvSpPr>
-        <p:spPr>
-          <a:xfrm>
-            <a:off x="2540000" y="0"/>
-            <a:ext cx="3933766" cy="2187233"/>
-          </a:xfrm>
-          <a:prstGeom prst="rect">
-            <a:avLst/>
-          </a:prstGeom>
-          <a:noFill/>
-          <a:ln>
-            <a:solidFill>
-              <a:schemeClr val="tx1"/>
-            </a:solidFill>
-          </a:ln>
-        </p:spPr>
-        <p:txBody>
-          <a:bodyPr wrap="square" rtlCol="0">
-            <a:spAutoFit/>
-          </a:bodyPr>
-          <a:lstStyle/>
-          <a:p>
-            <a:endParaRPr lang="en-US" dirty="0"/>
-          </a:p>
-        </p:txBody>
-      </p:sp>
     </p:spTree>
     <p:extLst>
       <p:ext uri="{BB962C8B-B14F-4D97-AF65-F5344CB8AC3E}">
-        <p14:creationId xmlns:p14="http://schemas.microsoft.com/office/powerpoint/2010/main" val="1960610940"/>
+        <p14:creationId xmlns:p14="http://schemas.microsoft.com/office/powerpoint/2010/main" val="2849149121"/>
       </p:ext>
     </p:extLst>
   </p:cSld>
@@ -7678,99 +7779,42 @@
           <a:chExt cx="0" cy="0"/>
         </a:xfrm>
       </p:grpSpPr>
-      <p:sp>
-        <p:nvSpPr>
-          <p:cNvPr id="2" name="Title 1">
-            <a:extLst>
-              <a:ext uri="{FF2B5EF4-FFF2-40B4-BE49-F238E27FC236}">
-                <a16:creationId xmlns:a16="http://schemas.microsoft.com/office/drawing/2014/main" id="{4037983E-A1E4-8924-A985-57397BD6762A}"/>
-              </a:ext>
-            </a:extLst>
-          </p:cNvPr>
-          <p:cNvSpPr>
-            <a:spLocks noGrp="1"/>
-          </p:cNvSpPr>
-          <p:nvPr>
-            <p:ph type="title"/>
-          </p:nvPr>
-        </p:nvSpPr>
-        <p:spPr/>
-        <p:txBody>
-          <a:bodyPr>
-            <a:normAutofit fontScale="90000"/>
-          </a:bodyPr>
-          <a:lstStyle/>
-          <a:p>
-            <a:pPr algn="ctr"/>
-            <a:r>
-              <a:rPr lang="en-US" sz="4000" b="1" dirty="0"/>
-              <a:t>Question 4 - </a:t>
-            </a:r>
-            <a:r>
-              <a:rPr lang="en-US" sz="4000" b="1" dirty="0">
-                <a:solidFill>
-                  <a:srgbClr val="000000"/>
-                </a:solidFill>
-              </a:rPr>
-              <a:t>KPIs most closely relate to wins </a:t>
-            </a:r>
-            <a:br>
-              <a:rPr lang="en-US" b="1" dirty="0"/>
-            </a:br>
-            <a:r>
-              <a:rPr lang="en-US" sz="3600" b="1" dirty="0"/>
-              <a:t>Linear Regression: </a:t>
-            </a:r>
-            <a:br>
-              <a:rPr lang="en-US" sz="3600" b="1" dirty="0"/>
-            </a:br>
-            <a:r>
-              <a:rPr lang="en-US" sz="3600" b="1" dirty="0"/>
-              <a:t>Summary of the R-values of the KPIs studied</a:t>
-            </a:r>
-          </a:p>
-        </p:txBody>
-      </p:sp>
       <p:pic>
         <p:nvPicPr>
-          <p:cNvPr id="7" name="Content Placeholder 6" descr="Table&#10;&#10;Description automatically generated">
-            <a:extLst>
-              <a:ext uri="{FF2B5EF4-FFF2-40B4-BE49-F238E27FC236}">
-                <a16:creationId xmlns:a16="http://schemas.microsoft.com/office/drawing/2014/main" id="{07A5C1CF-BB1C-D01B-BC10-D02C55BB3FC7}"/>
+          <p:cNvPr id="5" name="Picture 4">
+            <a:extLst>
+              <a:ext uri="{FF2B5EF4-FFF2-40B4-BE49-F238E27FC236}">
+                <a16:creationId xmlns:a16="http://schemas.microsoft.com/office/drawing/2014/main" id="{98A0F710-97E4-0DCB-02CF-E8885BE8DA0D}"/>
               </a:ext>
             </a:extLst>
           </p:cNvPr>
           <p:cNvPicPr>
-            <a:picLocks noGrp="1" noChangeAspect="1"/>
+            <a:picLocks noChangeAspect="1"/>
           </p:cNvPicPr>
-          <p:nvPr>
-            <p:ph idx="1"/>
-          </p:nvPr>
+          <p:nvPr/>
         </p:nvPicPr>
-        <p:blipFill rotWithShape="1">
-          <a:blip r:embed="rId2">
-            <a:extLst>
-              <a:ext uri="{28A0092B-C50C-407E-A947-70E740481C1C}">
-                <a14:useLocalDpi xmlns:a14="http://schemas.microsoft.com/office/drawing/2010/main" val="0"/>
-              </a:ext>
-            </a:extLst>
-          </a:blip>
-          <a:srcRect t="5937" r="20376"/>
-          <a:stretch/>
+        <p:blipFill>
+          <a:blip r:embed="rId2"/>
+          <a:stretch>
+            <a:fillRect/>
+          </a:stretch>
         </p:blipFill>
         <p:spPr>
           <a:xfrm>
-            <a:off x="5028047" y="1967024"/>
-            <a:ext cx="6392559" cy="4209940"/>
-          </a:xfrm>
+            <a:off x="178363" y="118406"/>
+            <a:ext cx="4181424" cy="3310594"/>
+          </a:xfrm>
+          <a:prstGeom prst="rect">
+            <a:avLst/>
+          </a:prstGeom>
         </p:spPr>
       </p:pic>
       <p:pic>
         <p:nvPicPr>
-          <p:cNvPr id="5" name="Picture 4">
-            <a:extLst>
-              <a:ext uri="{FF2B5EF4-FFF2-40B4-BE49-F238E27FC236}">
-                <a16:creationId xmlns:a16="http://schemas.microsoft.com/office/drawing/2014/main" id="{A4C6AC7E-EF8A-E3F5-9D18-07FECE5D4F52}"/>
+          <p:cNvPr id="7" name="Picture 6">
+            <a:extLst>
+              <a:ext uri="{FF2B5EF4-FFF2-40B4-BE49-F238E27FC236}">
+                <a16:creationId xmlns:a16="http://schemas.microsoft.com/office/drawing/2014/main" id="{5BF0E433-7AE4-0294-D087-C6C7A72301C8}"/>
               </a:ext>
             </a:extLst>
           </p:cNvPr>
@@ -7787,18 +7831,168 @@
         </p:blipFill>
         <p:spPr>
           <a:xfrm>
-            <a:off x="771395" y="1828800"/>
-            <a:ext cx="4481090" cy="4348164"/>
+            <a:off x="6964326" y="0"/>
+            <a:ext cx="4540505" cy="3632404"/>
           </a:xfrm>
           <a:prstGeom prst="rect">
             <a:avLst/>
           </a:prstGeom>
+        </p:spPr>
+      </p:pic>
+      <p:pic>
+        <p:nvPicPr>
+          <p:cNvPr id="9" name="Picture 8">
+            <a:extLst>
+              <a:ext uri="{FF2B5EF4-FFF2-40B4-BE49-F238E27FC236}">
+                <a16:creationId xmlns:a16="http://schemas.microsoft.com/office/drawing/2014/main" id="{35FA5BE4-4E34-E5EB-A6E8-8CF96676ADA0}"/>
+              </a:ext>
+            </a:extLst>
+          </p:cNvPr>
+          <p:cNvPicPr>
+            <a:picLocks noChangeAspect="1"/>
+          </p:cNvPicPr>
+          <p:nvPr/>
+        </p:nvPicPr>
+        <p:blipFill>
+          <a:blip r:embed="rId4"/>
+          <a:stretch>
+            <a:fillRect/>
+          </a:stretch>
+        </p:blipFill>
+        <p:spPr>
+          <a:xfrm>
+            <a:off x="6964327" y="3685567"/>
+            <a:ext cx="4540504" cy="3249630"/>
+          </a:xfrm>
+          <a:prstGeom prst="rect">
+            <a:avLst/>
+          </a:prstGeom>
+        </p:spPr>
+      </p:pic>
+      <p:sp>
+        <p:nvSpPr>
+          <p:cNvPr id="11" name="TextBox 10">
+            <a:extLst>
+              <a:ext uri="{FF2B5EF4-FFF2-40B4-BE49-F238E27FC236}">
+                <a16:creationId xmlns:a16="http://schemas.microsoft.com/office/drawing/2014/main" id="{6D444E06-6FEA-449C-E4B5-46A6ADD0EC3D}"/>
+              </a:ext>
+            </a:extLst>
+          </p:cNvPr>
+          <p:cNvSpPr txBox="1"/>
+          <p:nvPr/>
+        </p:nvSpPr>
+        <p:spPr>
+          <a:xfrm>
+            <a:off x="676537" y="3278461"/>
+            <a:ext cx="4424182" cy="707886"/>
+          </a:xfrm>
+          <a:prstGeom prst="rect">
+            <a:avLst/>
+          </a:prstGeom>
+          <a:noFill/>
+        </p:spPr>
+        <p:txBody>
+          <a:bodyPr wrap="square">
+            <a:spAutoFit/>
+          </a:bodyPr>
+          <a:lstStyle/>
+          <a:p>
+            <a:r>
+              <a:rPr lang="en-US" sz="2000" dirty="0"/>
+              <a:t>3 Points made have a </a:t>
+            </a:r>
+            <a:r>
+              <a:rPr lang="en-US" sz="2000" b="1" dirty="0"/>
+              <a:t>moderate positive </a:t>
+            </a:r>
+            <a:r>
+              <a:rPr lang="en-US" sz="2000" dirty="0"/>
+              <a:t>relation to Wins. </a:t>
+            </a:r>
+          </a:p>
+        </p:txBody>
+      </p:sp>
+      <p:sp>
+        <p:nvSpPr>
+          <p:cNvPr id="13" name="TextBox 12">
+            <a:extLst>
+              <a:ext uri="{FF2B5EF4-FFF2-40B4-BE49-F238E27FC236}">
+                <a16:creationId xmlns:a16="http://schemas.microsoft.com/office/drawing/2014/main" id="{4789D743-00E9-4753-275C-5CEC0035F4DC}"/>
+              </a:ext>
+            </a:extLst>
+          </p:cNvPr>
+          <p:cNvSpPr txBox="1"/>
+          <p:nvPr/>
+        </p:nvSpPr>
+        <p:spPr>
+          <a:xfrm>
+            <a:off x="4793830" y="528260"/>
+            <a:ext cx="2477386" cy="1015663"/>
+          </a:xfrm>
+          <a:prstGeom prst="rect">
+            <a:avLst/>
+          </a:prstGeom>
+          <a:noFill/>
+        </p:spPr>
+        <p:txBody>
+          <a:bodyPr wrap="square">
+            <a:spAutoFit/>
+          </a:bodyPr>
+          <a:lstStyle/>
+          <a:p>
+            <a:r>
+              <a:rPr lang="en-US" sz="2000" dirty="0"/>
+              <a:t>Blocks  and Steals have a </a:t>
+            </a:r>
+            <a:r>
+              <a:rPr lang="en-US" sz="2000" b="1" dirty="0"/>
+              <a:t>weak positive </a:t>
+            </a:r>
+            <a:r>
+              <a:rPr lang="en-US" sz="2000" dirty="0"/>
+              <a:t>relation to Wins.</a:t>
+            </a:r>
+          </a:p>
+        </p:txBody>
+      </p:sp>
+      <p:pic>
+        <p:nvPicPr>
+          <p:cNvPr id="15" name="Content Placeholder 6" descr="Table&#10;&#10;Description automatically generated">
+            <a:extLst>
+              <a:ext uri="{FF2B5EF4-FFF2-40B4-BE49-F238E27FC236}">
+                <a16:creationId xmlns:a16="http://schemas.microsoft.com/office/drawing/2014/main" id="{133673D8-5EBC-BA5D-4DA0-026A32E6208F}"/>
+              </a:ext>
+            </a:extLst>
+          </p:cNvPr>
+          <p:cNvPicPr>
+            <a:picLocks noGrp="1" noChangeAspect="1"/>
+          </p:cNvPicPr>
+          <p:nvPr>
+            <p:ph idx="1"/>
+          </p:nvPr>
+        </p:nvPicPr>
+        <p:blipFill rotWithShape="1">
+          <a:blip r:embed="rId5">
+            <a:extLst>
+              <a:ext uri="{28A0092B-C50C-407E-A947-70E740481C1C}">
+                <a14:useLocalDpi xmlns:a14="http://schemas.microsoft.com/office/drawing/2010/main" val="0"/>
+              </a:ext>
+            </a:extLst>
+          </a:blip>
+          <a:srcRect r="20376" b="40763"/>
+          <a:stretch/>
+        </p:blipFill>
+        <p:spPr>
+          <a:xfrm>
+            <a:off x="178363" y="4049740"/>
+            <a:ext cx="6392558" cy="2577629"/>
+          </a:xfrm>
         </p:spPr>
       </p:pic>
     </p:spTree>
     <p:extLst>
       <p:ext uri="{BB962C8B-B14F-4D97-AF65-F5344CB8AC3E}">
-        <p14:creationId xmlns:p14="http://schemas.microsoft.com/office/powerpoint/2010/main" val="2849149121"/>
+        <p14:creationId xmlns:p14="http://schemas.microsoft.com/office/powerpoint/2010/main" val="3238361752"/>
       </p:ext>
     </p:extLst>
   </p:cSld>
@@ -7827,10 +8021,10 @@
       </p:grpSpPr>
       <p:pic>
         <p:nvPicPr>
-          <p:cNvPr id="5" name="Picture 4">
-            <a:extLst>
-              <a:ext uri="{FF2B5EF4-FFF2-40B4-BE49-F238E27FC236}">
-                <a16:creationId xmlns:a16="http://schemas.microsoft.com/office/drawing/2014/main" id="{98A0F710-97E4-0DCB-02CF-E8885BE8DA0D}"/>
+          <p:cNvPr id="9" name="Picture 8">
+            <a:extLst>
+              <a:ext uri="{FF2B5EF4-FFF2-40B4-BE49-F238E27FC236}">
+                <a16:creationId xmlns:a16="http://schemas.microsoft.com/office/drawing/2014/main" id="{5EDA95B1-CDE9-9E3C-3319-7E6D4D88D641}"/>
               </a:ext>
             </a:extLst>
           </p:cNvPr>
@@ -7847,8 +8041,8 @@
         </p:blipFill>
         <p:spPr>
           <a:xfrm>
-            <a:off x="178363" y="118406"/>
-            <a:ext cx="4181424" cy="3310594"/>
+            <a:off x="839972" y="198805"/>
+            <a:ext cx="4257424" cy="3156243"/>
           </a:xfrm>
           <a:prstGeom prst="rect">
             <a:avLst/>
@@ -7857,10 +8051,10 @@
       </p:pic>
       <p:pic>
         <p:nvPicPr>
-          <p:cNvPr id="7" name="Picture 6">
-            <a:extLst>
-              <a:ext uri="{FF2B5EF4-FFF2-40B4-BE49-F238E27FC236}">
-                <a16:creationId xmlns:a16="http://schemas.microsoft.com/office/drawing/2014/main" id="{5BF0E433-7AE4-0294-D087-C6C7A72301C8}"/>
+          <p:cNvPr id="11" name="Picture 10">
+            <a:extLst>
+              <a:ext uri="{FF2B5EF4-FFF2-40B4-BE49-F238E27FC236}">
+                <a16:creationId xmlns:a16="http://schemas.microsoft.com/office/drawing/2014/main" id="{1CBB3A9B-D3A7-15CF-39D3-A087976A0403}"/>
               </a:ext>
             </a:extLst>
           </p:cNvPr>
@@ -7877,8 +8071,8 @@
         </p:blipFill>
         <p:spPr>
           <a:xfrm>
-            <a:off x="6964326" y="0"/>
-            <a:ext cx="4540505" cy="3632404"/>
+            <a:off x="6096000" y="103693"/>
+            <a:ext cx="4124403" cy="3413554"/>
           </a:xfrm>
           <a:prstGeom prst="rect">
             <a:avLst/>
@@ -7887,10 +8081,10 @@
       </p:pic>
       <p:pic>
         <p:nvPicPr>
-          <p:cNvPr id="9" name="Picture 8">
-            <a:extLst>
-              <a:ext uri="{FF2B5EF4-FFF2-40B4-BE49-F238E27FC236}">
-                <a16:creationId xmlns:a16="http://schemas.microsoft.com/office/drawing/2014/main" id="{35FA5BE4-4E34-E5EB-A6E8-8CF96676ADA0}"/>
+          <p:cNvPr id="13" name="Picture 12">
+            <a:extLst>
+              <a:ext uri="{FF2B5EF4-FFF2-40B4-BE49-F238E27FC236}">
+                <a16:creationId xmlns:a16="http://schemas.microsoft.com/office/drawing/2014/main" id="{5DA2A6B4-8D45-DD28-2B69-CA1E6788FBAA}"/>
               </a:ext>
             </a:extLst>
           </p:cNvPr>
@@ -7907,8 +8101,8 @@
         </p:blipFill>
         <p:spPr>
           <a:xfrm>
-            <a:off x="6964327" y="3685567"/>
-            <a:ext cx="4540504" cy="3249630"/>
+            <a:off x="707763" y="3245641"/>
+            <a:ext cx="4389633" cy="3497869"/>
           </a:xfrm>
           <a:prstGeom prst="rect">
             <a:avLst/>
@@ -7917,10 +8111,10 @@
       </p:pic>
       <p:sp>
         <p:nvSpPr>
-          <p:cNvPr id="11" name="TextBox 10">
-            <a:extLst>
-              <a:ext uri="{FF2B5EF4-FFF2-40B4-BE49-F238E27FC236}">
-                <a16:creationId xmlns:a16="http://schemas.microsoft.com/office/drawing/2014/main" id="{6D444E06-6FEA-449C-E4B5-46A6ADD0EC3D}"/>
+          <p:cNvPr id="15" name="TextBox 14">
+            <a:extLst>
+              <a:ext uri="{FF2B5EF4-FFF2-40B4-BE49-F238E27FC236}">
+                <a16:creationId xmlns:a16="http://schemas.microsoft.com/office/drawing/2014/main" id="{8CC867AD-C654-C86F-3DC2-F54C335198CB}"/>
               </a:ext>
             </a:extLst>
           </p:cNvPr>
@@ -7929,8 +8123,8 @@
         </p:nvSpPr>
         <p:spPr>
           <a:xfrm>
-            <a:off x="676537" y="3278461"/>
-            <a:ext cx="4424182" cy="707886"/>
+            <a:off x="5670064" y="3517247"/>
+            <a:ext cx="4994392" cy="1477328"/>
           </a:xfrm>
           <a:prstGeom prst="rect">
             <a:avLst/>
@@ -7944,101 +8138,97 @@
           <a:lstStyle/>
           <a:p>
             <a:r>
-              <a:rPr lang="en-US" sz="2000" dirty="0"/>
-              <a:t>3 Points made have a </a:t>
-            </a:r>
-            <a:r>
-              <a:rPr lang="en-US" sz="2000" b="1" dirty="0"/>
-              <a:t>moderate positive </a:t>
-            </a:r>
-            <a:r>
-              <a:rPr lang="en-US" sz="2000" dirty="0"/>
-              <a:t>relation to Wins. </a:t>
-            </a:r>
-          </a:p>
-        </p:txBody>
-      </p:sp>
-      <p:sp>
-        <p:nvSpPr>
-          <p:cNvPr id="13" name="TextBox 12">
-            <a:extLst>
-              <a:ext uri="{FF2B5EF4-FFF2-40B4-BE49-F238E27FC236}">
-                <a16:creationId xmlns:a16="http://schemas.microsoft.com/office/drawing/2014/main" id="{4789D743-00E9-4753-275C-5CEC0035F4DC}"/>
-              </a:ext>
-            </a:extLst>
-          </p:cNvPr>
-          <p:cNvSpPr txBox="1"/>
+              <a:rPr lang="en-US" dirty="0"/>
+              <a:t>These variables </a:t>
+            </a:r>
+            <a:r>
+              <a:rPr lang="en-US" dirty="0">
+                <a:solidFill>
+                  <a:srgbClr val="000000"/>
+                </a:solidFill>
+                <a:effectLst/>
+                <a:latin typeface="Helvetica Neue"/>
+              </a:rPr>
+              <a:t>a </a:t>
+            </a:r>
+            <a:r>
+              <a:rPr lang="en-US" b="1" dirty="0">
+                <a:solidFill>
+                  <a:srgbClr val="000000"/>
+                </a:solidFill>
+                <a:effectLst/>
+                <a:latin typeface="Helvetica Neue"/>
+              </a:rPr>
+              <a:t>strong positive</a:t>
+            </a:r>
+            <a:r>
+              <a:rPr lang="en-US" dirty="0">
+                <a:solidFill>
+                  <a:srgbClr val="000000"/>
+                </a:solidFill>
+                <a:effectLst/>
+                <a:latin typeface="Helvetica Neue"/>
+              </a:rPr>
+              <a:t> relationship to Wins </a:t>
+            </a:r>
+            <a:r>
+              <a:rPr lang="en-US" dirty="0"/>
+              <a:t>:</a:t>
+            </a:r>
+          </a:p>
+          <a:p>
+            <a:r>
+              <a:rPr lang="en-US" dirty="0"/>
+              <a:t>1) Field Goals Made</a:t>
+            </a:r>
+          </a:p>
+          <a:p>
+            <a:r>
+              <a:rPr lang="en-US" dirty="0"/>
+              <a:t>2) Free Throws Made</a:t>
+            </a:r>
+          </a:p>
+          <a:p>
+            <a:r>
+              <a:rPr lang="en-US" dirty="0"/>
+              <a:t>3) Rebounds</a:t>
+            </a:r>
+          </a:p>
+        </p:txBody>
+      </p:sp>
+      <p:pic>
+        <p:nvPicPr>
+          <p:cNvPr id="16" name="Picture 15">
+            <a:extLst>
+              <a:ext uri="{FF2B5EF4-FFF2-40B4-BE49-F238E27FC236}">
+                <a16:creationId xmlns:a16="http://schemas.microsoft.com/office/drawing/2014/main" id="{6A417BEC-11D7-CA2A-6C85-8067DE322644}"/>
+              </a:ext>
+            </a:extLst>
+          </p:cNvPr>
+          <p:cNvPicPr>
+            <a:picLocks noChangeAspect="1"/>
+          </p:cNvPicPr>
           <p:nvPr/>
-        </p:nvSpPr>
+        </p:nvPicPr>
+        <p:blipFill rotWithShape="1">
+          <a:blip r:embed="rId5"/>
+          <a:srcRect r="20514" b="72697"/>
+          <a:stretch/>
+        </p:blipFill>
         <p:spPr>
           <a:xfrm>
-            <a:off x="4793830" y="528260"/>
-            <a:ext cx="2477386" cy="1015663"/>
+            <a:off x="5488854" y="5028118"/>
+            <a:ext cx="6382080" cy="1188468"/>
           </a:xfrm>
           <a:prstGeom prst="rect">
             <a:avLst/>
           </a:prstGeom>
-          <a:noFill/>
-        </p:spPr>
-        <p:txBody>
-          <a:bodyPr wrap="square">
-            <a:spAutoFit/>
-          </a:bodyPr>
-          <a:lstStyle/>
-          <a:p>
-            <a:r>
-              <a:rPr lang="en-US" sz="2000" dirty="0"/>
-              <a:t>Blocks  and Steals have a </a:t>
-            </a:r>
-            <a:r>
-              <a:rPr lang="en-US" sz="2000" b="1" dirty="0"/>
-              <a:t>weak positive </a:t>
-            </a:r>
-            <a:r>
-              <a:rPr lang="en-US" sz="2000" dirty="0"/>
-              <a:t>relation to Wins.</a:t>
-            </a:r>
-          </a:p>
-        </p:txBody>
-      </p:sp>
-      <p:pic>
-        <p:nvPicPr>
-          <p:cNvPr id="15" name="Content Placeholder 6" descr="Table&#10;&#10;Description automatically generated">
-            <a:extLst>
-              <a:ext uri="{FF2B5EF4-FFF2-40B4-BE49-F238E27FC236}">
-                <a16:creationId xmlns:a16="http://schemas.microsoft.com/office/drawing/2014/main" id="{133673D8-5EBC-BA5D-4DA0-026A32E6208F}"/>
-              </a:ext>
-            </a:extLst>
-          </p:cNvPr>
-          <p:cNvPicPr>
-            <a:picLocks noGrp="1" noChangeAspect="1"/>
-          </p:cNvPicPr>
-          <p:nvPr>
-            <p:ph idx="1"/>
-          </p:nvPr>
-        </p:nvPicPr>
-        <p:blipFill rotWithShape="1">
-          <a:blip r:embed="rId5">
-            <a:extLst>
-              <a:ext uri="{28A0092B-C50C-407E-A947-70E740481C1C}">
-                <a14:useLocalDpi xmlns:a14="http://schemas.microsoft.com/office/drawing/2010/main" val="0"/>
-              </a:ext>
-            </a:extLst>
-          </a:blip>
-          <a:srcRect r="20376" b="40763"/>
-          <a:stretch/>
-        </p:blipFill>
-        <p:spPr>
-          <a:xfrm>
-            <a:off x="178363" y="4049740"/>
-            <a:ext cx="6392558" cy="2577629"/>
-          </a:xfrm>
         </p:spPr>
       </p:pic>
     </p:spTree>
     <p:extLst>
       <p:ext uri="{BB962C8B-B14F-4D97-AF65-F5344CB8AC3E}">
-        <p14:creationId xmlns:p14="http://schemas.microsoft.com/office/powerpoint/2010/main" val="3238361752"/>
+        <p14:creationId xmlns:p14="http://schemas.microsoft.com/office/powerpoint/2010/main" val="1813100641"/>
       </p:ext>
     </p:extLst>
   </p:cSld>
@@ -8065,127 +8255,116 @@
           <a:chExt cx="0" cy="0"/>
         </a:xfrm>
       </p:grpSpPr>
-      <p:pic>
-        <p:nvPicPr>
-          <p:cNvPr id="9" name="Picture 8">
-            <a:extLst>
-              <a:ext uri="{FF2B5EF4-FFF2-40B4-BE49-F238E27FC236}">
-                <a16:creationId xmlns:a16="http://schemas.microsoft.com/office/drawing/2014/main" id="{5EDA95B1-CDE9-9E3C-3319-7E6D4D88D641}"/>
-              </a:ext>
-            </a:extLst>
-          </p:cNvPr>
-          <p:cNvPicPr>
-            <a:picLocks noChangeAspect="1"/>
-          </p:cNvPicPr>
-          <p:nvPr/>
-        </p:nvPicPr>
-        <p:blipFill>
-          <a:blip r:embed="rId2"/>
-          <a:stretch>
-            <a:fillRect/>
-          </a:stretch>
-        </p:blipFill>
+      <p:sp>
+        <p:nvSpPr>
+          <p:cNvPr id="2" name="Title 1">
+            <a:extLst>
+              <a:ext uri="{FF2B5EF4-FFF2-40B4-BE49-F238E27FC236}">
+                <a16:creationId xmlns:a16="http://schemas.microsoft.com/office/drawing/2014/main" id="{855EDE46-3743-DF08-EA17-75DBAD128524}"/>
+              </a:ext>
+            </a:extLst>
+          </p:cNvPr>
+          <p:cNvSpPr>
+            <a:spLocks noGrp="1"/>
+          </p:cNvSpPr>
+          <p:nvPr>
+            <p:ph type="title"/>
+          </p:nvPr>
+        </p:nvSpPr>
         <p:spPr>
           <a:xfrm>
-            <a:off x="839972" y="198805"/>
-            <a:ext cx="4257424" cy="3156243"/>
-          </a:xfrm>
-          <a:prstGeom prst="rect">
-            <a:avLst/>
-          </a:prstGeom>
-        </p:spPr>
-      </p:pic>
-      <p:pic>
-        <p:nvPicPr>
-          <p:cNvPr id="11" name="Picture 10">
-            <a:extLst>
-              <a:ext uri="{FF2B5EF4-FFF2-40B4-BE49-F238E27FC236}">
-                <a16:creationId xmlns:a16="http://schemas.microsoft.com/office/drawing/2014/main" id="{1CBB3A9B-D3A7-15CF-39D3-A087976A0403}"/>
-              </a:ext>
-            </a:extLst>
-          </p:cNvPr>
-          <p:cNvPicPr>
-            <a:picLocks noChangeAspect="1"/>
-          </p:cNvPicPr>
-          <p:nvPr/>
-        </p:nvPicPr>
-        <p:blipFill>
-          <a:blip r:embed="rId3"/>
-          <a:stretch>
-            <a:fillRect/>
-          </a:stretch>
-        </p:blipFill>
+            <a:off x="838200" y="286142"/>
+            <a:ext cx="10515600" cy="1250914"/>
+          </a:xfrm>
+        </p:spPr>
+        <p:txBody>
+          <a:bodyPr>
+            <a:normAutofit/>
+          </a:bodyPr>
+          <a:lstStyle/>
+          <a:p>
+            <a:r>
+              <a:rPr lang="en-US" sz="3600" dirty="0">
+                <a:solidFill>
+                  <a:srgbClr val="000000"/>
+                </a:solidFill>
+                <a:effectLst/>
+                <a:latin typeface="Helvetica Neue"/>
+              </a:rPr>
+              <a:t>Summary:</a:t>
+            </a:r>
+            <a:br>
+              <a:rPr lang="en-US" sz="1800" b="1" i="1" dirty="0">
+                <a:solidFill>
+                  <a:srgbClr val="000000"/>
+                </a:solidFill>
+                <a:effectLst/>
+                <a:latin typeface="Helvetica Neue"/>
+              </a:rPr>
+            </a:br>
+            <a:r>
+              <a:rPr lang="en-US" sz="1800" i="1" dirty="0">
+                <a:solidFill>
+                  <a:srgbClr val="000000"/>
+                </a:solidFill>
+                <a:effectLst/>
+                <a:latin typeface="Helvetica Neue"/>
+              </a:rPr>
+              <a:t>A</a:t>
+            </a:r>
+            <a:r>
+              <a:rPr lang="en-US" sz="1800" dirty="0">
+                <a:solidFill>
+                  <a:srgbClr val="000000"/>
+                </a:solidFill>
+                <a:effectLst/>
+                <a:latin typeface="Helvetica Neue"/>
+              </a:rPr>
+              <a:t>ccording to the Pearson Correlation Coefficient Table, the KPIs all had a positive relation to wins.</a:t>
+            </a:r>
+            <a:endParaRPr lang="en-US" sz="2800" dirty="0"/>
+          </a:p>
+        </p:txBody>
+      </p:sp>
+      <p:sp>
+        <p:nvSpPr>
+          <p:cNvPr id="3" name="Content Placeholder 2">
+            <a:extLst>
+              <a:ext uri="{FF2B5EF4-FFF2-40B4-BE49-F238E27FC236}">
+                <a16:creationId xmlns:a16="http://schemas.microsoft.com/office/drawing/2014/main" id="{BF77DAA5-3E38-A91A-582E-0E0B9597C516}"/>
+              </a:ext>
+            </a:extLst>
+          </p:cNvPr>
+          <p:cNvSpPr>
+            <a:spLocks noGrp="1"/>
+          </p:cNvSpPr>
+          <p:nvPr>
+            <p:ph idx="1"/>
+          </p:nvPr>
+        </p:nvSpPr>
         <p:spPr>
           <a:xfrm>
-            <a:off x="6096000" y="103693"/>
-            <a:ext cx="4124403" cy="3413554"/>
-          </a:xfrm>
-          <a:prstGeom prst="rect">
-            <a:avLst/>
-          </a:prstGeom>
-        </p:spPr>
-      </p:pic>
-      <p:pic>
-        <p:nvPicPr>
-          <p:cNvPr id="13" name="Picture 12">
-            <a:extLst>
-              <a:ext uri="{FF2B5EF4-FFF2-40B4-BE49-F238E27FC236}">
-                <a16:creationId xmlns:a16="http://schemas.microsoft.com/office/drawing/2014/main" id="{5DA2A6B4-8D45-DD28-2B69-CA1E6788FBAA}"/>
-              </a:ext>
-            </a:extLst>
-          </p:cNvPr>
-          <p:cNvPicPr>
-            <a:picLocks noChangeAspect="1"/>
-          </p:cNvPicPr>
-          <p:nvPr/>
-        </p:nvPicPr>
-        <p:blipFill>
-          <a:blip r:embed="rId4"/>
-          <a:stretch>
-            <a:fillRect/>
-          </a:stretch>
-        </p:blipFill>
-        <p:spPr>
-          <a:xfrm>
-            <a:off x="707763" y="3245641"/>
-            <a:ext cx="4389633" cy="3497869"/>
-          </a:xfrm>
-          <a:prstGeom prst="rect">
-            <a:avLst/>
-          </a:prstGeom>
-        </p:spPr>
-      </p:pic>
-      <p:sp>
-        <p:nvSpPr>
-          <p:cNvPr id="15" name="TextBox 14">
-            <a:extLst>
-              <a:ext uri="{FF2B5EF4-FFF2-40B4-BE49-F238E27FC236}">
-                <a16:creationId xmlns:a16="http://schemas.microsoft.com/office/drawing/2014/main" id="{8CC867AD-C654-C86F-3DC2-F54C335198CB}"/>
-              </a:ext>
-            </a:extLst>
-          </p:cNvPr>
-          <p:cNvSpPr txBox="1"/>
-          <p:nvPr/>
-        </p:nvSpPr>
-        <p:spPr>
-          <a:xfrm>
-            <a:off x="5670064" y="3517247"/>
-            <a:ext cx="4994392" cy="1477328"/>
-          </a:xfrm>
-          <a:prstGeom prst="rect">
-            <a:avLst/>
-          </a:prstGeom>
-          <a:noFill/>
-        </p:spPr>
-        <p:txBody>
-          <a:bodyPr wrap="square">
-            <a:spAutoFit/>
+            <a:off x="8133907" y="1690688"/>
+            <a:ext cx="3965944" cy="4881170"/>
+          </a:xfrm>
+        </p:spPr>
+        <p:txBody>
+          <a:bodyPr>
+            <a:normAutofit fontScale="92500" lnSpcReduction="10000"/>
           </a:bodyPr>
           <a:lstStyle/>
           <a:p>
-            <a:r>
-              <a:rPr lang="en-US" dirty="0"/>
-              <a:t>These variables </a:t>
+            <a:pPr marL="0" indent="0">
+              <a:buNone/>
+            </a:pPr>
+            <a:r>
+              <a:rPr lang="en-US" dirty="0">
+                <a:solidFill>
+                  <a:srgbClr val="000000"/>
+                </a:solidFill>
+                <a:latin typeface="Helvetica Neue"/>
+              </a:rPr>
+              <a:t>However, </a:t>
             </a:r>
             <a:r>
               <a:rPr lang="en-US" dirty="0">
@@ -8195,8 +8374,94 @@
                 <a:effectLst/>
                 <a:latin typeface="Helvetica Neue"/>
               </a:rPr>
-              <a:t>a </a:t>
-            </a:r>
+              <a:t>a strong positive relationship to Wins were shown by: </a:t>
+            </a:r>
+          </a:p>
+          <a:p>
+            <a:pPr marL="0" indent="0">
+              <a:buNone/>
+            </a:pPr>
+            <a:r>
+              <a:rPr lang="en-US" sz="2600" b="1" dirty="0">
+                <a:solidFill>
+                  <a:srgbClr val="000000"/>
+                </a:solidFill>
+                <a:effectLst/>
+                <a:latin typeface="Helvetica Neue"/>
+              </a:rPr>
+              <a:t>1) Field Goals Made</a:t>
+            </a:r>
+            <a:endParaRPr lang="en-US" sz="2600" b="1" dirty="0">
+              <a:solidFill>
+                <a:srgbClr val="000000"/>
+              </a:solidFill>
+              <a:latin typeface="Helvetica Neue"/>
+            </a:endParaRPr>
+          </a:p>
+          <a:p>
+            <a:pPr marL="0" indent="0">
+              <a:buNone/>
+            </a:pPr>
+            <a:r>
+              <a:rPr lang="en-US" sz="2600" b="1" dirty="0">
+                <a:solidFill>
+                  <a:srgbClr val="000000"/>
+                </a:solidFill>
+                <a:latin typeface="Helvetica Neue"/>
+              </a:rPr>
+              <a:t>2) </a:t>
+            </a:r>
+            <a:r>
+              <a:rPr lang="en-US" sz="2600" b="1" dirty="0">
+                <a:solidFill>
+                  <a:srgbClr val="000000"/>
+                </a:solidFill>
+                <a:effectLst/>
+                <a:latin typeface="Helvetica Neue"/>
+              </a:rPr>
+              <a:t>Free Throws Made</a:t>
+            </a:r>
+          </a:p>
+          <a:p>
+            <a:pPr marL="0" indent="0">
+              <a:buNone/>
+            </a:pPr>
+            <a:r>
+              <a:rPr lang="en-US" sz="2600" b="1" dirty="0">
+                <a:solidFill>
+                  <a:srgbClr val="000000"/>
+                </a:solidFill>
+                <a:latin typeface="Helvetica Neue"/>
+              </a:rPr>
+              <a:t>3) </a:t>
+            </a:r>
+            <a:r>
+              <a:rPr lang="en-US" sz="2600" b="1" dirty="0">
+                <a:solidFill>
+                  <a:srgbClr val="000000"/>
+                </a:solidFill>
+                <a:effectLst/>
+                <a:latin typeface="Helvetica Neue"/>
+              </a:rPr>
+              <a:t>Rebounds</a:t>
+            </a:r>
+          </a:p>
+          <a:p>
+            <a:pPr marL="0" indent="0">
+              <a:buNone/>
+            </a:pPr>
+            <a:endParaRPr lang="en-US" sz="1200" b="1" dirty="0">
+              <a:solidFill>
+                <a:srgbClr val="000000"/>
+              </a:solidFill>
+              <a:effectLst/>
+              <a:latin typeface="Helvetica Neue"/>
+            </a:endParaRPr>
+          </a:p>
+          <a:p>
+            <a:pPr marL="0" indent="0">
+              <a:buNone/>
+            </a:pPr>
             <a:r>
               <a:rPr lang="en-US" b="1" dirty="0">
                 <a:solidFill>
@@ -8205,7 +8470,7 @@
                 <a:effectLst/>
                 <a:latin typeface="Helvetica Neue"/>
               </a:rPr>
-              <a:t>strong positive</a:t>
+              <a:t>3 Points made </a:t>
             </a:r>
             <a:r>
               <a:rPr lang="en-US" dirty="0">
@@ -8215,66 +8480,100 @@
                 <a:effectLst/>
                 <a:latin typeface="Helvetica Neue"/>
               </a:rPr>
-              <a:t> relationship to Wins </a:t>
-            </a:r>
-            <a:r>
-              <a:rPr lang="en-US" dirty="0"/>
-              <a:t>:</a:t>
-            </a:r>
-          </a:p>
-          <a:p>
-            <a:r>
-              <a:rPr lang="en-US" dirty="0"/>
-              <a:t>1) Field Goals Made</a:t>
-            </a:r>
-          </a:p>
-          <a:p>
-            <a:r>
-              <a:rPr lang="en-US" dirty="0"/>
-              <a:t>2) Free Throws Made</a:t>
-            </a:r>
-          </a:p>
-          <a:p>
-            <a:r>
-              <a:rPr lang="en-US" dirty="0"/>
-              <a:t>3) Rebounds</a:t>
-            </a:r>
+              <a:t>have a moderate positive effect on Wins. </a:t>
+            </a:r>
+          </a:p>
+          <a:p>
+            <a:pPr marL="0" indent="0">
+              <a:buNone/>
+            </a:pPr>
+            <a:endParaRPr lang="en-US" sz="1100" dirty="0">
+              <a:solidFill>
+                <a:srgbClr val="000000"/>
+              </a:solidFill>
+              <a:effectLst/>
+              <a:latin typeface="Helvetica Neue"/>
+            </a:endParaRPr>
+          </a:p>
+          <a:p>
+            <a:pPr marL="0" indent="0">
+              <a:buNone/>
+            </a:pPr>
+            <a:r>
+              <a:rPr lang="en-US" b="1" dirty="0">
+                <a:solidFill>
+                  <a:srgbClr val="000000"/>
+                </a:solidFill>
+                <a:effectLst/>
+                <a:latin typeface="Helvetica Neue"/>
+              </a:rPr>
+              <a:t>Steals and Blocks </a:t>
+            </a:r>
+            <a:r>
+              <a:rPr lang="en-US" dirty="0">
+                <a:solidFill>
+                  <a:srgbClr val="000000"/>
+                </a:solidFill>
+                <a:effectLst/>
+                <a:latin typeface="Helvetica Neue"/>
+              </a:rPr>
+              <a:t>are least related to Win.</a:t>
+            </a:r>
+            <a:endParaRPr lang="en-US" dirty="0"/>
           </a:p>
         </p:txBody>
       </p:sp>
       <p:pic>
         <p:nvPicPr>
-          <p:cNvPr id="16" name="Picture 15">
-            <a:extLst>
-              <a:ext uri="{FF2B5EF4-FFF2-40B4-BE49-F238E27FC236}">
-                <a16:creationId xmlns:a16="http://schemas.microsoft.com/office/drawing/2014/main" id="{6A417BEC-11D7-CA2A-6C85-8067DE322644}"/>
+          <p:cNvPr id="1026" name="Picture 2">
+            <a:extLst>
+              <a:ext uri="{FF2B5EF4-FFF2-40B4-BE49-F238E27FC236}">
+                <a16:creationId xmlns:a16="http://schemas.microsoft.com/office/drawing/2014/main" id="{CB123D68-9F97-5D46-4820-4D45011766D7}"/>
               </a:ext>
             </a:extLst>
           </p:cNvPr>
           <p:cNvPicPr>
-            <a:picLocks noChangeAspect="1"/>
+            <a:picLocks noChangeAspect="1" noChangeArrowheads="1"/>
           </p:cNvPicPr>
           <p:nvPr/>
         </p:nvPicPr>
-        <p:blipFill rotWithShape="1">
-          <a:blip r:embed="rId5"/>
-          <a:srcRect r="20514" b="72697"/>
-          <a:stretch/>
+        <p:blipFill>
+          <a:blip r:embed="rId2">
+            <a:extLst>
+              <a:ext uri="{28A0092B-C50C-407E-A947-70E740481C1C}">
+                <a14:useLocalDpi xmlns:a14="http://schemas.microsoft.com/office/drawing/2010/main" val="0"/>
+              </a:ext>
+            </a:extLst>
+          </a:blip>
+          <a:srcRect/>
+          <a:stretch>
+            <a:fillRect/>
+          </a:stretch>
         </p:blipFill>
-        <p:spPr>
-          <a:xfrm>
-            <a:off x="5488854" y="5028118"/>
-            <a:ext cx="6382080" cy="1188468"/>
+        <p:spPr bwMode="auto">
+          <a:xfrm>
+            <a:off x="838200" y="1537055"/>
+            <a:ext cx="7295707" cy="5141130"/>
           </a:xfrm>
           <a:prstGeom prst="rect">
             <a:avLst/>
           </a:prstGeom>
+          <a:noFill/>
+          <a:extLst>
+            <a:ext uri="{909E8E84-426E-40DD-AFC4-6F175D3DCCD1}">
+              <a14:hiddenFill xmlns:a14="http://schemas.microsoft.com/office/drawing/2010/main">
+                <a:solidFill>
+                  <a:srgbClr val="FFFFFF"/>
+                </a:solidFill>
+              </a14:hiddenFill>
+            </a:ext>
+          </a:extLst>
         </p:spPr>
       </p:pic>
     </p:spTree>
     <p:extLst>
       <p:ext uri="{BB962C8B-B14F-4D97-AF65-F5344CB8AC3E}">
-        <p14:creationId xmlns:p14="http://schemas.microsoft.com/office/powerpoint/2010/main" val="1813100641"/>
+        <p14:creationId xmlns:p14="http://schemas.microsoft.com/office/powerpoint/2010/main" val="1931525350"/>
       </p:ext>
     </p:extLst>
   </p:cSld>
@@ -8303,13 +8602,7 @@
       </p:grpSpPr>
       <p:sp>
         <p:nvSpPr>
-          <p:cNvPr id="2" name="Title 1">
-            <a:extLst>
-              <a:ext uri="{FF2B5EF4-FFF2-40B4-BE49-F238E27FC236}">
-                <a16:creationId xmlns:a16="http://schemas.microsoft.com/office/drawing/2014/main" id="{855EDE46-3743-DF08-EA17-75DBAD128524}"/>
-              </a:ext>
-            </a:extLst>
-          </p:cNvPr>
+          <p:cNvPr id="2" name="Title 1"/>
           <p:cNvSpPr>
             <a:spLocks noGrp="1"/>
           </p:cNvSpPr>
@@ -8317,309 +8610,104 @@
             <p:ph type="title"/>
           </p:nvPr>
         </p:nvSpPr>
-        <p:spPr>
-          <a:xfrm>
-            <a:off x="838200" y="286142"/>
-            <a:ext cx="10515600" cy="1250914"/>
-          </a:xfrm>
-        </p:spPr>
+        <p:spPr/>
         <p:txBody>
           <a:bodyPr>
             <a:normAutofit/>
           </a:bodyPr>
           <a:lstStyle/>
           <a:p>
-            <a:r>
-              <a:rPr lang="en-US" sz="3600" dirty="0">
+            <a:pPr algn="ctr"/>
+            <a:r>
+              <a:rPr lang="en-US" sz="3600" b="1" dirty="0"/>
+              <a:t>Question 5 - </a:t>
+            </a:r>
+            <a:r>
+              <a:rPr lang="en-US" sz="3600" b="1" dirty="0">
                 <a:solidFill>
                   <a:srgbClr val="000000"/>
                 </a:solidFill>
-                <a:effectLst/>
-                <a:latin typeface="Helvetica Neue"/>
               </a:rPr>
-              <a:t>Summary:</a:t>
+              <a:t>How do the players compare by position?</a:t>
             </a:r>
             <a:br>
-              <a:rPr lang="en-US" sz="1800" b="1" i="1" dirty="0">
-                <a:solidFill>
-                  <a:srgbClr val="000000"/>
-                </a:solidFill>
-                <a:effectLst/>
-                <a:latin typeface="Helvetica Neue"/>
+              <a:rPr lang="en-US" sz="3600" dirty="0">
+                <a:latin typeface="+mn-lt"/>
               </a:rPr>
             </a:br>
             <a:r>
-              <a:rPr lang="en-US" sz="1800" i="1" dirty="0">
-                <a:solidFill>
-                  <a:srgbClr val="000000"/>
-                </a:solidFill>
-                <a:effectLst/>
-                <a:latin typeface="Helvetica Neue"/>
+              <a:rPr lang="en-US" sz="3600" dirty="0">
+                <a:latin typeface="+mn-lt"/>
               </a:rPr>
-              <a:t>A</a:t>
-            </a:r>
-            <a:r>
-              <a:rPr lang="en-US" sz="1800" dirty="0">
-                <a:solidFill>
-                  <a:srgbClr val="000000"/>
-                </a:solidFill>
-                <a:effectLst/>
-                <a:latin typeface="Helvetica Neue"/>
-              </a:rPr>
-              <a:t>ccording to the Pearson Correlation Coefficient Table, the KPIs all had a positive relation to wins.</a:t>
-            </a:r>
-            <a:endParaRPr lang="en-US" sz="2800" dirty="0"/>
-          </a:p>
-        </p:txBody>
-      </p:sp>
-      <p:sp>
-        <p:nvSpPr>
-          <p:cNvPr id="3" name="Content Placeholder 2">
-            <a:extLst>
-              <a:ext uri="{FF2B5EF4-FFF2-40B4-BE49-F238E27FC236}">
-                <a16:creationId xmlns:a16="http://schemas.microsoft.com/office/drawing/2014/main" id="{BF77DAA5-3E38-A91A-582E-0E0B9597C516}"/>
-              </a:ext>
-            </a:extLst>
-          </p:cNvPr>
-          <p:cNvSpPr>
-            <a:spLocks noGrp="1"/>
-          </p:cNvSpPr>
-          <p:nvPr>
-            <p:ph idx="1"/>
-          </p:nvPr>
-        </p:nvSpPr>
-        <p:spPr>
-          <a:xfrm>
-            <a:off x="8133907" y="1690688"/>
-            <a:ext cx="3965944" cy="4881170"/>
-          </a:xfrm>
-        </p:spPr>
-        <p:txBody>
-          <a:bodyPr>
-            <a:normAutofit fontScale="92500" lnSpcReduction="10000"/>
-          </a:bodyPr>
-          <a:lstStyle/>
-          <a:p>
-            <a:pPr marL="0" indent="0">
-              <a:buNone/>
-            </a:pPr>
-            <a:r>
-              <a:rPr lang="en-US" dirty="0">
-                <a:solidFill>
-                  <a:srgbClr val="000000"/>
-                </a:solidFill>
-                <a:latin typeface="Helvetica Neue"/>
-              </a:rPr>
-              <a:t>However, </a:t>
-            </a:r>
-            <a:r>
-              <a:rPr lang="en-US" dirty="0">
-                <a:solidFill>
-                  <a:srgbClr val="000000"/>
-                </a:solidFill>
-                <a:effectLst/>
-                <a:latin typeface="Helvetica Neue"/>
-              </a:rPr>
-              <a:t>a strong positive relationship to Wins were shown by: </a:t>
-            </a:r>
-          </a:p>
-          <a:p>
-            <a:pPr marL="0" indent="0">
-              <a:buNone/>
-            </a:pPr>
-            <a:r>
-              <a:rPr lang="en-US" sz="2600" b="1" dirty="0">
-                <a:solidFill>
-                  <a:srgbClr val="000000"/>
-                </a:solidFill>
-                <a:effectLst/>
-                <a:latin typeface="Helvetica Neue"/>
-              </a:rPr>
-              <a:t>1) Field Goals Made</a:t>
-            </a:r>
-            <a:endParaRPr lang="en-US" sz="2600" b="1" dirty="0">
-              <a:solidFill>
-                <a:srgbClr val="000000"/>
-              </a:solidFill>
-              <a:latin typeface="Helvetica Neue"/>
-            </a:endParaRPr>
-          </a:p>
-          <a:p>
-            <a:pPr marL="0" indent="0">
-              <a:buNone/>
-            </a:pPr>
-            <a:r>
-              <a:rPr lang="en-US" sz="2600" b="1" dirty="0">
-                <a:solidFill>
-                  <a:srgbClr val="000000"/>
-                </a:solidFill>
-                <a:latin typeface="Helvetica Neue"/>
-              </a:rPr>
-              <a:t>2) </a:t>
-            </a:r>
-            <a:r>
-              <a:rPr lang="en-US" sz="2600" b="1" dirty="0">
-                <a:solidFill>
-                  <a:srgbClr val="000000"/>
-                </a:solidFill>
-                <a:effectLst/>
-                <a:latin typeface="Helvetica Neue"/>
-              </a:rPr>
-              <a:t>Free Throws Made</a:t>
-            </a:r>
-          </a:p>
-          <a:p>
-            <a:pPr marL="0" indent="0">
-              <a:buNone/>
-            </a:pPr>
-            <a:r>
-              <a:rPr lang="en-US" sz="2600" b="1" dirty="0">
-                <a:solidFill>
-                  <a:srgbClr val="000000"/>
-                </a:solidFill>
-                <a:latin typeface="Helvetica Neue"/>
-              </a:rPr>
-              <a:t>3) </a:t>
-            </a:r>
-            <a:r>
-              <a:rPr lang="en-US" sz="2600" b="1" dirty="0">
-                <a:solidFill>
-                  <a:srgbClr val="000000"/>
-                </a:solidFill>
-                <a:effectLst/>
-                <a:latin typeface="Helvetica Neue"/>
-              </a:rPr>
-              <a:t>Rebounds</a:t>
-            </a:r>
-          </a:p>
-          <a:p>
-            <a:pPr marL="0" indent="0">
-              <a:buNone/>
-            </a:pPr>
-            <a:endParaRPr lang="en-US" sz="1200" b="1" dirty="0">
-              <a:solidFill>
-                <a:srgbClr val="000000"/>
-              </a:solidFill>
-              <a:effectLst/>
-              <a:latin typeface="Helvetica Neue"/>
-            </a:endParaRPr>
-          </a:p>
-          <a:p>
-            <a:pPr marL="0" indent="0">
-              <a:buNone/>
-            </a:pPr>
-            <a:r>
-              <a:rPr lang="en-US" b="1" dirty="0">
-                <a:solidFill>
-                  <a:srgbClr val="000000"/>
-                </a:solidFill>
-                <a:effectLst/>
-                <a:latin typeface="Helvetica Neue"/>
-              </a:rPr>
-              <a:t>3 Points made </a:t>
-            </a:r>
-            <a:r>
-              <a:rPr lang="en-US" dirty="0">
-                <a:solidFill>
-                  <a:srgbClr val="000000"/>
-                </a:solidFill>
-                <a:effectLst/>
-                <a:latin typeface="Helvetica Neue"/>
-              </a:rPr>
-              <a:t>have a moderate positive effect on Wins. </a:t>
-            </a:r>
-          </a:p>
-          <a:p>
-            <a:pPr marL="0" indent="0">
-              <a:buNone/>
-            </a:pPr>
-            <a:endParaRPr lang="en-US" sz="1100" dirty="0">
-              <a:solidFill>
-                <a:srgbClr val="000000"/>
-              </a:solidFill>
-              <a:effectLst/>
-              <a:latin typeface="Helvetica Neue"/>
-            </a:endParaRPr>
-          </a:p>
-          <a:p>
-            <a:pPr marL="0" indent="0">
-              <a:buNone/>
-            </a:pPr>
-            <a:r>
-              <a:rPr lang="en-US" b="1" dirty="0">
-                <a:solidFill>
-                  <a:srgbClr val="000000"/>
-                </a:solidFill>
-                <a:effectLst/>
-                <a:latin typeface="Helvetica Neue"/>
-              </a:rPr>
-              <a:t>Steals and Blocks </a:t>
-            </a:r>
-            <a:r>
-              <a:rPr lang="en-US" dirty="0">
-                <a:solidFill>
-                  <a:srgbClr val="000000"/>
-                </a:solidFill>
-                <a:effectLst/>
-                <a:latin typeface="Helvetica Neue"/>
-              </a:rPr>
-              <a:t>are least related to Win.</a:t>
-            </a:r>
-            <a:endParaRPr lang="en-US" dirty="0"/>
+              <a:t>Guards Season Availability &amp; Scoring</a:t>
+            </a:r>
           </a:p>
         </p:txBody>
       </p:sp>
       <p:pic>
         <p:nvPicPr>
-          <p:cNvPr id="1026" name="Picture 2">
-            <a:extLst>
-              <a:ext uri="{FF2B5EF4-FFF2-40B4-BE49-F238E27FC236}">
-                <a16:creationId xmlns:a16="http://schemas.microsoft.com/office/drawing/2014/main" id="{CB123D68-9F97-5D46-4820-4D45011766D7}"/>
+          <p:cNvPr id="4" name="Picture 3" descr="Chart, bar chart, line chart&#10;&#10;Description automatically generated">
+            <a:extLst>
+              <a:ext uri="{FF2B5EF4-FFF2-40B4-BE49-F238E27FC236}">
+                <a16:creationId xmlns:a16="http://schemas.microsoft.com/office/drawing/2014/main" id="{E23B50D8-1513-6C7B-EBF9-1D56ED7BFF1D}"/>
               </a:ext>
             </a:extLst>
           </p:cNvPr>
           <p:cNvPicPr>
-            <a:picLocks noChangeAspect="1" noChangeArrowheads="1"/>
+            <a:picLocks noChangeAspect="1"/>
           </p:cNvPicPr>
           <p:nvPr/>
         </p:nvPicPr>
         <p:blipFill>
-          <a:blip r:embed="rId2">
-            <a:extLst>
-              <a:ext uri="{28A0092B-C50C-407E-A947-70E740481C1C}">
-                <a14:useLocalDpi xmlns:a14="http://schemas.microsoft.com/office/drawing/2010/main" val="0"/>
-              </a:ext>
-            </a:extLst>
-          </a:blip>
-          <a:srcRect/>
+          <a:blip r:embed="rId2"/>
           <a:stretch>
             <a:fillRect/>
           </a:stretch>
         </p:blipFill>
-        <p:spPr bwMode="auto">
-          <a:xfrm>
-            <a:off x="838200" y="1537055"/>
-            <a:ext cx="7295707" cy="5141130"/>
+        <p:spPr>
+          <a:xfrm>
+            <a:off x="6200635" y="1815529"/>
+            <a:ext cx="5502415" cy="4126811"/>
           </a:xfrm>
           <a:prstGeom prst="rect">
             <a:avLst/>
           </a:prstGeom>
-          <a:noFill/>
-          <a:extLst>
-            <a:ext uri="{909E8E84-426E-40DD-AFC4-6F175D3DCCD1}">
-              <a14:hiddenFill xmlns:a14="http://schemas.microsoft.com/office/drawing/2010/main">
-                <a:solidFill>
-                  <a:srgbClr val="FFFFFF"/>
-                </a:solidFill>
-              </a14:hiddenFill>
-            </a:ext>
-          </a:extLst>
+        </p:spPr>
+      </p:pic>
+      <p:pic>
+        <p:nvPicPr>
+          <p:cNvPr id="5" name="Picture 4" descr="Chart, bar chart&#10;&#10;Description automatically generated">
+            <a:extLst>
+              <a:ext uri="{FF2B5EF4-FFF2-40B4-BE49-F238E27FC236}">
+                <a16:creationId xmlns:a16="http://schemas.microsoft.com/office/drawing/2014/main" id="{850BD367-1AB1-6929-CEB1-749F32AA8B88}"/>
+              </a:ext>
+            </a:extLst>
+          </p:cNvPr>
+          <p:cNvPicPr>
+            <a:picLocks noChangeAspect="1"/>
+          </p:cNvPicPr>
+          <p:nvPr/>
+        </p:nvPicPr>
+        <p:blipFill>
+          <a:blip r:embed="rId3"/>
+          <a:stretch>
+            <a:fillRect/>
+          </a:stretch>
+        </p:blipFill>
+        <p:spPr>
+          <a:xfrm>
+            <a:off x="488950" y="1815529"/>
+            <a:ext cx="5502415" cy="4126811"/>
+          </a:xfrm>
+          <a:prstGeom prst="rect">
+            <a:avLst/>
+          </a:prstGeom>
         </p:spPr>
       </p:pic>
     </p:spTree>
     <p:extLst>
       <p:ext uri="{BB962C8B-B14F-4D97-AF65-F5344CB8AC3E}">
-        <p14:creationId xmlns:p14="http://schemas.microsoft.com/office/powerpoint/2010/main" val="1931525350"/>
+        <p14:creationId xmlns:p14="http://schemas.microsoft.com/office/powerpoint/2010/main" val="3323892395"/>
       </p:ext>
     </p:extLst>
   </p:cSld>
@@ -8658,39 +8746,96 @@
         </p:nvSpPr>
         <p:spPr/>
         <p:txBody>
-          <a:bodyPr/>
-          <a:lstStyle/>
-          <a:p>
-            <a:r>
-              <a:rPr lang="en-US" dirty="0"/>
-              <a:t>Dario</a:t>
-            </a:r>
-          </a:p>
-        </p:txBody>
-      </p:sp>
-      <p:sp>
-        <p:nvSpPr>
-          <p:cNvPr id="3" name="Content Placeholder 2"/>
-          <p:cNvSpPr>
-            <a:spLocks noGrp="1"/>
-          </p:cNvSpPr>
-          <p:nvPr>
-            <p:ph idx="1"/>
-          </p:nvPr>
-        </p:nvSpPr>
-        <p:spPr/>
-        <p:txBody>
-          <a:bodyPr/>
-          <a:lstStyle/>
-          <a:p>
-            <a:endParaRPr lang="en-US" dirty="0"/>
-          </a:p>
-        </p:txBody>
-      </p:sp>
+          <a:bodyPr>
+            <a:normAutofit/>
+          </a:bodyPr>
+          <a:lstStyle/>
+          <a:p>
+            <a:pPr algn="ctr"/>
+            <a:r>
+              <a:rPr lang="en-US" sz="3600" dirty="0">
+                <a:latin typeface="+mn-lt"/>
+              </a:rPr>
+              <a:t>Orlando Magic Player Performance</a:t>
+            </a:r>
+            <a:br>
+              <a:rPr lang="en-US" sz="3600" dirty="0">
+                <a:latin typeface="+mn-lt"/>
+              </a:rPr>
+            </a:br>
+            <a:r>
+              <a:rPr lang="en-US" sz="3600" dirty="0">
+                <a:latin typeface="+mn-lt"/>
+              </a:rPr>
+              <a:t>Guards Season Shooting </a:t>
+            </a:r>
+          </a:p>
+        </p:txBody>
+      </p:sp>
+      <p:pic>
+        <p:nvPicPr>
+          <p:cNvPr id="6" name="Picture 5" descr="Chart, scatter chart&#10;&#10;Description automatically generated">
+            <a:extLst>
+              <a:ext uri="{FF2B5EF4-FFF2-40B4-BE49-F238E27FC236}">
+                <a16:creationId xmlns:a16="http://schemas.microsoft.com/office/drawing/2014/main" id="{0D0360FD-6AC8-67A5-931A-3C5B653F4BD0}"/>
+              </a:ext>
+            </a:extLst>
+          </p:cNvPr>
+          <p:cNvPicPr>
+            <a:picLocks noChangeAspect="1"/>
+          </p:cNvPicPr>
+          <p:nvPr/>
+        </p:nvPicPr>
+        <p:blipFill>
+          <a:blip r:embed="rId2"/>
+          <a:stretch>
+            <a:fillRect/>
+          </a:stretch>
+        </p:blipFill>
+        <p:spPr>
+          <a:xfrm>
+            <a:off x="377583" y="1897210"/>
+            <a:ext cx="5632934" cy="4224700"/>
+          </a:xfrm>
+          <a:prstGeom prst="rect">
+            <a:avLst/>
+          </a:prstGeom>
+        </p:spPr>
+      </p:pic>
+      <p:pic>
+        <p:nvPicPr>
+          <p:cNvPr id="7" name="Picture 6" descr="Chart, scatter chart&#10;&#10;Description automatically generated">
+            <a:extLst>
+              <a:ext uri="{FF2B5EF4-FFF2-40B4-BE49-F238E27FC236}">
+                <a16:creationId xmlns:a16="http://schemas.microsoft.com/office/drawing/2014/main" id="{DE7C60EB-F4CA-5FD0-91A0-3E51E440967A}"/>
+              </a:ext>
+            </a:extLst>
+          </p:cNvPr>
+          <p:cNvPicPr>
+            <a:picLocks noChangeAspect="1"/>
+          </p:cNvPicPr>
+          <p:nvPr/>
+        </p:nvPicPr>
+        <p:blipFill>
+          <a:blip r:embed="rId3"/>
+          <a:stretch>
+            <a:fillRect/>
+          </a:stretch>
+        </p:blipFill>
+        <p:spPr>
+          <a:xfrm>
+            <a:off x="6181483" y="1897210"/>
+            <a:ext cx="5632934" cy="4224700"/>
+          </a:xfrm>
+          <a:prstGeom prst="rect">
+            <a:avLst/>
+          </a:prstGeom>
+        </p:spPr>
+      </p:pic>
     </p:spTree>
     <p:extLst>
       <p:ext uri="{BB962C8B-B14F-4D97-AF65-F5344CB8AC3E}">
-        <p14:creationId xmlns:p14="http://schemas.microsoft.com/office/powerpoint/2010/main" val="804330140"/>
+        <p14:creationId xmlns:p14="http://schemas.microsoft.com/office/powerpoint/2010/main" val="3751237160"/>
       </p:ext>
     </p:extLst>
   </p:cSld>
@@ -8727,12 +8872,7 @@
             <p:ph type="title"/>
           </p:nvPr>
         </p:nvSpPr>
-        <p:spPr>
-          <a:xfrm>
-            <a:off x="831850" y="239561"/>
-            <a:ext cx="10515600" cy="1427874"/>
-          </a:xfrm>
-        </p:spPr>
+        <p:spPr/>
         <p:txBody>
           <a:bodyPr>
             <a:normAutofit/>
@@ -8741,56 +8881,89 @@
           <a:p>
             <a:pPr algn="ctr"/>
             <a:r>
-              <a:rPr lang="en-US" dirty="0">
-                <a:solidFill>
-                  <a:prstClr val="black"/>
-                </a:solidFill>
+              <a:rPr lang="en-US" sz="3600" dirty="0">
+                <a:latin typeface="+mn-lt"/>
               </a:rPr>
-              <a:t>SECTION 5</a:t>
-            </a:r>
-            <a:endParaRPr lang="en-US" sz="2400" dirty="0"/>
-          </a:p>
-        </p:txBody>
-      </p:sp>
-      <p:sp>
-        <p:nvSpPr>
-          <p:cNvPr id="3" name="Text Placeholder 2"/>
-          <p:cNvSpPr>
-            <a:spLocks noGrp="1"/>
-          </p:cNvSpPr>
-          <p:nvPr>
-            <p:ph type="body" idx="1"/>
-          </p:nvPr>
-        </p:nvSpPr>
+              <a:t>Orlando Magic Player Performance</a:t>
+            </a:r>
+            <a:br>
+              <a:rPr lang="en-US" sz="3600" dirty="0">
+                <a:latin typeface="+mn-lt"/>
+              </a:rPr>
+            </a:br>
+            <a:r>
+              <a:rPr lang="en-US" sz="3600" dirty="0">
+                <a:latin typeface="+mn-lt"/>
+              </a:rPr>
+              <a:t>Guards Season Assist to Turnover </a:t>
+            </a:r>
+          </a:p>
+        </p:txBody>
+      </p:sp>
+      <p:pic>
+        <p:nvPicPr>
+          <p:cNvPr id="5" name="Picture 4" descr="Chart&#10;&#10;Description automatically generated">
+            <a:extLst>
+              <a:ext uri="{FF2B5EF4-FFF2-40B4-BE49-F238E27FC236}">
+                <a16:creationId xmlns:a16="http://schemas.microsoft.com/office/drawing/2014/main" id="{C3CD0ED0-D2B2-DF57-9C1A-D39B3608DC90}"/>
+              </a:ext>
+            </a:extLst>
+          </p:cNvPr>
+          <p:cNvPicPr>
+            <a:picLocks noChangeAspect="1"/>
+          </p:cNvPicPr>
+          <p:nvPr/>
+        </p:nvPicPr>
+        <p:blipFill>
+          <a:blip r:embed="rId2"/>
+          <a:stretch>
+            <a:fillRect/>
+          </a:stretch>
+        </p:blipFill>
         <p:spPr>
           <a:xfrm>
-            <a:off x="831850" y="1721225"/>
-            <a:ext cx="10515600" cy="1110875"/>
-          </a:xfrm>
-        </p:spPr>
-        <p:txBody>
-          <a:bodyPr>
-            <a:noAutofit/>
-          </a:bodyPr>
-          <a:lstStyle/>
-          <a:p>
-            <a:pPr algn="ctr"/>
-            <a:r>
-              <a:rPr lang="en-US" sz="2800" dirty="0">
-                <a:solidFill>
-                  <a:srgbClr val="2B2B2B"/>
-                </a:solidFill>
-              </a:rPr>
-              <a:t>Implications of the findings/next steps</a:t>
-            </a:r>
-            <a:endParaRPr lang="en-US" sz="2800" dirty="0"/>
-          </a:p>
-        </p:txBody>
-      </p:sp>
+            <a:off x="6479100" y="1962168"/>
+            <a:ext cx="4840447" cy="3630336"/>
+          </a:xfrm>
+          <a:prstGeom prst="rect">
+            <a:avLst/>
+          </a:prstGeom>
+        </p:spPr>
+      </p:pic>
+      <p:pic>
+        <p:nvPicPr>
+          <p:cNvPr id="8" name="Picture 7" descr="Chart, bar chart&#10;&#10;Description automatically generated">
+            <a:extLst>
+              <a:ext uri="{FF2B5EF4-FFF2-40B4-BE49-F238E27FC236}">
+                <a16:creationId xmlns:a16="http://schemas.microsoft.com/office/drawing/2014/main" id="{A523EC52-1DA7-4D72-4D47-FAF134A6BB46}"/>
+              </a:ext>
+            </a:extLst>
+          </p:cNvPr>
+          <p:cNvPicPr>
+            <a:picLocks noChangeAspect="1"/>
+          </p:cNvPicPr>
+          <p:nvPr/>
+        </p:nvPicPr>
+        <p:blipFill>
+          <a:blip r:embed="rId3"/>
+          <a:stretch>
+            <a:fillRect/>
+          </a:stretch>
+        </p:blipFill>
+        <p:spPr>
+          <a:xfrm>
+            <a:off x="872454" y="1962168"/>
+            <a:ext cx="4840447" cy="3630335"/>
+          </a:xfrm>
+          <a:prstGeom prst="rect">
+            <a:avLst/>
+          </a:prstGeom>
+        </p:spPr>
+      </p:pic>
     </p:spTree>
     <p:extLst>
       <p:ext uri="{BB962C8B-B14F-4D97-AF65-F5344CB8AC3E}">
-        <p14:creationId xmlns:p14="http://schemas.microsoft.com/office/powerpoint/2010/main" val="3968192572"/>
+        <p14:creationId xmlns:p14="http://schemas.microsoft.com/office/powerpoint/2010/main" val="2523354647"/>
       </p:ext>
     </p:extLst>
   </p:cSld>
@@ -8987,61 +9160,66 @@
         </p:nvSpPr>
         <p:spPr/>
         <p:txBody>
-          <a:bodyPr/>
+          <a:bodyPr>
+            <a:normAutofit/>
+          </a:bodyPr>
           <a:lstStyle/>
           <a:p>
             <a:pPr algn="ctr"/>
             <a:r>
-              <a:rPr lang="en-US" sz="3600" b="1" dirty="0"/>
-              <a:t>Question 1 – Regular Season vs Playoff Percentage</a:t>
-            </a:r>
-            <a:endParaRPr lang="en-US" dirty="0"/>
-          </a:p>
-        </p:txBody>
-      </p:sp>
-      <p:sp>
-        <p:nvSpPr>
-          <p:cNvPr id="3" name="Content Placeholder 2"/>
-          <p:cNvSpPr>
-            <a:spLocks noGrp="1"/>
-          </p:cNvSpPr>
-          <p:nvPr>
-            <p:ph idx="1"/>
-          </p:nvPr>
-        </p:nvSpPr>
+              <a:rPr lang="en-US" sz="3600" dirty="0">
+                <a:latin typeface="+mn-lt"/>
+              </a:rPr>
+              <a:t>Orlando Magic Player Performance</a:t>
+            </a:r>
+            <a:br>
+              <a:rPr lang="en-US" sz="3600" dirty="0">
+                <a:latin typeface="+mn-lt"/>
+              </a:rPr>
+            </a:br>
+            <a:r>
+              <a:rPr lang="en-US" sz="3600" dirty="0">
+                <a:latin typeface="+mn-lt"/>
+              </a:rPr>
+              <a:t>Guards Season Plus-Minus </a:t>
+            </a:r>
+          </a:p>
+        </p:txBody>
+      </p:sp>
+      <p:pic>
+        <p:nvPicPr>
+          <p:cNvPr id="6" name="Picture 5" descr="Chart, scatter chart&#10;&#10;Description automatically generated">
+            <a:extLst>
+              <a:ext uri="{FF2B5EF4-FFF2-40B4-BE49-F238E27FC236}">
+                <a16:creationId xmlns:a16="http://schemas.microsoft.com/office/drawing/2014/main" id="{3AB3570F-359C-883B-EEA9-58CFA8FFF062}"/>
+              </a:ext>
+            </a:extLst>
+          </p:cNvPr>
+          <p:cNvPicPr>
+            <a:picLocks noChangeAspect="1"/>
+          </p:cNvPicPr>
+          <p:nvPr/>
+        </p:nvPicPr>
+        <p:blipFill>
+          <a:blip r:embed="rId2"/>
+          <a:stretch>
+            <a:fillRect/>
+          </a:stretch>
+        </p:blipFill>
         <p:spPr>
           <a:xfrm>
-            <a:off x="838200" y="1825625"/>
-            <a:ext cx="10515600" cy="3343275"/>
-          </a:xfrm>
-        </p:spPr>
-        <p:txBody>
-          <a:bodyPr/>
-          <a:lstStyle/>
-          <a:p>
-            <a:r>
-              <a:rPr lang="en-US" dirty="0"/>
-              <a:t>The correlation of season winning percentage versus playoff winning percentage is important because the regular season winning percentage determines home court advantage throughout the playoffs.</a:t>
-            </a:r>
-          </a:p>
-          <a:p>
-            <a:r>
-              <a:rPr lang="en-US" dirty="0"/>
-              <a:t> Statistics show the team with the home court advantage has won 53 of 74 championships, or 71.6% of the time. </a:t>
-            </a:r>
-          </a:p>
-          <a:p>
-            <a:r>
-              <a:rPr lang="en-US" dirty="0"/>
-              <a:t>There are no next steps with regard to this KPI</a:t>
-            </a:r>
-          </a:p>
-        </p:txBody>
-      </p:sp>
+            <a:off x="2882454" y="1759055"/>
+            <a:ext cx="6427092" cy="4820319"/>
+          </a:xfrm>
+          <a:prstGeom prst="rect">
+            <a:avLst/>
+          </a:prstGeom>
+        </p:spPr>
+      </p:pic>
     </p:spTree>
     <p:extLst>
       <p:ext uri="{BB962C8B-B14F-4D97-AF65-F5344CB8AC3E}">
-        <p14:creationId xmlns:p14="http://schemas.microsoft.com/office/powerpoint/2010/main" val="3669989009"/>
+        <p14:creationId xmlns:p14="http://schemas.microsoft.com/office/powerpoint/2010/main" val="1459949651"/>
       </p:ext>
     </p:extLst>
   </p:cSld>
@@ -9080,39 +9258,96 @@
         </p:nvSpPr>
         <p:spPr/>
         <p:txBody>
-          <a:bodyPr/>
-          <a:lstStyle/>
-          <a:p>
-            <a:r>
-              <a:rPr lang="en-US" dirty="0"/>
-              <a:t>Dario</a:t>
-            </a:r>
-          </a:p>
-        </p:txBody>
-      </p:sp>
-      <p:sp>
-        <p:nvSpPr>
-          <p:cNvPr id="3" name="Content Placeholder 2"/>
-          <p:cNvSpPr>
-            <a:spLocks noGrp="1"/>
-          </p:cNvSpPr>
-          <p:nvPr>
-            <p:ph idx="1"/>
-          </p:nvPr>
-        </p:nvSpPr>
-        <p:spPr/>
-        <p:txBody>
-          <a:bodyPr/>
-          <a:lstStyle/>
-          <a:p>
-            <a:endParaRPr lang="en-US" dirty="0"/>
-          </a:p>
-        </p:txBody>
-      </p:sp>
+          <a:bodyPr>
+            <a:normAutofit/>
+          </a:bodyPr>
+          <a:lstStyle/>
+          <a:p>
+            <a:pPr algn="ctr"/>
+            <a:r>
+              <a:rPr lang="en-US" sz="3600" dirty="0">
+                <a:latin typeface="+mn-lt"/>
+              </a:rPr>
+              <a:t>Orlando Magic Player Performance</a:t>
+            </a:r>
+            <a:br>
+              <a:rPr lang="en-US" sz="3600" dirty="0">
+                <a:latin typeface="+mn-lt"/>
+              </a:rPr>
+            </a:br>
+            <a:r>
+              <a:rPr lang="en-US" sz="3600" dirty="0">
+                <a:latin typeface="+mn-lt"/>
+              </a:rPr>
+              <a:t>Forwards Season Availability &amp; Scoring </a:t>
+            </a:r>
+          </a:p>
+        </p:txBody>
+      </p:sp>
+      <p:pic>
+        <p:nvPicPr>
+          <p:cNvPr id="4" name="Picture 3" descr="Chart, bar chart&#10;&#10;Description automatically generated">
+            <a:extLst>
+              <a:ext uri="{FF2B5EF4-FFF2-40B4-BE49-F238E27FC236}">
+                <a16:creationId xmlns:a16="http://schemas.microsoft.com/office/drawing/2014/main" id="{5B2721FE-7138-0CD6-D338-F7F5F1BA3614}"/>
+              </a:ext>
+            </a:extLst>
+          </p:cNvPr>
+          <p:cNvPicPr>
+            <a:picLocks noChangeAspect="1"/>
+          </p:cNvPicPr>
+          <p:nvPr/>
+        </p:nvPicPr>
+        <p:blipFill>
+          <a:blip r:embed="rId2"/>
+          <a:stretch>
+            <a:fillRect/>
+          </a:stretch>
+        </p:blipFill>
+        <p:spPr>
+          <a:xfrm>
+            <a:off x="6633538" y="2046593"/>
+            <a:ext cx="5163150" cy="3872363"/>
+          </a:xfrm>
+          <a:prstGeom prst="rect">
+            <a:avLst/>
+          </a:prstGeom>
+        </p:spPr>
+      </p:pic>
+      <p:pic>
+        <p:nvPicPr>
+          <p:cNvPr id="5" name="Picture 4" descr="Chart, bar chart&#10;&#10;Description automatically generated">
+            <a:extLst>
+              <a:ext uri="{FF2B5EF4-FFF2-40B4-BE49-F238E27FC236}">
+                <a16:creationId xmlns:a16="http://schemas.microsoft.com/office/drawing/2014/main" id="{C31BFD2B-54AD-B013-0887-A6BBAC84F1D1}"/>
+              </a:ext>
+            </a:extLst>
+          </p:cNvPr>
+          <p:cNvPicPr>
+            <a:picLocks noChangeAspect="1"/>
+          </p:cNvPicPr>
+          <p:nvPr/>
+        </p:nvPicPr>
+        <p:blipFill>
+          <a:blip r:embed="rId3"/>
+          <a:stretch>
+            <a:fillRect/>
+          </a:stretch>
+        </p:blipFill>
+        <p:spPr>
+          <a:xfrm>
+            <a:off x="395312" y="1979481"/>
+            <a:ext cx="5336136" cy="4002102"/>
+          </a:xfrm>
+          <a:prstGeom prst="rect">
+            <a:avLst/>
+          </a:prstGeom>
+        </p:spPr>
+      </p:pic>
     </p:spTree>
     <p:extLst>
       <p:ext uri="{BB962C8B-B14F-4D97-AF65-F5344CB8AC3E}">
-        <p14:creationId xmlns:p14="http://schemas.microsoft.com/office/powerpoint/2010/main" val="3628214694"/>
+        <p14:creationId xmlns:p14="http://schemas.microsoft.com/office/powerpoint/2010/main" val="1356936786"/>
       </p:ext>
     </p:extLst>
   </p:cSld>
@@ -9151,39 +9386,96 @@
         </p:nvSpPr>
         <p:spPr/>
         <p:txBody>
-          <a:bodyPr/>
-          <a:lstStyle/>
-          <a:p>
-            <a:r>
-              <a:rPr lang="en-US" dirty="0"/>
-              <a:t>Jessica	</a:t>
-            </a:r>
-          </a:p>
-        </p:txBody>
-      </p:sp>
-      <p:sp>
-        <p:nvSpPr>
-          <p:cNvPr id="4" name="Content Placeholder 3"/>
-          <p:cNvSpPr>
-            <a:spLocks noGrp="1"/>
-          </p:cNvSpPr>
-          <p:nvPr>
-            <p:ph idx="1"/>
-          </p:nvPr>
-        </p:nvSpPr>
-        <p:spPr/>
-        <p:txBody>
-          <a:bodyPr/>
-          <a:lstStyle/>
-          <a:p>
-            <a:endParaRPr lang="en-US"/>
-          </a:p>
-        </p:txBody>
-      </p:sp>
+          <a:bodyPr>
+            <a:normAutofit/>
+          </a:bodyPr>
+          <a:lstStyle/>
+          <a:p>
+            <a:pPr algn="ctr"/>
+            <a:r>
+              <a:rPr lang="en-US" sz="3600" dirty="0">
+                <a:latin typeface="+mn-lt"/>
+              </a:rPr>
+              <a:t>Orlando Magic Player Performance</a:t>
+            </a:r>
+            <a:br>
+              <a:rPr lang="en-US" sz="3600" dirty="0">
+                <a:latin typeface="+mn-lt"/>
+              </a:rPr>
+            </a:br>
+            <a:r>
+              <a:rPr lang="en-US" sz="3600" dirty="0">
+                <a:latin typeface="+mn-lt"/>
+              </a:rPr>
+              <a:t>Forwards Season Shooting</a:t>
+            </a:r>
+          </a:p>
+        </p:txBody>
+      </p:sp>
+      <p:pic>
+        <p:nvPicPr>
+          <p:cNvPr id="8" name="Picture 7" descr="Chart, scatter chart&#10;&#10;Description automatically generated">
+            <a:extLst>
+              <a:ext uri="{FF2B5EF4-FFF2-40B4-BE49-F238E27FC236}">
+                <a16:creationId xmlns:a16="http://schemas.microsoft.com/office/drawing/2014/main" id="{D72761C1-61A1-E950-650E-5E7997B44DD1}"/>
+              </a:ext>
+            </a:extLst>
+          </p:cNvPr>
+          <p:cNvPicPr>
+            <a:picLocks noChangeAspect="1"/>
+          </p:cNvPicPr>
+          <p:nvPr/>
+        </p:nvPicPr>
+        <p:blipFill>
+          <a:blip r:embed="rId2"/>
+          <a:stretch>
+            <a:fillRect/>
+          </a:stretch>
+        </p:blipFill>
+        <p:spPr>
+          <a:xfrm>
+            <a:off x="6353537" y="1969233"/>
+            <a:ext cx="5518281" cy="4138711"/>
+          </a:xfrm>
+          <a:prstGeom prst="rect">
+            <a:avLst/>
+          </a:prstGeom>
+        </p:spPr>
+      </p:pic>
+      <p:pic>
+        <p:nvPicPr>
+          <p:cNvPr id="9" name="Picture 8" descr="Chart, scatter chart&#10;&#10;Description automatically generated">
+            <a:extLst>
+              <a:ext uri="{FF2B5EF4-FFF2-40B4-BE49-F238E27FC236}">
+                <a16:creationId xmlns:a16="http://schemas.microsoft.com/office/drawing/2014/main" id="{15B5DCED-0D3E-8E61-D3EA-E78EE033E5D8}"/>
+              </a:ext>
+            </a:extLst>
+          </p:cNvPr>
+          <p:cNvPicPr>
+            <a:picLocks noChangeAspect="1"/>
+          </p:cNvPicPr>
+          <p:nvPr/>
+        </p:nvPicPr>
+        <p:blipFill>
+          <a:blip r:embed="rId3"/>
+          <a:stretch>
+            <a:fillRect/>
+          </a:stretch>
+        </p:blipFill>
+        <p:spPr>
+          <a:xfrm>
+            <a:off x="320181" y="1969233"/>
+            <a:ext cx="5518281" cy="4138711"/>
+          </a:xfrm>
+          <a:prstGeom prst="rect">
+            <a:avLst/>
+          </a:prstGeom>
+        </p:spPr>
+      </p:pic>
     </p:spTree>
     <p:extLst>
       <p:ext uri="{BB962C8B-B14F-4D97-AF65-F5344CB8AC3E}">
-        <p14:creationId xmlns:p14="http://schemas.microsoft.com/office/powerpoint/2010/main" val="4112603086"/>
+        <p14:creationId xmlns:p14="http://schemas.microsoft.com/office/powerpoint/2010/main" val="662028970"/>
       </p:ext>
     </p:extLst>
   </p:cSld>
@@ -9222,39 +9514,96 @@
         </p:nvSpPr>
         <p:spPr/>
         <p:txBody>
-          <a:bodyPr/>
-          <a:lstStyle/>
-          <a:p>
-            <a:r>
-              <a:rPr lang="en-US" dirty="0"/>
-              <a:t>Candace</a:t>
-            </a:r>
-          </a:p>
-        </p:txBody>
-      </p:sp>
-      <p:sp>
-        <p:nvSpPr>
-          <p:cNvPr id="4" name="Content Placeholder 3"/>
-          <p:cNvSpPr>
-            <a:spLocks noGrp="1"/>
-          </p:cNvSpPr>
-          <p:nvPr>
-            <p:ph idx="1"/>
-          </p:nvPr>
-        </p:nvSpPr>
-        <p:spPr/>
-        <p:txBody>
-          <a:bodyPr/>
-          <a:lstStyle/>
-          <a:p>
-            <a:endParaRPr lang="en-US"/>
-          </a:p>
-        </p:txBody>
-      </p:sp>
+          <a:bodyPr>
+            <a:normAutofit/>
+          </a:bodyPr>
+          <a:lstStyle/>
+          <a:p>
+            <a:pPr algn="ctr"/>
+            <a:r>
+              <a:rPr lang="en-US" sz="3600" dirty="0">
+                <a:latin typeface="+mn-lt"/>
+              </a:rPr>
+              <a:t>Orlando Magic Player Performance</a:t>
+            </a:r>
+            <a:br>
+              <a:rPr lang="en-US" sz="3600" dirty="0">
+                <a:latin typeface="+mn-lt"/>
+              </a:rPr>
+            </a:br>
+            <a:r>
+              <a:rPr lang="en-US" sz="3600" dirty="0">
+                <a:latin typeface="+mn-lt"/>
+              </a:rPr>
+              <a:t>Forwards Season Scoring ( Outside of Field Goals)</a:t>
+            </a:r>
+          </a:p>
+        </p:txBody>
+      </p:sp>
+      <p:pic>
+        <p:nvPicPr>
+          <p:cNvPr id="5" name="Picture 4" descr="Chart, scatter chart&#10;&#10;Description automatically generated">
+            <a:extLst>
+              <a:ext uri="{FF2B5EF4-FFF2-40B4-BE49-F238E27FC236}">
+                <a16:creationId xmlns:a16="http://schemas.microsoft.com/office/drawing/2014/main" id="{CC40F066-0F6E-0172-FD4E-60489225A973}"/>
+              </a:ext>
+            </a:extLst>
+          </p:cNvPr>
+          <p:cNvPicPr>
+            <a:picLocks noChangeAspect="1"/>
+          </p:cNvPicPr>
+          <p:nvPr/>
+        </p:nvPicPr>
+        <p:blipFill>
+          <a:blip r:embed="rId2"/>
+          <a:stretch>
+            <a:fillRect/>
+          </a:stretch>
+        </p:blipFill>
+        <p:spPr>
+          <a:xfrm>
+            <a:off x="590549" y="2049595"/>
+            <a:ext cx="5149167" cy="3861875"/>
+          </a:xfrm>
+          <a:prstGeom prst="rect">
+            <a:avLst/>
+          </a:prstGeom>
+        </p:spPr>
+      </p:pic>
+      <p:pic>
+        <p:nvPicPr>
+          <p:cNvPr id="6" name="Picture 5" descr="Chart&#10;&#10;Description automatically generated">
+            <a:extLst>
+              <a:ext uri="{FF2B5EF4-FFF2-40B4-BE49-F238E27FC236}">
+                <a16:creationId xmlns:a16="http://schemas.microsoft.com/office/drawing/2014/main" id="{201A28C1-A2AE-6E00-7A74-482DD7ABFE1B}"/>
+              </a:ext>
+            </a:extLst>
+          </p:cNvPr>
+          <p:cNvPicPr>
+            <a:picLocks noChangeAspect="1"/>
+          </p:cNvPicPr>
+          <p:nvPr/>
+        </p:nvPicPr>
+        <p:blipFill>
+          <a:blip r:embed="rId3"/>
+          <a:stretch>
+            <a:fillRect/>
+          </a:stretch>
+        </p:blipFill>
+        <p:spPr>
+          <a:xfrm>
+            <a:off x="6452284" y="2049595"/>
+            <a:ext cx="5149166" cy="3861875"/>
+          </a:xfrm>
+          <a:prstGeom prst="rect">
+            <a:avLst/>
+          </a:prstGeom>
+        </p:spPr>
+      </p:pic>
     </p:spTree>
     <p:extLst>
       <p:ext uri="{BB962C8B-B14F-4D97-AF65-F5344CB8AC3E}">
-        <p14:creationId xmlns:p14="http://schemas.microsoft.com/office/powerpoint/2010/main" val="2593243344"/>
+        <p14:creationId xmlns:p14="http://schemas.microsoft.com/office/powerpoint/2010/main" val="2142230228"/>
       </p:ext>
     </p:extLst>
   </p:cSld>
@@ -9293,39 +9642,96 @@
         </p:nvSpPr>
         <p:spPr/>
         <p:txBody>
-          <a:bodyPr/>
-          <a:lstStyle/>
-          <a:p>
-            <a:r>
-              <a:rPr lang="en-US" dirty="0"/>
-              <a:t>Brenton</a:t>
-            </a:r>
-          </a:p>
-        </p:txBody>
-      </p:sp>
-      <p:sp>
-        <p:nvSpPr>
-          <p:cNvPr id="3" name="Content Placeholder 2"/>
-          <p:cNvSpPr>
-            <a:spLocks noGrp="1"/>
-          </p:cNvSpPr>
-          <p:nvPr>
-            <p:ph idx="1"/>
-          </p:nvPr>
-        </p:nvSpPr>
-        <p:spPr/>
-        <p:txBody>
-          <a:bodyPr/>
-          <a:lstStyle/>
-          <a:p>
-            <a:endParaRPr lang="en-US" dirty="0"/>
-          </a:p>
-        </p:txBody>
-      </p:sp>
+          <a:bodyPr>
+            <a:normAutofit/>
+          </a:bodyPr>
+          <a:lstStyle/>
+          <a:p>
+            <a:pPr algn="ctr"/>
+            <a:r>
+              <a:rPr lang="en-US" sz="3600" dirty="0">
+                <a:latin typeface="+mn-lt"/>
+              </a:rPr>
+              <a:t>Orlando Magic Player Performance</a:t>
+            </a:r>
+            <a:br>
+              <a:rPr lang="en-US" sz="3600" dirty="0">
+                <a:latin typeface="+mn-lt"/>
+              </a:rPr>
+            </a:br>
+            <a:r>
+              <a:rPr lang="en-US" sz="3600" dirty="0">
+                <a:latin typeface="+mn-lt"/>
+              </a:rPr>
+              <a:t>Forwards Season Plus-Minus</a:t>
+            </a:r>
+          </a:p>
+        </p:txBody>
+      </p:sp>
+      <p:pic>
+        <p:nvPicPr>
+          <p:cNvPr id="5" name="Picture 4" descr="Chart, scatter chart&#10;&#10;Description automatically generated">
+            <a:extLst>
+              <a:ext uri="{FF2B5EF4-FFF2-40B4-BE49-F238E27FC236}">
+                <a16:creationId xmlns:a16="http://schemas.microsoft.com/office/drawing/2014/main" id="{CC40F066-0F6E-0172-FD4E-60489225A973}"/>
+              </a:ext>
+            </a:extLst>
+          </p:cNvPr>
+          <p:cNvPicPr>
+            <a:picLocks noChangeAspect="1"/>
+          </p:cNvPicPr>
+          <p:nvPr/>
+        </p:nvPicPr>
+        <p:blipFill>
+          <a:blip r:embed="rId2"/>
+          <a:stretch>
+            <a:fillRect/>
+          </a:stretch>
+        </p:blipFill>
+        <p:spPr>
+          <a:xfrm>
+            <a:off x="590549" y="2049595"/>
+            <a:ext cx="5149167" cy="3861875"/>
+          </a:xfrm>
+          <a:prstGeom prst="rect">
+            <a:avLst/>
+          </a:prstGeom>
+        </p:spPr>
+      </p:pic>
+      <p:pic>
+        <p:nvPicPr>
+          <p:cNvPr id="6" name="Picture 5" descr="Chart&#10;&#10;Description automatically generated">
+            <a:extLst>
+              <a:ext uri="{FF2B5EF4-FFF2-40B4-BE49-F238E27FC236}">
+                <a16:creationId xmlns:a16="http://schemas.microsoft.com/office/drawing/2014/main" id="{201A28C1-A2AE-6E00-7A74-482DD7ABFE1B}"/>
+              </a:ext>
+            </a:extLst>
+          </p:cNvPr>
+          <p:cNvPicPr>
+            <a:picLocks noChangeAspect="1"/>
+          </p:cNvPicPr>
+          <p:nvPr/>
+        </p:nvPicPr>
+        <p:blipFill>
+          <a:blip r:embed="rId3"/>
+          <a:stretch>
+            <a:fillRect/>
+          </a:stretch>
+        </p:blipFill>
+        <p:spPr>
+          <a:xfrm>
+            <a:off x="6452284" y="2049595"/>
+            <a:ext cx="5149166" cy="3861875"/>
+          </a:xfrm>
+          <a:prstGeom prst="rect">
+            <a:avLst/>
+          </a:prstGeom>
+        </p:spPr>
+      </p:pic>
     </p:spTree>
     <p:extLst>
       <p:ext uri="{BB962C8B-B14F-4D97-AF65-F5344CB8AC3E}">
-        <p14:creationId xmlns:p14="http://schemas.microsoft.com/office/powerpoint/2010/main" val="3275018559"/>
+        <p14:creationId xmlns:p14="http://schemas.microsoft.com/office/powerpoint/2010/main" val="3392362938"/>
       </p:ext>
     </p:extLst>
   </p:cSld>
@@ -9354,7 +9760,7 @@
       </p:grpSpPr>
       <p:sp>
         <p:nvSpPr>
-          <p:cNvPr id="4" name="Title 3"/>
+          <p:cNvPr id="2" name="Title 1"/>
           <p:cNvSpPr>
             <a:spLocks noGrp="1"/>
           </p:cNvSpPr>
@@ -9365,95 +9771,514 @@
         <p:spPr/>
         <p:txBody>
           <a:bodyPr>
-            <a:normAutofit fontScale="90000"/>
+            <a:normAutofit/>
           </a:bodyPr>
           <a:lstStyle/>
           <a:p>
             <a:pPr algn="ctr"/>
+            <a:r>
+              <a:rPr lang="en-US" sz="3600" dirty="0">
+                <a:latin typeface="+mn-lt"/>
+              </a:rPr>
+              <a:t>Orlando Magic Player Performance</a:t>
+            </a:r>
             <a:br>
-              <a:rPr lang="en-US" dirty="0"/>
+              <a:rPr lang="en-US" sz="3600" dirty="0">
+                <a:latin typeface="+mn-lt"/>
+              </a:rPr>
             </a:br>
             <a:r>
-              <a:rPr lang="en-US" dirty="0"/>
-              <a:t>Presented by</a:t>
-            </a:r>
-            <a:br>
-              <a:rPr lang="en-US" dirty="0"/>
-            </a:br>
-            <a:endParaRPr lang="en-US" dirty="0"/>
-          </a:p>
-        </p:txBody>
-      </p:sp>
-      <p:sp>
-        <p:nvSpPr>
-          <p:cNvPr id="5" name="Content Placeholder 4"/>
-          <p:cNvSpPr>
-            <a:spLocks noGrp="1"/>
-          </p:cNvSpPr>
-          <p:nvPr>
-            <p:ph idx="1"/>
-          </p:nvPr>
-        </p:nvSpPr>
+              <a:rPr lang="en-US" sz="3600" dirty="0">
+                <a:latin typeface="+mn-lt"/>
+              </a:rPr>
+              <a:t>Centers Season Availability &amp; Scoring </a:t>
+            </a:r>
+          </a:p>
+        </p:txBody>
+      </p:sp>
+      <p:pic>
+        <p:nvPicPr>
+          <p:cNvPr id="7" name="Picture 6" descr="Chart, bar chart&#10;&#10;Description automatically generated">
+            <a:extLst>
+              <a:ext uri="{FF2B5EF4-FFF2-40B4-BE49-F238E27FC236}">
+                <a16:creationId xmlns:a16="http://schemas.microsoft.com/office/drawing/2014/main" id="{7E7BC156-4ECE-551C-FF5F-82CB0F9AFCD6}"/>
+              </a:ext>
+            </a:extLst>
+          </p:cNvPr>
+          <p:cNvPicPr>
+            <a:picLocks noChangeAspect="1"/>
+          </p:cNvPicPr>
+          <p:nvPr/>
+        </p:nvPicPr>
+        <p:blipFill>
+          <a:blip r:embed="rId2"/>
+          <a:stretch>
+            <a:fillRect/>
+          </a:stretch>
+        </p:blipFill>
         <p:spPr>
           <a:xfrm>
-            <a:off x="838200" y="1825625"/>
-            <a:ext cx="10515600" cy="2746375"/>
-          </a:xfrm>
-        </p:spPr>
-        <p:txBody>
-          <a:bodyPr/>
-          <a:lstStyle/>
-          <a:p>
-            <a:pPr marL="0" indent="0" algn="ctr">
-              <a:buNone/>
-            </a:pPr>
-            <a:r>
-              <a:rPr lang="en-US" dirty="0"/>
-              <a:t>Brenton Bethel</a:t>
-            </a:r>
-          </a:p>
-          <a:p>
-            <a:pPr marL="0" indent="0" algn="ctr">
-              <a:buNone/>
-            </a:pPr>
-            <a:r>
-              <a:rPr lang="en-US" dirty="0"/>
-              <a:t>Candace Stingley</a:t>
-            </a:r>
-          </a:p>
-          <a:p>
-            <a:pPr marL="0" indent="0" algn="ctr">
-              <a:buNone/>
-            </a:pPr>
-            <a:r>
-              <a:rPr lang="en-US" dirty="0"/>
-              <a:t>Dario Rangel</a:t>
-            </a:r>
-          </a:p>
-          <a:p>
-            <a:pPr marL="0" indent="0" algn="ctr">
-              <a:buNone/>
-            </a:pPr>
-            <a:r>
-              <a:rPr lang="en-US" dirty="0"/>
-              <a:t>Jessica Richter</a:t>
-            </a:r>
-          </a:p>
-          <a:p>
-            <a:pPr marL="0" indent="0" algn="ctr">
-              <a:buNone/>
-            </a:pPr>
-            <a:r>
-              <a:rPr lang="en-US" dirty="0"/>
-              <a:t>Mark Meinhardt</a:t>
-            </a:r>
-          </a:p>
-        </p:txBody>
-      </p:sp>
+            <a:off x="6225109" y="1887636"/>
+            <a:ext cx="5348832" cy="4011625"/>
+          </a:xfrm>
+          <a:prstGeom prst="rect">
+            <a:avLst/>
+          </a:prstGeom>
+        </p:spPr>
+      </p:pic>
+      <p:pic>
+        <p:nvPicPr>
+          <p:cNvPr id="8" name="Picture 7" descr="Chart, bar chart&#10;&#10;Description automatically generated">
+            <a:extLst>
+              <a:ext uri="{FF2B5EF4-FFF2-40B4-BE49-F238E27FC236}">
+                <a16:creationId xmlns:a16="http://schemas.microsoft.com/office/drawing/2014/main" id="{C1C8C2E8-87A3-EA4B-908A-8C9EE3C54306}"/>
+              </a:ext>
+            </a:extLst>
+          </p:cNvPr>
+          <p:cNvPicPr>
+            <a:picLocks noChangeAspect="1"/>
+          </p:cNvPicPr>
+          <p:nvPr/>
+        </p:nvPicPr>
+        <p:blipFill>
+          <a:blip r:embed="rId3"/>
+          <a:stretch>
+            <a:fillRect/>
+          </a:stretch>
+        </p:blipFill>
+        <p:spPr>
+          <a:xfrm>
+            <a:off x="618059" y="1887636"/>
+            <a:ext cx="5348832" cy="4011624"/>
+          </a:xfrm>
+          <a:prstGeom prst="rect">
+            <a:avLst/>
+          </a:prstGeom>
+        </p:spPr>
+      </p:pic>
     </p:spTree>
     <p:extLst>
       <p:ext uri="{BB962C8B-B14F-4D97-AF65-F5344CB8AC3E}">
-        <p14:creationId xmlns:p14="http://schemas.microsoft.com/office/powerpoint/2010/main" val="2590784503"/>
+        <p14:creationId xmlns:p14="http://schemas.microsoft.com/office/powerpoint/2010/main" val="595485408"/>
+      </p:ext>
+    </p:extLst>
+  </p:cSld>
+  <p:clrMapOvr>
+    <a:masterClrMapping/>
+  </p:clrMapOvr>
+</p:sld>
+</file>
+
+<file path=ppt/slides/slide36.xml><?xml version="1.0" encoding="utf-8"?>
+<p:sld xmlns:a="http://schemas.openxmlformats.org/drawingml/2006/main" xmlns:r="http://schemas.openxmlformats.org/officeDocument/2006/relationships" xmlns:p="http://schemas.openxmlformats.org/presentationml/2006/main">
+  <p:cSld>
+    <p:spTree>
+      <p:nvGrpSpPr>
+        <p:cNvPr id="1" name=""/>
+        <p:cNvGrpSpPr/>
+        <p:nvPr/>
+      </p:nvGrpSpPr>
+      <p:grpSpPr>
+        <a:xfrm>
+          <a:off x="0" y="0"/>
+          <a:ext cx="0" cy="0"/>
+          <a:chOff x="0" y="0"/>
+          <a:chExt cx="0" cy="0"/>
+        </a:xfrm>
+      </p:grpSpPr>
+      <p:sp>
+        <p:nvSpPr>
+          <p:cNvPr id="2" name="Title 1"/>
+          <p:cNvSpPr>
+            <a:spLocks noGrp="1"/>
+          </p:cNvSpPr>
+          <p:nvPr>
+            <p:ph type="title"/>
+          </p:nvPr>
+        </p:nvSpPr>
+        <p:spPr/>
+        <p:txBody>
+          <a:bodyPr>
+            <a:normAutofit/>
+          </a:bodyPr>
+          <a:lstStyle/>
+          <a:p>
+            <a:pPr algn="ctr"/>
+            <a:r>
+              <a:rPr lang="en-US" sz="3600" dirty="0">
+                <a:latin typeface="+mn-lt"/>
+              </a:rPr>
+              <a:t>Orlando Magic Player Performance</a:t>
+            </a:r>
+            <a:br>
+              <a:rPr lang="en-US" sz="3600" dirty="0">
+                <a:latin typeface="+mn-lt"/>
+              </a:rPr>
+            </a:br>
+            <a:r>
+              <a:rPr lang="en-US" sz="3600" dirty="0">
+                <a:latin typeface="+mn-lt"/>
+              </a:rPr>
+              <a:t>Centers Season Shooting</a:t>
+            </a:r>
+          </a:p>
+        </p:txBody>
+      </p:sp>
+      <p:pic>
+        <p:nvPicPr>
+          <p:cNvPr id="5" name="Picture 4" descr="Chart, scatter chart&#10;&#10;Description automatically generated">
+            <a:extLst>
+              <a:ext uri="{FF2B5EF4-FFF2-40B4-BE49-F238E27FC236}">
+                <a16:creationId xmlns:a16="http://schemas.microsoft.com/office/drawing/2014/main" id="{41787CD0-EC2E-23B3-CB1D-3BF13D826896}"/>
+              </a:ext>
+            </a:extLst>
+          </p:cNvPr>
+          <p:cNvPicPr>
+            <a:picLocks noChangeAspect="1"/>
+          </p:cNvPicPr>
+          <p:nvPr/>
+        </p:nvPicPr>
+        <p:blipFill>
+          <a:blip r:embed="rId2"/>
+          <a:stretch>
+            <a:fillRect/>
+          </a:stretch>
+        </p:blipFill>
+        <p:spPr>
+          <a:xfrm>
+            <a:off x="6576650" y="1949331"/>
+            <a:ext cx="4835977" cy="3626983"/>
+          </a:xfrm>
+          <a:prstGeom prst="rect">
+            <a:avLst/>
+          </a:prstGeom>
+        </p:spPr>
+      </p:pic>
+      <p:pic>
+        <p:nvPicPr>
+          <p:cNvPr id="6" name="Picture 5" descr="Chart, scatter chart&#10;&#10;Description automatically generated">
+            <a:extLst>
+              <a:ext uri="{FF2B5EF4-FFF2-40B4-BE49-F238E27FC236}">
+                <a16:creationId xmlns:a16="http://schemas.microsoft.com/office/drawing/2014/main" id="{99AB083E-AF8B-DE41-C18B-CF59F8662AA1}"/>
+              </a:ext>
+            </a:extLst>
+          </p:cNvPr>
+          <p:cNvPicPr>
+            <a:picLocks noChangeAspect="1"/>
+          </p:cNvPicPr>
+          <p:nvPr/>
+        </p:nvPicPr>
+        <p:blipFill>
+          <a:blip r:embed="rId3"/>
+          <a:stretch>
+            <a:fillRect/>
+          </a:stretch>
+        </p:blipFill>
+        <p:spPr>
+          <a:xfrm>
+            <a:off x="779373" y="1949331"/>
+            <a:ext cx="4835977" cy="3626983"/>
+          </a:xfrm>
+          <a:prstGeom prst="rect">
+            <a:avLst/>
+          </a:prstGeom>
+        </p:spPr>
+      </p:pic>
+    </p:spTree>
+    <p:extLst>
+      <p:ext uri="{BB962C8B-B14F-4D97-AF65-F5344CB8AC3E}">
+        <p14:creationId xmlns:p14="http://schemas.microsoft.com/office/powerpoint/2010/main" val="1254442060"/>
+      </p:ext>
+    </p:extLst>
+  </p:cSld>
+  <p:clrMapOvr>
+    <a:masterClrMapping/>
+  </p:clrMapOvr>
+</p:sld>
+</file>
+
+<file path=ppt/slides/slide37.xml><?xml version="1.0" encoding="utf-8"?>
+<p:sld xmlns:a="http://schemas.openxmlformats.org/drawingml/2006/main" xmlns:r="http://schemas.openxmlformats.org/officeDocument/2006/relationships" xmlns:p="http://schemas.openxmlformats.org/presentationml/2006/main">
+  <p:cSld>
+    <p:spTree>
+      <p:nvGrpSpPr>
+        <p:cNvPr id="1" name=""/>
+        <p:cNvGrpSpPr/>
+        <p:nvPr/>
+      </p:nvGrpSpPr>
+      <p:grpSpPr>
+        <a:xfrm>
+          <a:off x="0" y="0"/>
+          <a:ext cx="0" cy="0"/>
+          <a:chOff x="0" y="0"/>
+          <a:chExt cx="0" cy="0"/>
+        </a:xfrm>
+      </p:grpSpPr>
+      <p:sp>
+        <p:nvSpPr>
+          <p:cNvPr id="2" name="Title 1"/>
+          <p:cNvSpPr>
+            <a:spLocks noGrp="1"/>
+          </p:cNvSpPr>
+          <p:nvPr>
+            <p:ph type="title"/>
+          </p:nvPr>
+        </p:nvSpPr>
+        <p:spPr/>
+        <p:txBody>
+          <a:bodyPr>
+            <a:normAutofit/>
+          </a:bodyPr>
+          <a:lstStyle/>
+          <a:p>
+            <a:pPr algn="ctr"/>
+            <a:r>
+              <a:rPr lang="en-US" sz="3600" dirty="0">
+                <a:latin typeface="+mn-lt"/>
+              </a:rPr>
+              <a:t>Orlando Magic Player Performance</a:t>
+            </a:r>
+            <a:br>
+              <a:rPr lang="en-US" sz="3600" dirty="0">
+                <a:latin typeface="+mn-lt"/>
+              </a:rPr>
+            </a:br>
+            <a:r>
+              <a:rPr lang="en-US" sz="3600" dirty="0">
+                <a:latin typeface="+mn-lt"/>
+              </a:rPr>
+              <a:t>Centers Season Plus-Minus</a:t>
+            </a:r>
+          </a:p>
+        </p:txBody>
+      </p:sp>
+      <p:pic>
+        <p:nvPicPr>
+          <p:cNvPr id="7" name="Picture 6" descr="Chart, scatter chart&#10;&#10;Description automatically generated">
+            <a:extLst>
+              <a:ext uri="{FF2B5EF4-FFF2-40B4-BE49-F238E27FC236}">
+                <a16:creationId xmlns:a16="http://schemas.microsoft.com/office/drawing/2014/main" id="{A49EA48D-83C4-2E2A-A983-CF1C6FD7AB91}"/>
+              </a:ext>
+            </a:extLst>
+          </p:cNvPr>
+          <p:cNvPicPr>
+            <a:picLocks noChangeAspect="1"/>
+          </p:cNvPicPr>
+          <p:nvPr/>
+        </p:nvPicPr>
+        <p:blipFill>
+          <a:blip r:embed="rId2"/>
+          <a:stretch>
+            <a:fillRect/>
+          </a:stretch>
+        </p:blipFill>
+        <p:spPr>
+          <a:xfrm>
+            <a:off x="3169914" y="1844024"/>
+            <a:ext cx="5852172" cy="4389129"/>
+          </a:xfrm>
+          <a:prstGeom prst="rect">
+            <a:avLst/>
+          </a:prstGeom>
+        </p:spPr>
+      </p:pic>
+    </p:spTree>
+    <p:extLst>
+      <p:ext uri="{BB962C8B-B14F-4D97-AF65-F5344CB8AC3E}">
+        <p14:creationId xmlns:p14="http://schemas.microsoft.com/office/powerpoint/2010/main" val="1339756695"/>
+      </p:ext>
+    </p:extLst>
+  </p:cSld>
+  <p:clrMapOvr>
+    <a:masterClrMapping/>
+  </p:clrMapOvr>
+</p:sld>
+</file>
+
+<file path=ppt/slides/slide38.xml><?xml version="1.0" encoding="utf-8"?>
+<p:sld xmlns:a="http://schemas.openxmlformats.org/drawingml/2006/main" xmlns:r="http://schemas.openxmlformats.org/officeDocument/2006/relationships" xmlns:p="http://schemas.openxmlformats.org/presentationml/2006/main">
+  <p:cSld>
+    <p:spTree>
+      <p:nvGrpSpPr>
+        <p:cNvPr id="1" name=""/>
+        <p:cNvGrpSpPr/>
+        <p:nvPr/>
+      </p:nvGrpSpPr>
+      <p:grpSpPr>
+        <a:xfrm>
+          <a:off x="0" y="0"/>
+          <a:ext cx="0" cy="0"/>
+          <a:chOff x="0" y="0"/>
+          <a:chExt cx="0" cy="0"/>
+        </a:xfrm>
+      </p:grpSpPr>
+      <p:sp>
+        <p:nvSpPr>
+          <p:cNvPr id="2" name="Title 1"/>
+          <p:cNvSpPr>
+            <a:spLocks noGrp="1"/>
+          </p:cNvSpPr>
+          <p:nvPr>
+            <p:ph type="title"/>
+          </p:nvPr>
+        </p:nvSpPr>
+        <p:spPr>
+          <a:xfrm>
+            <a:off x="838200" y="1740634"/>
+            <a:ext cx="10515600" cy="1427874"/>
+          </a:xfrm>
+        </p:spPr>
+        <p:txBody>
+          <a:bodyPr>
+            <a:normAutofit/>
+          </a:bodyPr>
+          <a:lstStyle/>
+          <a:p>
+            <a:pPr algn="ctr"/>
+            <a:r>
+              <a:rPr lang="en-US" dirty="0">
+                <a:solidFill>
+                  <a:prstClr val="black"/>
+                </a:solidFill>
+              </a:rPr>
+              <a:t>SECTION 5</a:t>
+            </a:r>
+            <a:endParaRPr lang="en-US" sz="2400" dirty="0"/>
+          </a:p>
+        </p:txBody>
+      </p:sp>
+      <p:sp>
+        <p:nvSpPr>
+          <p:cNvPr id="3" name="Text Placeholder 2"/>
+          <p:cNvSpPr>
+            <a:spLocks noGrp="1"/>
+          </p:cNvSpPr>
+          <p:nvPr>
+            <p:ph type="body" idx="1"/>
+          </p:nvPr>
+        </p:nvSpPr>
+        <p:spPr>
+          <a:xfrm>
+            <a:off x="844550" y="3844315"/>
+            <a:ext cx="10515600" cy="1110875"/>
+          </a:xfrm>
+        </p:spPr>
+        <p:txBody>
+          <a:bodyPr>
+            <a:noAutofit/>
+          </a:bodyPr>
+          <a:lstStyle/>
+          <a:p>
+            <a:pPr algn="ctr"/>
+            <a:r>
+              <a:rPr lang="en-US" sz="2800" dirty="0">
+                <a:solidFill>
+                  <a:srgbClr val="2B2B2B"/>
+                </a:solidFill>
+              </a:rPr>
+              <a:t>Implications of the findings/next steps</a:t>
+            </a:r>
+            <a:endParaRPr lang="en-US" sz="2800" dirty="0"/>
+          </a:p>
+        </p:txBody>
+      </p:sp>
+    </p:spTree>
+    <p:extLst>
+      <p:ext uri="{BB962C8B-B14F-4D97-AF65-F5344CB8AC3E}">
+        <p14:creationId xmlns:p14="http://schemas.microsoft.com/office/powerpoint/2010/main" val="3968192572"/>
+      </p:ext>
+    </p:extLst>
+  </p:cSld>
+  <p:clrMapOvr>
+    <a:masterClrMapping/>
+  </p:clrMapOvr>
+</p:sld>
+</file>
+
+<file path=ppt/slides/slide39.xml><?xml version="1.0" encoding="utf-8"?>
+<p:sld xmlns:a="http://schemas.openxmlformats.org/drawingml/2006/main" xmlns:r="http://schemas.openxmlformats.org/officeDocument/2006/relationships" xmlns:p="http://schemas.openxmlformats.org/presentationml/2006/main">
+  <p:cSld>
+    <p:spTree>
+      <p:nvGrpSpPr>
+        <p:cNvPr id="1" name=""/>
+        <p:cNvGrpSpPr/>
+        <p:nvPr/>
+      </p:nvGrpSpPr>
+      <p:grpSpPr>
+        <a:xfrm>
+          <a:off x="0" y="0"/>
+          <a:ext cx="0" cy="0"/>
+          <a:chOff x="0" y="0"/>
+          <a:chExt cx="0" cy="0"/>
+        </a:xfrm>
+      </p:grpSpPr>
+      <p:sp>
+        <p:nvSpPr>
+          <p:cNvPr id="2" name="Title 1"/>
+          <p:cNvSpPr>
+            <a:spLocks noGrp="1"/>
+          </p:cNvSpPr>
+          <p:nvPr>
+            <p:ph type="title"/>
+          </p:nvPr>
+        </p:nvSpPr>
+        <p:spPr/>
+        <p:txBody>
+          <a:bodyPr/>
+          <a:lstStyle/>
+          <a:p>
+            <a:pPr algn="ctr"/>
+            <a:r>
+              <a:rPr lang="en-US" sz="3600" b="1" dirty="0"/>
+              <a:t>Question 1 – Regular Season vs Playoff Percentage</a:t>
+            </a:r>
+            <a:endParaRPr lang="en-US" dirty="0"/>
+          </a:p>
+        </p:txBody>
+      </p:sp>
+      <p:sp>
+        <p:nvSpPr>
+          <p:cNvPr id="3" name="Content Placeholder 2"/>
+          <p:cNvSpPr>
+            <a:spLocks noGrp="1"/>
+          </p:cNvSpPr>
+          <p:nvPr>
+            <p:ph idx="1"/>
+          </p:nvPr>
+        </p:nvSpPr>
+        <p:spPr>
+          <a:xfrm>
+            <a:off x="838200" y="1825625"/>
+            <a:ext cx="10515600" cy="3343275"/>
+          </a:xfrm>
+        </p:spPr>
+        <p:txBody>
+          <a:bodyPr/>
+          <a:lstStyle/>
+          <a:p>
+            <a:r>
+              <a:rPr lang="en-US" dirty="0"/>
+              <a:t>The correlation of season winning percentage versus playoff winning percentage is important because the regular season winning percentage determines home court advantage throughout the playoffs.</a:t>
+            </a:r>
+          </a:p>
+          <a:p>
+            <a:r>
+              <a:rPr lang="en-US" dirty="0"/>
+              <a:t> Statistics show the team with the home court advantage has won 53 of 74 championships, or 71.6% of the time. </a:t>
+            </a:r>
+          </a:p>
+          <a:p>
+            <a:r>
+              <a:rPr lang="en-US" dirty="0"/>
+              <a:t>There are no next steps with regard to this KPI</a:t>
+            </a:r>
+          </a:p>
+        </p:txBody>
+      </p:sp>
+    </p:spTree>
+    <p:extLst>
+      <p:ext uri="{BB962C8B-B14F-4D97-AF65-F5344CB8AC3E}">
+        <p14:creationId xmlns:p14="http://schemas.microsoft.com/office/powerpoint/2010/main" val="3669989009"/>
       </p:ext>
     </p:extLst>
   </p:cSld>
@@ -9492,7 +10317,7 @@
         </p:nvSpPr>
         <p:spPr>
           <a:xfrm>
-            <a:off x="831850" y="274321"/>
+            <a:off x="838200" y="1798321"/>
             <a:ext cx="10515600" cy="1097279"/>
           </a:xfrm>
         </p:spPr>
@@ -9527,7 +10352,7 @@
         </p:nvSpPr>
         <p:spPr>
           <a:xfrm>
-            <a:off x="831850" y="1721225"/>
+            <a:off x="838200" y="3529004"/>
             <a:ext cx="10515600" cy="1390275"/>
           </a:xfrm>
         </p:spPr>
@@ -9553,6 +10378,804 @@
     <p:extLst>
       <p:ext uri="{BB962C8B-B14F-4D97-AF65-F5344CB8AC3E}">
         <p14:creationId xmlns:p14="http://schemas.microsoft.com/office/powerpoint/2010/main" val="199709479"/>
+      </p:ext>
+    </p:extLst>
+  </p:cSld>
+  <p:clrMapOvr>
+    <a:masterClrMapping/>
+  </p:clrMapOvr>
+</p:sld>
+</file>
+
+<file path=ppt/slides/slide40.xml><?xml version="1.0" encoding="utf-8"?>
+<p:sld xmlns:a="http://schemas.openxmlformats.org/drawingml/2006/main" xmlns:r="http://schemas.openxmlformats.org/officeDocument/2006/relationships" xmlns:p="http://schemas.openxmlformats.org/presentationml/2006/main">
+  <p:cSld>
+    <p:spTree>
+      <p:nvGrpSpPr>
+        <p:cNvPr id="1" name=""/>
+        <p:cNvGrpSpPr/>
+        <p:nvPr/>
+      </p:nvGrpSpPr>
+      <p:grpSpPr>
+        <a:xfrm>
+          <a:off x="0" y="0"/>
+          <a:ext cx="0" cy="0"/>
+          <a:chOff x="0" y="0"/>
+          <a:chExt cx="0" cy="0"/>
+        </a:xfrm>
+      </p:grpSpPr>
+      <p:sp>
+        <p:nvSpPr>
+          <p:cNvPr id="2" name="Title 1"/>
+          <p:cNvSpPr>
+            <a:spLocks noGrp="1"/>
+          </p:cNvSpPr>
+          <p:nvPr>
+            <p:ph type="title"/>
+          </p:nvPr>
+        </p:nvSpPr>
+        <p:spPr/>
+        <p:txBody>
+          <a:bodyPr/>
+          <a:lstStyle/>
+          <a:p>
+            <a:r>
+              <a:rPr lang="en-US" dirty="0"/>
+              <a:t>Jessica	</a:t>
+            </a:r>
+          </a:p>
+        </p:txBody>
+      </p:sp>
+      <p:sp>
+        <p:nvSpPr>
+          <p:cNvPr id="4" name="Content Placeholder 3"/>
+          <p:cNvSpPr>
+            <a:spLocks noGrp="1"/>
+          </p:cNvSpPr>
+          <p:nvPr>
+            <p:ph idx="1"/>
+          </p:nvPr>
+        </p:nvSpPr>
+        <p:spPr/>
+        <p:txBody>
+          <a:bodyPr/>
+          <a:lstStyle/>
+          <a:p>
+            <a:endParaRPr lang="en-US" dirty="0"/>
+          </a:p>
+        </p:txBody>
+      </p:sp>
+    </p:spTree>
+    <p:extLst>
+      <p:ext uri="{BB962C8B-B14F-4D97-AF65-F5344CB8AC3E}">
+        <p14:creationId xmlns:p14="http://schemas.microsoft.com/office/powerpoint/2010/main" val="4112603086"/>
+      </p:ext>
+    </p:extLst>
+  </p:cSld>
+  <p:clrMapOvr>
+    <a:masterClrMapping/>
+  </p:clrMapOvr>
+</p:sld>
+</file>
+
+<file path=ppt/slides/slide41.xml><?xml version="1.0" encoding="utf-8"?>
+<p:sld xmlns:a="http://schemas.openxmlformats.org/drawingml/2006/main" xmlns:r="http://schemas.openxmlformats.org/officeDocument/2006/relationships" xmlns:p="http://schemas.openxmlformats.org/presentationml/2006/main">
+  <p:cSld>
+    <p:spTree>
+      <p:nvGrpSpPr>
+        <p:cNvPr id="1" name=""/>
+        <p:cNvGrpSpPr/>
+        <p:nvPr/>
+      </p:nvGrpSpPr>
+      <p:grpSpPr>
+        <a:xfrm>
+          <a:off x="0" y="0"/>
+          <a:ext cx="0" cy="0"/>
+          <a:chOff x="0" y="0"/>
+          <a:chExt cx="0" cy="0"/>
+        </a:xfrm>
+      </p:grpSpPr>
+      <p:sp>
+        <p:nvSpPr>
+          <p:cNvPr id="2" name="Title 1"/>
+          <p:cNvSpPr>
+            <a:spLocks noGrp="1"/>
+          </p:cNvSpPr>
+          <p:nvPr>
+            <p:ph type="title"/>
+          </p:nvPr>
+        </p:nvSpPr>
+        <p:spPr/>
+        <p:txBody>
+          <a:bodyPr>
+            <a:normAutofit/>
+          </a:bodyPr>
+          <a:lstStyle/>
+          <a:p>
+            <a:r>
+              <a:rPr lang="en-US" sz="3400" b="1" dirty="0">
+                <a:solidFill>
+                  <a:prstClr val="black"/>
+                </a:solidFill>
+              </a:rPr>
+              <a:t>Question 3 – How Does the Magic Compare to the League</a:t>
+            </a:r>
+            <a:endParaRPr lang="en-US" sz="3400" dirty="0"/>
+          </a:p>
+        </p:txBody>
+      </p:sp>
+      <p:sp>
+        <p:nvSpPr>
+          <p:cNvPr id="4" name="Content Placeholder 3"/>
+          <p:cNvSpPr>
+            <a:spLocks noGrp="1"/>
+          </p:cNvSpPr>
+          <p:nvPr>
+            <p:ph idx="1"/>
+          </p:nvPr>
+        </p:nvSpPr>
+        <p:spPr/>
+        <p:txBody>
+          <a:bodyPr/>
+          <a:lstStyle/>
+          <a:p>
+            <a:r>
+              <a:rPr lang="en-US" dirty="0"/>
+              <a:t>My analysis implies that the Orlando Magic is below average in regards to all aspects of scoring. They would benefit greatly from improving both their 3-point percentage and field goal percentage. </a:t>
+            </a:r>
+          </a:p>
+          <a:p>
+            <a:endParaRPr lang="en-US" dirty="0"/>
+          </a:p>
+          <a:p>
+            <a:r>
+              <a:rPr lang="en-US" dirty="0"/>
+              <a:t>Next Steps:</a:t>
+            </a:r>
+          </a:p>
+          <a:p>
+            <a:pPr lvl="1"/>
+            <a:r>
+              <a:rPr lang="en-US" dirty="0"/>
+              <a:t>Analysis of Free Throw Percentage, Block Rate, and Personal Fouls.</a:t>
+            </a:r>
+          </a:p>
+          <a:p>
+            <a:pPr lvl="1"/>
+            <a:r>
+              <a:rPr lang="en-US" dirty="0"/>
+              <a:t>Finding additional data resources to compare average number of points scored by the other team. </a:t>
+            </a:r>
+          </a:p>
+        </p:txBody>
+      </p:sp>
+    </p:spTree>
+    <p:extLst>
+      <p:ext uri="{BB962C8B-B14F-4D97-AF65-F5344CB8AC3E}">
+        <p14:creationId xmlns:p14="http://schemas.microsoft.com/office/powerpoint/2010/main" val="3417303363"/>
+      </p:ext>
+    </p:extLst>
+  </p:cSld>
+  <p:clrMapOvr>
+    <a:masterClrMapping/>
+  </p:clrMapOvr>
+</p:sld>
+</file>
+
+<file path=ppt/slides/slide42.xml><?xml version="1.0" encoding="utf-8"?>
+<p:sld xmlns:a="http://schemas.openxmlformats.org/drawingml/2006/main" xmlns:r="http://schemas.openxmlformats.org/officeDocument/2006/relationships" xmlns:p="http://schemas.openxmlformats.org/presentationml/2006/main">
+  <p:cSld>
+    <p:spTree>
+      <p:nvGrpSpPr>
+        <p:cNvPr id="1" name=""/>
+        <p:cNvGrpSpPr/>
+        <p:nvPr/>
+      </p:nvGrpSpPr>
+      <p:grpSpPr>
+        <a:xfrm>
+          <a:off x="0" y="0"/>
+          <a:ext cx="0" cy="0"/>
+          <a:chOff x="0" y="0"/>
+          <a:chExt cx="0" cy="0"/>
+        </a:xfrm>
+      </p:grpSpPr>
+      <p:sp>
+        <p:nvSpPr>
+          <p:cNvPr id="2" name="Title 1"/>
+          <p:cNvSpPr>
+            <a:spLocks noGrp="1"/>
+          </p:cNvSpPr>
+          <p:nvPr>
+            <p:ph type="title"/>
+          </p:nvPr>
+        </p:nvSpPr>
+        <p:spPr/>
+        <p:txBody>
+          <a:bodyPr/>
+          <a:lstStyle/>
+          <a:p>
+            <a:r>
+              <a:rPr lang="en-US" dirty="0"/>
+              <a:t>Brenton</a:t>
+            </a:r>
+          </a:p>
+        </p:txBody>
+      </p:sp>
+      <p:sp>
+        <p:nvSpPr>
+          <p:cNvPr id="3" name="Content Placeholder 2"/>
+          <p:cNvSpPr>
+            <a:spLocks noGrp="1"/>
+          </p:cNvSpPr>
+          <p:nvPr>
+            <p:ph idx="1"/>
+          </p:nvPr>
+        </p:nvSpPr>
+        <p:spPr/>
+        <p:txBody>
+          <a:bodyPr/>
+          <a:lstStyle/>
+          <a:p>
+            <a:endParaRPr lang="en-US" dirty="0"/>
+          </a:p>
+        </p:txBody>
+      </p:sp>
+    </p:spTree>
+    <p:extLst>
+      <p:ext uri="{BB962C8B-B14F-4D97-AF65-F5344CB8AC3E}">
+        <p14:creationId xmlns:p14="http://schemas.microsoft.com/office/powerpoint/2010/main" val="3275018559"/>
+      </p:ext>
+    </p:extLst>
+  </p:cSld>
+  <p:clrMapOvr>
+    <a:masterClrMapping/>
+  </p:clrMapOvr>
+</p:sld>
+</file>
+
+<file path=ppt/slides/slide43.xml><?xml version="1.0" encoding="utf-8"?>
+<p:sld xmlns:a="http://schemas.openxmlformats.org/drawingml/2006/main" xmlns:r="http://schemas.openxmlformats.org/officeDocument/2006/relationships" xmlns:p="http://schemas.openxmlformats.org/presentationml/2006/main">
+  <p:cSld>
+    <p:spTree>
+      <p:nvGrpSpPr>
+        <p:cNvPr id="1" name=""/>
+        <p:cNvGrpSpPr/>
+        <p:nvPr/>
+      </p:nvGrpSpPr>
+      <p:grpSpPr>
+        <a:xfrm>
+          <a:off x="0" y="0"/>
+          <a:ext cx="0" cy="0"/>
+          <a:chOff x="0" y="0"/>
+          <a:chExt cx="0" cy="0"/>
+        </a:xfrm>
+      </p:grpSpPr>
+      <p:sp>
+        <p:nvSpPr>
+          <p:cNvPr id="2" name="Title 1"/>
+          <p:cNvSpPr>
+            <a:spLocks noGrp="1"/>
+          </p:cNvSpPr>
+          <p:nvPr>
+            <p:ph type="title"/>
+          </p:nvPr>
+        </p:nvSpPr>
+        <p:spPr/>
+        <p:txBody>
+          <a:bodyPr>
+            <a:normAutofit/>
+          </a:bodyPr>
+          <a:lstStyle/>
+          <a:p>
+            <a:pPr algn="ctr"/>
+            <a:r>
+              <a:rPr lang="en-US" sz="3600" b="1" dirty="0">
+                <a:latin typeface="+mn-lt"/>
+              </a:rPr>
+              <a:t>Question 5 - Orlando’s Players Strengths</a:t>
+            </a:r>
+          </a:p>
+        </p:txBody>
+      </p:sp>
+      <p:sp>
+        <p:nvSpPr>
+          <p:cNvPr id="3" name="Content Placeholder 2"/>
+          <p:cNvSpPr>
+            <a:spLocks noGrp="1"/>
+          </p:cNvSpPr>
+          <p:nvPr>
+            <p:ph idx="1"/>
+          </p:nvPr>
+        </p:nvSpPr>
+        <p:spPr>
+          <a:xfrm>
+            <a:off x="838200" y="1825625"/>
+            <a:ext cx="10515600" cy="4226832"/>
+          </a:xfrm>
+        </p:spPr>
+        <p:txBody>
+          <a:bodyPr>
+            <a:normAutofit/>
+          </a:bodyPr>
+          <a:lstStyle/>
+          <a:p>
+            <a:r>
+              <a:rPr lang="en-US" dirty="0"/>
+              <a:t>Franz Wagner and Paolo Banchero were above the league average in every metric related to scoring directly and/or indirectly.</a:t>
+            </a:r>
+          </a:p>
+          <a:p>
+            <a:r>
+              <a:rPr lang="en-US" dirty="0"/>
+              <a:t>Starter Markelle Fultz was above league average in field goal percentage.</a:t>
+            </a:r>
+          </a:p>
+          <a:p>
+            <a:r>
+              <a:rPr lang="en-US" dirty="0"/>
+              <a:t>Starter Markelle Fultz was above league average in assists.</a:t>
+            </a:r>
+          </a:p>
+          <a:p>
+            <a:r>
+              <a:rPr lang="en-US" dirty="0"/>
+              <a:t>Reserve Guard Gary Harris was above league average in 3pt shooting.</a:t>
+            </a:r>
+          </a:p>
+          <a:p>
+            <a:r>
+              <a:rPr lang="en-US" dirty="0"/>
+              <a:t>All but one Center was below league average in 3pt shooting.</a:t>
+            </a:r>
+          </a:p>
+          <a:p>
+            <a:r>
+              <a:rPr lang="en-US" dirty="0"/>
+              <a:t>All but one Guard were below the league average in turnovers.</a:t>
+            </a:r>
+          </a:p>
+          <a:p>
+            <a:endParaRPr lang="en-US" dirty="0"/>
+          </a:p>
+        </p:txBody>
+      </p:sp>
+    </p:spTree>
+    <p:extLst>
+      <p:ext uri="{BB962C8B-B14F-4D97-AF65-F5344CB8AC3E}">
+        <p14:creationId xmlns:p14="http://schemas.microsoft.com/office/powerpoint/2010/main" val="2225401126"/>
+      </p:ext>
+    </p:extLst>
+  </p:cSld>
+  <p:clrMapOvr>
+    <a:masterClrMapping/>
+  </p:clrMapOvr>
+</p:sld>
+</file>
+
+<file path=ppt/slides/slide44.xml><?xml version="1.0" encoding="utf-8"?>
+<p:sld xmlns:a="http://schemas.openxmlformats.org/drawingml/2006/main" xmlns:r="http://schemas.openxmlformats.org/officeDocument/2006/relationships" xmlns:p="http://schemas.openxmlformats.org/presentationml/2006/main">
+  <p:cSld>
+    <p:spTree>
+      <p:nvGrpSpPr>
+        <p:cNvPr id="1" name=""/>
+        <p:cNvGrpSpPr/>
+        <p:nvPr/>
+      </p:nvGrpSpPr>
+      <p:grpSpPr>
+        <a:xfrm>
+          <a:off x="0" y="0"/>
+          <a:ext cx="0" cy="0"/>
+          <a:chOff x="0" y="0"/>
+          <a:chExt cx="0" cy="0"/>
+        </a:xfrm>
+      </p:grpSpPr>
+      <p:sp>
+        <p:nvSpPr>
+          <p:cNvPr id="2" name="Title 1"/>
+          <p:cNvSpPr>
+            <a:spLocks noGrp="1"/>
+          </p:cNvSpPr>
+          <p:nvPr>
+            <p:ph type="title"/>
+          </p:nvPr>
+        </p:nvSpPr>
+        <p:spPr/>
+        <p:txBody>
+          <a:bodyPr>
+            <a:normAutofit/>
+          </a:bodyPr>
+          <a:lstStyle/>
+          <a:p>
+            <a:pPr algn="ctr"/>
+            <a:r>
+              <a:rPr lang="en-US" sz="3600" dirty="0">
+                <a:latin typeface="+mn-lt"/>
+              </a:rPr>
+              <a:t>Orlando’s Players Deficiencies </a:t>
+            </a:r>
+          </a:p>
+        </p:txBody>
+      </p:sp>
+      <p:sp>
+        <p:nvSpPr>
+          <p:cNvPr id="3" name="Content Placeholder 2"/>
+          <p:cNvSpPr>
+            <a:spLocks noGrp="1"/>
+          </p:cNvSpPr>
+          <p:nvPr>
+            <p:ph idx="1"/>
+          </p:nvPr>
+        </p:nvSpPr>
+        <p:spPr>
+          <a:xfrm>
+            <a:off x="838200" y="1825625"/>
+            <a:ext cx="10515600" cy="4226832"/>
+          </a:xfrm>
+        </p:spPr>
+        <p:txBody>
+          <a:bodyPr>
+            <a:normAutofit lnSpcReduction="10000"/>
+          </a:bodyPr>
+          <a:lstStyle/>
+          <a:p>
+            <a:r>
+              <a:rPr lang="en-US" dirty="0"/>
+              <a:t>Reserve Guards performance in most major statistics categories were at or below league average.</a:t>
+            </a:r>
+          </a:p>
+          <a:p>
+            <a:r>
+              <a:rPr lang="en-US" dirty="0"/>
+              <a:t>Reserve Forwards performance in most major statistics categories were at or below league average.</a:t>
+            </a:r>
+          </a:p>
+          <a:p>
+            <a:r>
+              <a:rPr lang="en-US" dirty="0"/>
+              <a:t>Starting Center performance in key role statistics were at or slightly above league average.</a:t>
+            </a:r>
+          </a:p>
+          <a:p>
+            <a:r>
+              <a:rPr lang="en-US" dirty="0"/>
+              <a:t>All players but Franz Wagner were below the Plus-Minus league average.</a:t>
+            </a:r>
+          </a:p>
+          <a:p>
+            <a:r>
+              <a:rPr lang="en-US" dirty="0"/>
+              <a:t>All players but Franz Wagner, Kevon Harris, and Goga Bitadze had a negative Plus-Minus.</a:t>
+            </a:r>
+          </a:p>
+          <a:p>
+            <a:endParaRPr lang="en-US" dirty="0"/>
+          </a:p>
+        </p:txBody>
+      </p:sp>
+    </p:spTree>
+    <p:extLst>
+      <p:ext uri="{BB962C8B-B14F-4D97-AF65-F5344CB8AC3E}">
+        <p14:creationId xmlns:p14="http://schemas.microsoft.com/office/powerpoint/2010/main" val="128176156"/>
+      </p:ext>
+    </p:extLst>
+  </p:cSld>
+  <p:clrMapOvr>
+    <a:masterClrMapping/>
+  </p:clrMapOvr>
+</p:sld>
+</file>
+
+<file path=ppt/slides/slide45.xml><?xml version="1.0" encoding="utf-8"?>
+<p:sld xmlns:a="http://schemas.openxmlformats.org/drawingml/2006/main" xmlns:r="http://schemas.openxmlformats.org/officeDocument/2006/relationships" xmlns:p="http://schemas.openxmlformats.org/presentationml/2006/main">
+  <p:cSld>
+    <p:spTree>
+      <p:nvGrpSpPr>
+        <p:cNvPr id="1" name=""/>
+        <p:cNvGrpSpPr/>
+        <p:nvPr/>
+      </p:nvGrpSpPr>
+      <p:grpSpPr>
+        <a:xfrm>
+          <a:off x="0" y="0"/>
+          <a:ext cx="0" cy="0"/>
+          <a:chOff x="0" y="0"/>
+          <a:chExt cx="0" cy="0"/>
+        </a:xfrm>
+      </p:grpSpPr>
+      <p:sp>
+        <p:nvSpPr>
+          <p:cNvPr id="2" name="Title 1"/>
+          <p:cNvSpPr>
+            <a:spLocks noGrp="1"/>
+          </p:cNvSpPr>
+          <p:nvPr>
+            <p:ph type="title"/>
+          </p:nvPr>
+        </p:nvSpPr>
+        <p:spPr/>
+        <p:txBody>
+          <a:bodyPr>
+            <a:normAutofit/>
+          </a:bodyPr>
+          <a:lstStyle/>
+          <a:p>
+            <a:pPr algn="ctr"/>
+            <a:r>
+              <a:rPr lang="en-US" sz="3600" dirty="0">
+                <a:latin typeface="+mn-lt"/>
+              </a:rPr>
+              <a:t>Player Performance Results </a:t>
+            </a:r>
+          </a:p>
+        </p:txBody>
+      </p:sp>
+      <p:sp>
+        <p:nvSpPr>
+          <p:cNvPr id="3" name="Content Placeholder 2"/>
+          <p:cNvSpPr>
+            <a:spLocks noGrp="1"/>
+          </p:cNvSpPr>
+          <p:nvPr>
+            <p:ph idx="1"/>
+          </p:nvPr>
+        </p:nvSpPr>
+        <p:spPr>
+          <a:xfrm>
+            <a:off x="838200" y="1825625"/>
+            <a:ext cx="10515600" cy="2775404"/>
+          </a:xfrm>
+        </p:spPr>
+        <p:txBody>
+          <a:bodyPr/>
+          <a:lstStyle/>
+          <a:p>
+            <a:r>
+              <a:rPr lang="en-US" dirty="0"/>
+              <a:t>Starting Forwards are the strongest unit of the Orlando Magic Team, performed slightly or above the league average.</a:t>
+            </a:r>
+          </a:p>
+          <a:p>
+            <a:r>
+              <a:rPr lang="en-US" dirty="0"/>
+              <a:t>Starting Guards and Center were at or slightly above league average</a:t>
+            </a:r>
+          </a:p>
+          <a:p>
+            <a:r>
+              <a:rPr lang="en-US" dirty="0"/>
+              <a:t>Reserve players production in all roles were mainly below league average.</a:t>
+            </a:r>
+          </a:p>
+          <a:p>
+            <a:endParaRPr lang="en-US" dirty="0"/>
+          </a:p>
+        </p:txBody>
+      </p:sp>
+    </p:spTree>
+    <p:extLst>
+      <p:ext uri="{BB962C8B-B14F-4D97-AF65-F5344CB8AC3E}">
+        <p14:creationId xmlns:p14="http://schemas.microsoft.com/office/powerpoint/2010/main" val="4009922992"/>
+      </p:ext>
+    </p:extLst>
+  </p:cSld>
+  <p:clrMapOvr>
+    <a:masterClrMapping/>
+  </p:clrMapOvr>
+</p:sld>
+</file>
+
+<file path=ppt/slides/slide46.xml><?xml version="1.0" encoding="utf-8"?>
+<p:sld xmlns:a="http://schemas.openxmlformats.org/drawingml/2006/main" xmlns:r="http://schemas.openxmlformats.org/officeDocument/2006/relationships" xmlns:p="http://schemas.openxmlformats.org/presentationml/2006/main">
+  <p:cSld>
+    <p:spTree>
+      <p:nvGrpSpPr>
+        <p:cNvPr id="1" name=""/>
+        <p:cNvGrpSpPr/>
+        <p:nvPr/>
+      </p:nvGrpSpPr>
+      <p:grpSpPr>
+        <a:xfrm>
+          <a:off x="0" y="0"/>
+          <a:ext cx="0" cy="0"/>
+          <a:chOff x="0" y="0"/>
+          <a:chExt cx="0" cy="0"/>
+        </a:xfrm>
+      </p:grpSpPr>
+      <p:sp>
+        <p:nvSpPr>
+          <p:cNvPr id="2" name="Title 1"/>
+          <p:cNvSpPr>
+            <a:spLocks noGrp="1"/>
+          </p:cNvSpPr>
+          <p:nvPr>
+            <p:ph type="title"/>
+          </p:nvPr>
+        </p:nvSpPr>
+        <p:spPr/>
+        <p:txBody>
+          <a:bodyPr>
+            <a:normAutofit/>
+          </a:bodyPr>
+          <a:lstStyle/>
+          <a:p>
+            <a:pPr algn="ctr"/>
+            <a:r>
+              <a:rPr lang="en-US" sz="3600" dirty="0">
+                <a:latin typeface="+mn-lt"/>
+              </a:rPr>
+              <a:t>Conclusion</a:t>
+            </a:r>
+          </a:p>
+        </p:txBody>
+      </p:sp>
+      <p:sp>
+        <p:nvSpPr>
+          <p:cNvPr id="3" name="Content Placeholder 2"/>
+          <p:cNvSpPr>
+            <a:spLocks noGrp="1"/>
+          </p:cNvSpPr>
+          <p:nvPr>
+            <p:ph idx="1"/>
+          </p:nvPr>
+        </p:nvSpPr>
+        <p:spPr>
+          <a:xfrm>
+            <a:off x="838200" y="1825625"/>
+            <a:ext cx="10515600" cy="2775404"/>
+          </a:xfrm>
+        </p:spPr>
+        <p:txBody>
+          <a:bodyPr/>
+          <a:lstStyle/>
+          <a:p>
+            <a:r>
+              <a:rPr lang="en-US" dirty="0"/>
+              <a:t>Recommend contracting better reserve players in all categories. Their production is not up to par when they are on the floor.</a:t>
+            </a:r>
+          </a:p>
+          <a:p>
+            <a:r>
+              <a:rPr lang="en-US" dirty="0"/>
+              <a:t>Contracting a starting Guard or Center that is performing way above the league average and converting your starters into role players. This could increase your reserve production and their individual production shouldn’t dip to much. </a:t>
+            </a:r>
+          </a:p>
+          <a:p>
+            <a:endParaRPr lang="en-US" dirty="0"/>
+          </a:p>
+        </p:txBody>
+      </p:sp>
+    </p:spTree>
+    <p:extLst>
+      <p:ext uri="{BB962C8B-B14F-4D97-AF65-F5344CB8AC3E}">
+        <p14:creationId xmlns:p14="http://schemas.microsoft.com/office/powerpoint/2010/main" val="2030611793"/>
+      </p:ext>
+    </p:extLst>
+  </p:cSld>
+  <p:clrMapOvr>
+    <a:masterClrMapping/>
+  </p:clrMapOvr>
+</p:sld>
+</file>
+
+<file path=ppt/slides/slide47.xml><?xml version="1.0" encoding="utf-8"?>
+<p:sld xmlns:a="http://schemas.openxmlformats.org/drawingml/2006/main" xmlns:r="http://schemas.openxmlformats.org/officeDocument/2006/relationships" xmlns:p="http://schemas.openxmlformats.org/presentationml/2006/main">
+  <p:cSld>
+    <p:spTree>
+      <p:nvGrpSpPr>
+        <p:cNvPr id="1" name=""/>
+        <p:cNvGrpSpPr/>
+        <p:nvPr/>
+      </p:nvGrpSpPr>
+      <p:grpSpPr>
+        <a:xfrm>
+          <a:off x="0" y="0"/>
+          <a:ext cx="0" cy="0"/>
+          <a:chOff x="0" y="0"/>
+          <a:chExt cx="0" cy="0"/>
+        </a:xfrm>
+      </p:grpSpPr>
+      <p:sp>
+        <p:nvSpPr>
+          <p:cNvPr id="4" name="Title 3"/>
+          <p:cNvSpPr>
+            <a:spLocks noGrp="1"/>
+          </p:cNvSpPr>
+          <p:nvPr>
+            <p:ph type="title"/>
+          </p:nvPr>
+        </p:nvSpPr>
+        <p:spPr/>
+        <p:txBody>
+          <a:bodyPr>
+            <a:normAutofit fontScale="90000"/>
+          </a:bodyPr>
+          <a:lstStyle/>
+          <a:p>
+            <a:pPr algn="ctr"/>
+            <a:br>
+              <a:rPr lang="en-US" dirty="0"/>
+            </a:br>
+            <a:r>
+              <a:rPr lang="en-US" dirty="0"/>
+              <a:t>Presented by</a:t>
+            </a:r>
+            <a:br>
+              <a:rPr lang="en-US" dirty="0"/>
+            </a:br>
+            <a:endParaRPr lang="en-US" dirty="0"/>
+          </a:p>
+        </p:txBody>
+      </p:sp>
+      <p:sp>
+        <p:nvSpPr>
+          <p:cNvPr id="5" name="Content Placeholder 4"/>
+          <p:cNvSpPr>
+            <a:spLocks noGrp="1"/>
+          </p:cNvSpPr>
+          <p:nvPr>
+            <p:ph idx="1"/>
+          </p:nvPr>
+        </p:nvSpPr>
+        <p:spPr>
+          <a:xfrm>
+            <a:off x="838200" y="1825625"/>
+            <a:ext cx="10515600" cy="2746375"/>
+          </a:xfrm>
+        </p:spPr>
+        <p:txBody>
+          <a:bodyPr/>
+          <a:lstStyle/>
+          <a:p>
+            <a:pPr marL="0" indent="0" algn="ctr">
+              <a:buNone/>
+            </a:pPr>
+            <a:r>
+              <a:rPr lang="en-US" dirty="0"/>
+              <a:t>Brenton Bethel</a:t>
+            </a:r>
+          </a:p>
+          <a:p>
+            <a:pPr marL="0" indent="0" algn="ctr">
+              <a:buNone/>
+            </a:pPr>
+            <a:r>
+              <a:rPr lang="en-US" dirty="0"/>
+              <a:t>Candace Stingley</a:t>
+            </a:r>
+          </a:p>
+          <a:p>
+            <a:pPr marL="0" indent="0" algn="ctr">
+              <a:buNone/>
+            </a:pPr>
+            <a:r>
+              <a:rPr lang="en-US" dirty="0"/>
+              <a:t>Dario Rangel</a:t>
+            </a:r>
+          </a:p>
+          <a:p>
+            <a:pPr marL="0" indent="0" algn="ctr">
+              <a:buNone/>
+            </a:pPr>
+            <a:r>
+              <a:rPr lang="en-US" dirty="0"/>
+              <a:t>Jessica Richter</a:t>
+            </a:r>
+          </a:p>
+          <a:p>
+            <a:pPr marL="0" indent="0" algn="ctr">
+              <a:buNone/>
+            </a:pPr>
+            <a:r>
+              <a:rPr lang="en-US" dirty="0"/>
+              <a:t>Mark Meinhardt</a:t>
+            </a:r>
+          </a:p>
+        </p:txBody>
+      </p:sp>
+    </p:spTree>
+    <p:extLst>
+      <p:ext uri="{BB962C8B-B14F-4D97-AF65-F5344CB8AC3E}">
+        <p14:creationId xmlns:p14="http://schemas.microsoft.com/office/powerpoint/2010/main" val="2590784503"/>
       </p:ext>
     </p:extLst>
   </p:cSld>
@@ -9646,14 +11269,9 @@
                 </a:solidFill>
                 <a:ea typeface="Calibri" panose="020F0502020204030204" pitchFamily="34" charset="0"/>
                 <a:cs typeface="Times New Roman" panose="02020603050405020304" pitchFamily="18" charset="0"/>
-                <a:hlinkClick r:id="rId2"/>
               </a:rPr>
               <a:t>https://www.basketball-reference.com/teams/ORL/</a:t>
             </a:r>
-            <a:endParaRPr lang="en-US" kern="100" dirty="0">
-              <a:ea typeface="Calibri" panose="020F0502020204030204" pitchFamily="34" charset="0"/>
-              <a:cs typeface="Times New Roman" panose="02020603050405020304" pitchFamily="18" charset="0"/>
-            </a:endParaRPr>
           </a:p>
           <a:p>
             <a:pPr marL="342900" marR="0" lvl="0" indent="-342900">
@@ -9669,13 +11287,58 @@
               <a:buFont typeface="Symbol" panose="05050102010706020507" pitchFamily="18" charset="2"/>
               <a:buChar char=""/>
             </a:pPr>
+            <a:endParaRPr lang="en-US" kern="100" dirty="0">
+              <a:ea typeface="Calibri" panose="020F0502020204030204" pitchFamily="34" charset="0"/>
+              <a:cs typeface="Times New Roman" panose="02020603050405020304" pitchFamily="18" charset="0"/>
+            </a:endParaRPr>
+          </a:p>
+          <a:p>
+            <a:pPr marL="342900" marR="0" lvl="0" indent="-342900">
+              <a:lnSpc>
+                <a:spcPct val="107000"/>
+              </a:lnSpc>
+              <a:spcBef>
+                <a:spcPts val="0"/>
+              </a:spcBef>
+              <a:spcAft>
+                <a:spcPts val="0"/>
+              </a:spcAft>
+              <a:buFont typeface="Symbol" panose="05050102010706020507" pitchFamily="18" charset="2"/>
+              <a:buChar char=""/>
+            </a:pPr>
             <a:r>
               <a:rPr lang="en-US" kern="100" dirty="0">
                 <a:ea typeface="Calibri" panose="020F0502020204030204" pitchFamily="34" charset="0"/>
                 <a:cs typeface="Times New Roman" panose="02020603050405020304" pitchFamily="18" charset="0"/>
               </a:rPr>
-              <a:t>This site is part of a larger reference site called Sports-Reference.com.</a:t>
-            </a:r>
+              <a:t>This site is part of a larger reference site called </a:t>
+            </a:r>
+            <a:r>
+              <a:rPr lang="en-US" u="sng" kern="100" dirty="0">
+                <a:ea typeface="Calibri" panose="020F0502020204030204" pitchFamily="34" charset="0"/>
+                <a:cs typeface="Times New Roman" panose="02020603050405020304" pitchFamily="18" charset="0"/>
+              </a:rPr>
+              <a:t>Sports-Reference.com.</a:t>
+            </a:r>
+          </a:p>
+          <a:p>
+            <a:pPr marL="342900" marR="0" lvl="0" indent="-342900">
+              <a:lnSpc>
+                <a:spcPct val="107000"/>
+              </a:lnSpc>
+              <a:spcBef>
+                <a:spcPts val="0"/>
+              </a:spcBef>
+              <a:spcAft>
+                <a:spcPts val="0"/>
+              </a:spcAft>
+              <a:buFont typeface="Symbol" panose="05050102010706020507" pitchFamily="18" charset="2"/>
+              <a:buChar char=""/>
+            </a:pPr>
+            <a:endParaRPr lang="en-US" kern="100" dirty="0">
+              <a:ea typeface="Calibri" panose="020F0502020204030204" pitchFamily="34" charset="0"/>
+              <a:cs typeface="Times New Roman" panose="02020603050405020304" pitchFamily="18" charset="0"/>
+            </a:endParaRPr>
           </a:p>
           <a:p>
             <a:pPr marL="342900" marR="0" lvl="0" indent="-342900">
@@ -9779,7 +11442,15 @@
           <a:p>
             <a:r>
               <a:rPr lang="en-US" dirty="0"/>
-              <a:t>One source of data was pulled directly from NBA.com and put the into CSV files</a:t>
+              <a:t>One source of data was pulled directly from </a:t>
+            </a:r>
+            <a:r>
+              <a:rPr lang="en-US" u="sng" dirty="0"/>
+              <a:t>NBA.com</a:t>
+            </a:r>
+            <a:r>
+              <a:rPr lang="en-US" dirty="0"/>
+              <a:t> and put the into CSV files</a:t>
             </a:r>
           </a:p>
           <a:p>
@@ -9800,15 +11471,7 @@
           <a:p>
             <a:r>
               <a:rPr lang="en-US" dirty="0"/>
-              <a:t>Data was cleaned using excel to make sure  all of the data was formatted correctly. The data was then imported into a </a:t>
-            </a:r>
-            <a:r>
-              <a:rPr lang="en-US" dirty="0" err="1"/>
-              <a:t>Jupyter</a:t>
-            </a:r>
-            <a:r>
-              <a:rPr lang="en-US" dirty="0"/>
-              <a:t> Notebook for analysis </a:t>
+              <a:t>Data was cleaned using excel to make sure  all of the data was formatted correctly. The data was then imported into a Jupyter Notebook for analysis </a:t>
             </a:r>
           </a:p>
           <a:p>
@@ -9864,11 +11527,7 @@
             <a:pPr algn="ctr"/>
             <a:r>
               <a:rPr lang="en-US" sz="3600" b="1" dirty="0"/>
-              <a:t>API Data Collection using </a:t>
-            </a:r>
-            <a:r>
-              <a:rPr lang="en-US" sz="3600" b="1" dirty="0" err="1"/>
-              <a:t>nba_api</a:t>
+              <a:t>API Data Collection using nba_api</a:t>
             </a:r>
             <a:endParaRPr lang="en-US" dirty="0"/>
           </a:p>
@@ -9891,26 +11550,17 @@
           <a:p>
             <a:r>
               <a:rPr lang="en-US" dirty="0"/>
-              <a:t>One source of data came from the python module </a:t>
-            </a:r>
-            <a:r>
-              <a:rPr lang="en-US" dirty="0" err="1"/>
-              <a:t>nba_api</a:t>
-            </a:r>
-            <a:endParaRPr lang="en-US" dirty="0"/>
-          </a:p>
-          <a:p>
-            <a:r>
-              <a:rPr lang="en-US" dirty="0"/>
-              <a:t>The </a:t>
-            </a:r>
-            <a:r>
-              <a:rPr lang="en-US" dirty="0" err="1"/>
-              <a:t>nba_api</a:t>
-            </a:r>
-            <a:r>
-              <a:rPr lang="en-US" dirty="0"/>
-              <a:t> contains official data from the NBA  and is the source of data for the website NBA.com</a:t>
+              <a:t>One source of data came from the python module nba_api</a:t>
+            </a:r>
+          </a:p>
+          <a:p>
+            <a:r>
+              <a:rPr lang="en-US" dirty="0"/>
+              <a:t>The nba_api contains official data from the NBA  and is the source of data for the website </a:t>
+            </a:r>
+            <a:r>
+              <a:rPr lang="en-US" u="sng" dirty="0"/>
+              <a:t>NBA.com</a:t>
             </a:r>
           </a:p>
           <a:p>
@@ -9922,25 +11572,7 @@
           <a:p>
             <a:r>
               <a:rPr lang="en-US" dirty="0"/>
-              <a:t>The </a:t>
-            </a:r>
-            <a:r>
-              <a:rPr lang="en-US" dirty="0" err="1"/>
-              <a:t>nba_api</a:t>
-            </a:r>
-            <a:r>
-              <a:rPr lang="en-US" dirty="0"/>
-              <a:t> package is Open Source with an </a:t>
-            </a:r>
-            <a:r>
-              <a:rPr lang="en-US" dirty="0">
-                <a:hlinkClick r:id="rId2"/>
-              </a:rPr>
-              <a:t>MIT License</a:t>
-            </a:r>
-            <a:r>
-              <a:rPr lang="en-US" dirty="0"/>
-              <a:t> and does not require an API key</a:t>
+              <a:t>The nba_api package is Open Source with an MIT License and does not require an API key</a:t>
             </a:r>
           </a:p>
         </p:txBody>
@@ -9987,13 +11619,22 @@
         </p:nvSpPr>
         <p:spPr/>
         <p:txBody>
-          <a:bodyPr/>
-          <a:lstStyle/>
-          <a:p>
-            <a:r>
-              <a:rPr lang="en-US" dirty="0"/>
-              <a:t>Dario</a:t>
-            </a:r>
+          <a:bodyPr>
+            <a:normAutofit/>
+          </a:bodyPr>
+          <a:lstStyle/>
+          <a:p>
+            <a:pPr algn="ctr"/>
+            <a:r>
+              <a:rPr lang="en-US" sz="3600" b="1" i="0" dirty="0">
+                <a:effectLst/>
+                <a:latin typeface="+mn-lt"/>
+              </a:rPr>
+              <a:t>Website Data Collection from NBA.com</a:t>
+            </a:r>
+            <a:endParaRPr lang="en-US" sz="3600" b="1" dirty="0">
+              <a:latin typeface="+mn-lt"/>
+            </a:endParaRPr>
           </a:p>
         </p:txBody>
       </p:sp>
@@ -10009,10 +11650,91 @@
         </p:nvSpPr>
         <p:spPr/>
         <p:txBody>
-          <a:bodyPr/>
-          <a:lstStyle/>
-          <a:p>
-            <a:endParaRPr lang="en-US"/>
+          <a:bodyPr>
+            <a:noAutofit/>
+          </a:bodyPr>
+          <a:lstStyle/>
+          <a:p>
+            <a:r>
+              <a:rPr lang="en-US" b="0" i="0" dirty="0">
+                <a:effectLst/>
+              </a:rPr>
+              <a:t>Used </a:t>
+            </a:r>
+            <a:r>
+              <a:rPr lang="en-US" b="0" i="0" u="sng" dirty="0">
+                <a:effectLst/>
+              </a:rPr>
+              <a:t>https://www.nba.com/stats/players/traditional?SeasonType=Regular+Season  </a:t>
+            </a:r>
+            <a:r>
+              <a:rPr lang="en-US" b="0" i="0" dirty="0">
+                <a:effectLst/>
+              </a:rPr>
+              <a:t>to collect the traditional statistics of the 2023 regular season </a:t>
+            </a:r>
+            <a:br>
+              <a:rPr lang="en-US" dirty="0"/>
+            </a:br>
+            <a:r>
+              <a:rPr lang="en-US" b="0" i="0" dirty="0">
+                <a:effectLst/>
+              </a:rPr>
+              <a:t>from the top 200 players made it into a CSV file.</a:t>
+            </a:r>
+          </a:p>
+          <a:p>
+            <a:r>
+              <a:rPr lang="en-US" b="0" i="0" dirty="0">
+                <a:effectLst/>
+              </a:rPr>
+              <a:t>Added a Position column in excel to each of the CSV files. </a:t>
+            </a:r>
+            <a:br>
+              <a:rPr lang="en-US" dirty="0"/>
+            </a:br>
+            <a:r>
+              <a:rPr lang="en-US" b="0" i="0" dirty="0">
+                <a:effectLst/>
+              </a:rPr>
+              <a:t>Created Dataframe with the CSV files of League Leaders and </a:t>
+            </a:r>
+            <a:br>
+              <a:rPr lang="en-US" dirty="0"/>
+            </a:br>
+            <a:r>
+              <a:rPr lang="en-US" b="0" i="0" dirty="0">
+                <a:effectLst/>
+              </a:rPr>
+              <a:t>Orlando Magic Team.</a:t>
+            </a:r>
+          </a:p>
+          <a:p>
+            <a:r>
+              <a:rPr lang="en-US" b="0" i="0" dirty="0">
+                <a:effectLst/>
+              </a:rPr>
+              <a:t>Used the Groupby and .Loc function to sort the data by </a:t>
+            </a:r>
+            <a:br>
+              <a:rPr lang="en-US" dirty="0"/>
+            </a:br>
+            <a:r>
+              <a:rPr lang="en-US" b="0" i="0" dirty="0">
+                <a:effectLst/>
+              </a:rPr>
+              <a:t>position so each player was being compared to similar player </a:t>
+            </a:r>
+            <a:br>
+              <a:rPr lang="en-US" dirty="0"/>
+            </a:br>
+            <a:r>
+              <a:rPr lang="en-US" b="0" i="0" dirty="0">
+                <a:effectLst/>
+              </a:rPr>
+              <a:t>type.</a:t>
+            </a:r>
+            <a:endParaRPr lang="en-US" dirty="0"/>
           </a:p>
         </p:txBody>
       </p:sp>
@@ -10058,7 +11780,7 @@
         </p:nvSpPr>
         <p:spPr>
           <a:xfrm>
-            <a:off x="831850" y="239561"/>
+            <a:off x="831850" y="1932446"/>
             <a:ext cx="10515600" cy="1081239"/>
           </a:xfrm>
         </p:spPr>
@@ -10093,7 +11815,7 @@
         </p:nvSpPr>
         <p:spPr>
           <a:xfrm>
-            <a:off x="831850" y="1721225"/>
+            <a:off x="831850" y="3844315"/>
             <a:ext cx="10515600" cy="1225176"/>
           </a:xfrm>
         </p:spPr>

--- a/NBA.pptx
+++ b/NBA.pptx
@@ -5,7 +5,7 @@
     <p:sldMasterId id="2147483648" r:id="rId1"/>
   </p:sldMasterIdLst>
   <p:notesMasterIdLst>
-    <p:notesMasterId r:id="rId49"/>
+    <p:notesMasterId r:id="rId47"/>
   </p:notesMasterIdLst>
   <p:sldIdLst>
     <p:sldId id="256" r:id="rId2"/>
@@ -47,14 +47,12 @@
     <p:sldId id="316" r:id="rId38"/>
     <p:sldId id="273" r:id="rId39"/>
     <p:sldId id="285" r:id="rId40"/>
-    <p:sldId id="286" r:id="rId41"/>
-    <p:sldId id="305" r:id="rId42"/>
-    <p:sldId id="288" r:id="rId43"/>
-    <p:sldId id="317" r:id="rId44"/>
-    <p:sldId id="318" r:id="rId45"/>
-    <p:sldId id="319" r:id="rId46"/>
-    <p:sldId id="320" r:id="rId47"/>
-    <p:sldId id="296" r:id="rId48"/>
+    <p:sldId id="305" r:id="rId41"/>
+    <p:sldId id="317" r:id="rId42"/>
+    <p:sldId id="318" r:id="rId43"/>
+    <p:sldId id="319" r:id="rId44"/>
+    <p:sldId id="320" r:id="rId45"/>
+    <p:sldId id="296" r:id="rId46"/>
   </p:sldIdLst>
   <p:sldSz cx="12192000" cy="6858000"/>
   <p:notesSz cx="6858000" cy="9144000"/>
@@ -197,9 +195,7 @@
             <p14:sldId id="316"/>
             <p14:sldId id="273"/>
             <p14:sldId id="285"/>
-            <p14:sldId id="286"/>
             <p14:sldId id="305"/>
-            <p14:sldId id="288"/>
             <p14:sldId id="317"/>
             <p14:sldId id="318"/>
             <p14:sldId id="319"/>
@@ -9104,13 +9100,14 @@
             </a:br>
             <a:r>
               <a:rPr lang="en-US" sz="1800" dirty="0"/>
-              <a:t>    5. Is there a question 5</a:t>
-            </a:r>
-          </a:p>
-          <a:p>
-            <a:pPr marL="0" indent="0">
-              <a:buNone/>
-            </a:pPr>
+              <a:t>    5. </a:t>
+            </a:r>
+            <a:r>
+              <a:rPr lang="en-US" sz="1800" b="0" i="0" dirty="0">
+                <a:effectLst/>
+              </a:rPr>
+              <a:t>How do the players compare by position?</a:t>
+            </a:r>
             <a:r>
               <a:rPr lang="en-US" sz="1800" dirty="0"/>
               <a:t>    </a:t>
@@ -10416,39 +10413,72 @@
         </p:nvSpPr>
         <p:spPr/>
         <p:txBody>
+          <a:bodyPr>
+            <a:normAutofit/>
+          </a:bodyPr>
+          <a:lstStyle/>
+          <a:p>
+            <a:r>
+              <a:rPr lang="en-US" sz="3400" b="1" dirty="0">
+                <a:solidFill>
+                  <a:prstClr val="black"/>
+                </a:solidFill>
+              </a:rPr>
+              <a:t>Question 3 – How Does the Magic Compare to the League</a:t>
+            </a:r>
+            <a:endParaRPr lang="en-US" sz="3400" dirty="0"/>
+          </a:p>
+        </p:txBody>
+      </p:sp>
+      <p:sp>
+        <p:nvSpPr>
+          <p:cNvPr id="4" name="Content Placeholder 3"/>
+          <p:cNvSpPr>
+            <a:spLocks noGrp="1"/>
+          </p:cNvSpPr>
+          <p:nvPr>
+            <p:ph idx="1"/>
+          </p:nvPr>
+        </p:nvSpPr>
+        <p:spPr/>
+        <p:txBody>
           <a:bodyPr/>
           <a:lstStyle/>
           <a:p>
             <a:r>
               <a:rPr lang="en-US" dirty="0"/>
-              <a:t>Jessica	</a:t>
-            </a:r>
-          </a:p>
-        </p:txBody>
-      </p:sp>
-      <p:sp>
-        <p:nvSpPr>
-          <p:cNvPr id="4" name="Content Placeholder 3"/>
-          <p:cNvSpPr>
-            <a:spLocks noGrp="1"/>
-          </p:cNvSpPr>
-          <p:nvPr>
-            <p:ph idx="1"/>
-          </p:nvPr>
-        </p:nvSpPr>
-        <p:spPr/>
-        <p:txBody>
-          <a:bodyPr/>
-          <a:lstStyle/>
+              <a:t>My analysis implies that the Orlando Magic is below average in regards to all aspects of scoring. They would benefit greatly from improving both their 3-point percentage and field goal percentage. </a:t>
+            </a:r>
+          </a:p>
           <a:p>
             <a:endParaRPr lang="en-US" dirty="0"/>
+          </a:p>
+          <a:p>
+            <a:r>
+              <a:rPr lang="en-US" dirty="0"/>
+              <a:t>Next Steps:</a:t>
+            </a:r>
+          </a:p>
+          <a:p>
+            <a:pPr lvl="1"/>
+            <a:r>
+              <a:rPr lang="en-US" dirty="0"/>
+              <a:t>Analysis of Free Throw Percentage, Block Rate, and Personal Fouls.</a:t>
+            </a:r>
+          </a:p>
+          <a:p>
+            <a:pPr lvl="1"/>
+            <a:r>
+              <a:rPr lang="en-US" dirty="0"/>
+              <a:t>Finding additional data resources to compare average number of points scored by the other team. </a:t>
+            </a:r>
           </a:p>
         </p:txBody>
       </p:sp>
     </p:spTree>
     <p:extLst>
       <p:ext uri="{BB962C8B-B14F-4D97-AF65-F5344CB8AC3E}">
-        <p14:creationId xmlns:p14="http://schemas.microsoft.com/office/powerpoint/2010/main" val="4112603086"/>
+        <p14:creationId xmlns:p14="http://schemas.microsoft.com/office/powerpoint/2010/main" val="3417303363"/>
       </p:ext>
     </p:extLst>
   </p:cSld>
@@ -10492,21 +10522,19 @@
           </a:bodyPr>
           <a:lstStyle/>
           <a:p>
-            <a:r>
-              <a:rPr lang="en-US" sz="3400" b="1" dirty="0">
-                <a:solidFill>
-                  <a:prstClr val="black"/>
-                </a:solidFill>
+            <a:pPr algn="ctr"/>
+            <a:r>
+              <a:rPr lang="en-US" sz="3600" b="1" dirty="0">
+                <a:latin typeface="+mn-lt"/>
               </a:rPr>
-              <a:t>Question 3 – How Does the Magic Compare to the League</a:t>
-            </a:r>
-            <a:endParaRPr lang="en-US" sz="3400" dirty="0"/>
-          </a:p>
-        </p:txBody>
-      </p:sp>
-      <p:sp>
-        <p:nvSpPr>
-          <p:cNvPr id="4" name="Content Placeholder 3"/>
+              <a:t>Question 5 - Orlando’s Players Strengths</a:t>
+            </a:r>
+          </a:p>
+        </p:txBody>
+      </p:sp>
+      <p:sp>
+        <p:nvSpPr>
+          <p:cNvPr id="3" name="Content Placeholder 2"/>
           <p:cNvSpPr>
             <a:spLocks noGrp="1"/>
           </p:cNvSpPr>
@@ -10514,45 +10542,62 @@
             <p:ph idx="1"/>
           </p:nvPr>
         </p:nvSpPr>
-        <p:spPr/>
-        <p:txBody>
-          <a:bodyPr/>
-          <a:lstStyle/>
-          <a:p>
-            <a:r>
-              <a:rPr lang="en-US" dirty="0"/>
-              <a:t>My analysis implies that the Orlando Magic is below average in regards to all aspects of scoring. They would benefit greatly from improving both their 3-point percentage and field goal percentage. </a:t>
+        <p:spPr>
+          <a:xfrm>
+            <a:off x="838200" y="1825625"/>
+            <a:ext cx="10515600" cy="4226832"/>
+          </a:xfrm>
+        </p:spPr>
+        <p:txBody>
+          <a:bodyPr>
+            <a:normAutofit/>
+          </a:bodyPr>
+          <a:lstStyle/>
+          <a:p>
+            <a:r>
+              <a:rPr lang="en-US" dirty="0"/>
+              <a:t>Franz Wagner and Paolo Banchero were above the league average in every metric related to scoring directly and/or indirectly.</a:t>
+            </a:r>
+          </a:p>
+          <a:p>
+            <a:r>
+              <a:rPr lang="en-US" dirty="0"/>
+              <a:t>Starter Markelle Fultz was above league average in field goal percentage.</a:t>
+            </a:r>
+          </a:p>
+          <a:p>
+            <a:r>
+              <a:rPr lang="en-US" dirty="0"/>
+              <a:t>Starter Markelle Fultz was above league average in assists.</a:t>
+            </a:r>
+          </a:p>
+          <a:p>
+            <a:r>
+              <a:rPr lang="en-US" dirty="0"/>
+              <a:t>Reserve Guard Gary Harris was above league average in 3pt shooting.</a:t>
+            </a:r>
+          </a:p>
+          <a:p>
+            <a:r>
+              <a:rPr lang="en-US" dirty="0"/>
+              <a:t>All but one Center was below league average in 3pt shooting.</a:t>
+            </a:r>
+          </a:p>
+          <a:p>
+            <a:r>
+              <a:rPr lang="en-US" dirty="0"/>
+              <a:t>All but one Guard were below the league average in turnovers.</a:t>
             </a:r>
           </a:p>
           <a:p>
             <a:endParaRPr lang="en-US" dirty="0"/>
-          </a:p>
-          <a:p>
-            <a:r>
-              <a:rPr lang="en-US" dirty="0"/>
-              <a:t>Next Steps:</a:t>
-            </a:r>
-          </a:p>
-          <a:p>
-            <a:pPr lvl="1"/>
-            <a:r>
-              <a:rPr lang="en-US" dirty="0"/>
-              <a:t>Analysis of Free Throw Percentage, Block Rate, and Personal Fouls.</a:t>
-            </a:r>
-          </a:p>
-          <a:p>
-            <a:pPr lvl="1"/>
-            <a:r>
-              <a:rPr lang="en-US" dirty="0"/>
-              <a:t>Finding additional data resources to compare average number of points scored by the other team. </a:t>
-            </a:r>
           </a:p>
         </p:txBody>
       </p:sp>
     </p:spTree>
     <p:extLst>
       <p:ext uri="{BB962C8B-B14F-4D97-AF65-F5344CB8AC3E}">
-        <p14:creationId xmlns:p14="http://schemas.microsoft.com/office/powerpoint/2010/main" val="3417303363"/>
+        <p14:creationId xmlns:p14="http://schemas.microsoft.com/office/powerpoint/2010/main" val="2225401126"/>
       </p:ext>
     </p:extLst>
   </p:cSld>
@@ -10591,12 +10636,17 @@
         </p:nvSpPr>
         <p:spPr/>
         <p:txBody>
-          <a:bodyPr/>
-          <a:lstStyle/>
-          <a:p>
-            <a:r>
-              <a:rPr lang="en-US" dirty="0"/>
-              <a:t>Brenton</a:t>
+          <a:bodyPr>
+            <a:normAutofit/>
+          </a:bodyPr>
+          <a:lstStyle/>
+          <a:p>
+            <a:pPr algn="ctr"/>
+            <a:r>
+              <a:rPr lang="en-US" sz="3600" dirty="0">
+                <a:latin typeface="+mn-lt"/>
+              </a:rPr>
+              <a:t>Orlando’s Players Deficiencies </a:t>
             </a:r>
           </a:p>
         </p:txBody>
@@ -10611,10 +10661,47 @@
             <p:ph idx="1"/>
           </p:nvPr>
         </p:nvSpPr>
-        <p:spPr/>
-        <p:txBody>
-          <a:bodyPr/>
-          <a:lstStyle/>
+        <p:spPr>
+          <a:xfrm>
+            <a:off x="838200" y="1825625"/>
+            <a:ext cx="10515600" cy="4226832"/>
+          </a:xfrm>
+        </p:spPr>
+        <p:txBody>
+          <a:bodyPr>
+            <a:normAutofit lnSpcReduction="10000"/>
+          </a:bodyPr>
+          <a:lstStyle/>
+          <a:p>
+            <a:r>
+              <a:rPr lang="en-US" dirty="0"/>
+              <a:t>Reserve Guards performance in most major statistics categories were at or below league average.</a:t>
+            </a:r>
+          </a:p>
+          <a:p>
+            <a:r>
+              <a:rPr lang="en-US" dirty="0"/>
+              <a:t>Reserve Forwards performance in most major statistics categories were at or below league average.</a:t>
+            </a:r>
+          </a:p>
+          <a:p>
+            <a:r>
+              <a:rPr lang="en-US" dirty="0"/>
+              <a:t>Starting Center performance in key role statistics were at or slightly above league average.</a:t>
+            </a:r>
+          </a:p>
+          <a:p>
+            <a:r>
+              <a:rPr lang="en-US" dirty="0"/>
+              <a:t>All players but Franz Wagner were below the Plus-Minus league average.</a:t>
+            </a:r>
+          </a:p>
+          <a:p>
+            <a:r>
+              <a:rPr lang="en-US" dirty="0"/>
+              <a:t>All players but Franz Wagner, Kevon Harris, and Goga Bitadze had a negative Plus-Minus.</a:t>
+            </a:r>
+          </a:p>
           <a:p>
             <a:endParaRPr lang="en-US" dirty="0"/>
           </a:p>
@@ -10623,7 +10710,7 @@
     </p:spTree>
     <p:extLst>
       <p:ext uri="{BB962C8B-B14F-4D97-AF65-F5344CB8AC3E}">
-        <p14:creationId xmlns:p14="http://schemas.microsoft.com/office/powerpoint/2010/main" val="3275018559"/>
+        <p14:creationId xmlns:p14="http://schemas.microsoft.com/office/powerpoint/2010/main" val="128176156"/>
       </p:ext>
     </p:extLst>
   </p:cSld>
@@ -10669,10 +10756,10 @@
           <a:p>
             <a:pPr algn="ctr"/>
             <a:r>
-              <a:rPr lang="en-US" sz="3600" b="1" dirty="0">
+              <a:rPr lang="en-US" sz="3600" dirty="0">
                 <a:latin typeface="+mn-lt"/>
               </a:rPr>
-              <a:t>Question 5 - Orlando’s Players Strengths</a:t>
+              <a:t>Player Performance Results </a:t>
             </a:r>
           </a:p>
         </p:txBody>
@@ -10690,48 +10777,28 @@
         <p:spPr>
           <a:xfrm>
             <a:off x="838200" y="1825625"/>
-            <a:ext cx="10515600" cy="4226832"/>
-          </a:xfrm>
-        </p:spPr>
-        <p:txBody>
-          <a:bodyPr>
-            <a:normAutofit/>
-          </a:bodyPr>
-          <a:lstStyle/>
-          <a:p>
-            <a:r>
-              <a:rPr lang="en-US" dirty="0"/>
-              <a:t>Franz Wagner and Paolo Banchero were above the league average in every metric related to scoring directly and/or indirectly.</a:t>
-            </a:r>
-          </a:p>
-          <a:p>
-            <a:r>
-              <a:rPr lang="en-US" dirty="0"/>
-              <a:t>Starter Markelle Fultz was above league average in field goal percentage.</a:t>
-            </a:r>
-          </a:p>
-          <a:p>
-            <a:r>
-              <a:rPr lang="en-US" dirty="0"/>
-              <a:t>Starter Markelle Fultz was above league average in assists.</a:t>
-            </a:r>
-          </a:p>
-          <a:p>
-            <a:r>
-              <a:rPr lang="en-US" dirty="0"/>
-              <a:t>Reserve Guard Gary Harris was above league average in 3pt shooting.</a:t>
-            </a:r>
-          </a:p>
-          <a:p>
-            <a:r>
-              <a:rPr lang="en-US" dirty="0"/>
-              <a:t>All but one Center was below league average in 3pt shooting.</a:t>
-            </a:r>
-          </a:p>
-          <a:p>
-            <a:r>
-              <a:rPr lang="en-US" dirty="0"/>
-              <a:t>All but one Guard were below the league average in turnovers.</a:t>
+            <a:ext cx="10515600" cy="2775404"/>
+          </a:xfrm>
+        </p:spPr>
+        <p:txBody>
+          <a:bodyPr/>
+          <a:lstStyle/>
+          <a:p>
+            <a:r>
+              <a:rPr lang="en-US" dirty="0"/>
+              <a:t>Starting Forwards are the strongest unit of the Orlando Magic Team, performed slightly or above the league average.</a:t>
+            </a:r>
+          </a:p>
+          <a:p>
+            <a:r>
+              <a:rPr lang="en-US" dirty="0"/>
+              <a:t>Starting Guards and Center were at or slightly above league average</a:t>
+            </a:r>
+          </a:p>
+          <a:p>
+            <a:r>
+              <a:rPr lang="en-US" dirty="0"/>
+              <a:t>Reserve players production in all roles were mainly below league average.</a:t>
             </a:r>
           </a:p>
           <a:p>
@@ -10742,7 +10809,7 @@
     </p:spTree>
     <p:extLst>
       <p:ext uri="{BB962C8B-B14F-4D97-AF65-F5344CB8AC3E}">
-        <p14:creationId xmlns:p14="http://schemas.microsoft.com/office/powerpoint/2010/main" val="2225401126"/>
+        <p14:creationId xmlns:p14="http://schemas.microsoft.com/office/powerpoint/2010/main" val="4009922992"/>
       </p:ext>
     </p:extLst>
   </p:cSld>
@@ -10791,218 +10858,6 @@
               <a:rPr lang="en-US" sz="3600" dirty="0">
                 <a:latin typeface="+mn-lt"/>
               </a:rPr>
-              <a:t>Orlando’s Players Deficiencies </a:t>
-            </a:r>
-          </a:p>
-        </p:txBody>
-      </p:sp>
-      <p:sp>
-        <p:nvSpPr>
-          <p:cNvPr id="3" name="Content Placeholder 2"/>
-          <p:cNvSpPr>
-            <a:spLocks noGrp="1"/>
-          </p:cNvSpPr>
-          <p:nvPr>
-            <p:ph idx="1"/>
-          </p:nvPr>
-        </p:nvSpPr>
-        <p:spPr>
-          <a:xfrm>
-            <a:off x="838200" y="1825625"/>
-            <a:ext cx="10515600" cy="4226832"/>
-          </a:xfrm>
-        </p:spPr>
-        <p:txBody>
-          <a:bodyPr>
-            <a:normAutofit lnSpcReduction="10000"/>
-          </a:bodyPr>
-          <a:lstStyle/>
-          <a:p>
-            <a:r>
-              <a:rPr lang="en-US" dirty="0"/>
-              <a:t>Reserve Guards performance in most major statistics categories were at or below league average.</a:t>
-            </a:r>
-          </a:p>
-          <a:p>
-            <a:r>
-              <a:rPr lang="en-US" dirty="0"/>
-              <a:t>Reserve Forwards performance in most major statistics categories were at or below league average.</a:t>
-            </a:r>
-          </a:p>
-          <a:p>
-            <a:r>
-              <a:rPr lang="en-US" dirty="0"/>
-              <a:t>Starting Center performance in key role statistics were at or slightly above league average.</a:t>
-            </a:r>
-          </a:p>
-          <a:p>
-            <a:r>
-              <a:rPr lang="en-US" dirty="0"/>
-              <a:t>All players but Franz Wagner were below the Plus-Minus league average.</a:t>
-            </a:r>
-          </a:p>
-          <a:p>
-            <a:r>
-              <a:rPr lang="en-US" dirty="0"/>
-              <a:t>All players but Franz Wagner, Kevon Harris, and Goga Bitadze had a negative Plus-Minus.</a:t>
-            </a:r>
-          </a:p>
-          <a:p>
-            <a:endParaRPr lang="en-US" dirty="0"/>
-          </a:p>
-        </p:txBody>
-      </p:sp>
-    </p:spTree>
-    <p:extLst>
-      <p:ext uri="{BB962C8B-B14F-4D97-AF65-F5344CB8AC3E}">
-        <p14:creationId xmlns:p14="http://schemas.microsoft.com/office/powerpoint/2010/main" val="128176156"/>
-      </p:ext>
-    </p:extLst>
-  </p:cSld>
-  <p:clrMapOvr>
-    <a:masterClrMapping/>
-  </p:clrMapOvr>
-</p:sld>
-</file>
-
-<file path=ppt/slides/slide45.xml><?xml version="1.0" encoding="utf-8"?>
-<p:sld xmlns:a="http://schemas.openxmlformats.org/drawingml/2006/main" xmlns:r="http://schemas.openxmlformats.org/officeDocument/2006/relationships" xmlns:p="http://schemas.openxmlformats.org/presentationml/2006/main">
-  <p:cSld>
-    <p:spTree>
-      <p:nvGrpSpPr>
-        <p:cNvPr id="1" name=""/>
-        <p:cNvGrpSpPr/>
-        <p:nvPr/>
-      </p:nvGrpSpPr>
-      <p:grpSpPr>
-        <a:xfrm>
-          <a:off x="0" y="0"/>
-          <a:ext cx="0" cy="0"/>
-          <a:chOff x="0" y="0"/>
-          <a:chExt cx="0" cy="0"/>
-        </a:xfrm>
-      </p:grpSpPr>
-      <p:sp>
-        <p:nvSpPr>
-          <p:cNvPr id="2" name="Title 1"/>
-          <p:cNvSpPr>
-            <a:spLocks noGrp="1"/>
-          </p:cNvSpPr>
-          <p:nvPr>
-            <p:ph type="title"/>
-          </p:nvPr>
-        </p:nvSpPr>
-        <p:spPr/>
-        <p:txBody>
-          <a:bodyPr>
-            <a:normAutofit/>
-          </a:bodyPr>
-          <a:lstStyle/>
-          <a:p>
-            <a:pPr algn="ctr"/>
-            <a:r>
-              <a:rPr lang="en-US" sz="3600" dirty="0">
-                <a:latin typeface="+mn-lt"/>
-              </a:rPr>
-              <a:t>Player Performance Results </a:t>
-            </a:r>
-          </a:p>
-        </p:txBody>
-      </p:sp>
-      <p:sp>
-        <p:nvSpPr>
-          <p:cNvPr id="3" name="Content Placeholder 2"/>
-          <p:cNvSpPr>
-            <a:spLocks noGrp="1"/>
-          </p:cNvSpPr>
-          <p:nvPr>
-            <p:ph idx="1"/>
-          </p:nvPr>
-        </p:nvSpPr>
-        <p:spPr>
-          <a:xfrm>
-            <a:off x="838200" y="1825625"/>
-            <a:ext cx="10515600" cy="2775404"/>
-          </a:xfrm>
-        </p:spPr>
-        <p:txBody>
-          <a:bodyPr/>
-          <a:lstStyle/>
-          <a:p>
-            <a:r>
-              <a:rPr lang="en-US" dirty="0"/>
-              <a:t>Starting Forwards are the strongest unit of the Orlando Magic Team, performed slightly or above the league average.</a:t>
-            </a:r>
-          </a:p>
-          <a:p>
-            <a:r>
-              <a:rPr lang="en-US" dirty="0"/>
-              <a:t>Starting Guards and Center were at or slightly above league average</a:t>
-            </a:r>
-          </a:p>
-          <a:p>
-            <a:r>
-              <a:rPr lang="en-US" dirty="0"/>
-              <a:t>Reserve players production in all roles were mainly below league average.</a:t>
-            </a:r>
-          </a:p>
-          <a:p>
-            <a:endParaRPr lang="en-US" dirty="0"/>
-          </a:p>
-        </p:txBody>
-      </p:sp>
-    </p:spTree>
-    <p:extLst>
-      <p:ext uri="{BB962C8B-B14F-4D97-AF65-F5344CB8AC3E}">
-        <p14:creationId xmlns:p14="http://schemas.microsoft.com/office/powerpoint/2010/main" val="4009922992"/>
-      </p:ext>
-    </p:extLst>
-  </p:cSld>
-  <p:clrMapOvr>
-    <a:masterClrMapping/>
-  </p:clrMapOvr>
-</p:sld>
-</file>
-
-<file path=ppt/slides/slide46.xml><?xml version="1.0" encoding="utf-8"?>
-<p:sld xmlns:a="http://schemas.openxmlformats.org/drawingml/2006/main" xmlns:r="http://schemas.openxmlformats.org/officeDocument/2006/relationships" xmlns:p="http://schemas.openxmlformats.org/presentationml/2006/main">
-  <p:cSld>
-    <p:spTree>
-      <p:nvGrpSpPr>
-        <p:cNvPr id="1" name=""/>
-        <p:cNvGrpSpPr/>
-        <p:nvPr/>
-      </p:nvGrpSpPr>
-      <p:grpSpPr>
-        <a:xfrm>
-          <a:off x="0" y="0"/>
-          <a:ext cx="0" cy="0"/>
-          <a:chOff x="0" y="0"/>
-          <a:chExt cx="0" cy="0"/>
-        </a:xfrm>
-      </p:grpSpPr>
-      <p:sp>
-        <p:nvSpPr>
-          <p:cNvPr id="2" name="Title 1"/>
-          <p:cNvSpPr>
-            <a:spLocks noGrp="1"/>
-          </p:cNvSpPr>
-          <p:nvPr>
-            <p:ph type="title"/>
-          </p:nvPr>
-        </p:nvSpPr>
-        <p:spPr/>
-        <p:txBody>
-          <a:bodyPr>
-            <a:normAutofit/>
-          </a:bodyPr>
-          <a:lstStyle/>
-          <a:p>
-            <a:pPr algn="ctr"/>
-            <a:r>
-              <a:rPr lang="en-US" sz="3600" dirty="0">
-                <a:latin typeface="+mn-lt"/>
-              </a:rPr>
               <a:t>Conclusion</a:t>
             </a:r>
           </a:p>
@@ -11057,7 +10912,7 @@
 </p:sld>
 </file>
 
-<file path=ppt/slides/slide47.xml><?xml version="1.0" encoding="utf-8"?>
+<file path=ppt/slides/slide45.xml><?xml version="1.0" encoding="utf-8"?>
 <p:sld xmlns:a="http://schemas.openxmlformats.org/drawingml/2006/main" xmlns:r="http://schemas.openxmlformats.org/officeDocument/2006/relationships" xmlns:p="http://schemas.openxmlformats.org/presentationml/2006/main">
   <p:cSld>
     <p:spTree>

--- a/NBA.pptx
+++ b/NBA.pptx
@@ -305,7 +305,7 @@
           <a:p>
             <a:fld id="{2BDC494C-2600-49DE-8E12-4ADCEEE338A0}" type="datetimeFigureOut">
               <a:rPr lang="en-US" smtClean="0"/>
-              <a:t>5/4/23</a:t>
+              <a:t>5/4/2023</a:t>
             </a:fld>
             <a:endParaRPr lang="en-US" dirty="0"/>
           </a:p>
@@ -1402,7 +1402,7 @@
           <a:p>
             <a:fld id="{D0854996-1FBB-4E33-95BB-317CB7872D99}" type="datetimeFigureOut">
               <a:rPr lang="en-US" smtClean="0"/>
-              <a:t>5/4/23</a:t>
+              <a:t>5/4/2023</a:t>
             </a:fld>
             <a:endParaRPr lang="en-US" dirty="0"/>
           </a:p>
@@ -1600,7 +1600,7 @@
           <a:p>
             <a:fld id="{D0854996-1FBB-4E33-95BB-317CB7872D99}" type="datetimeFigureOut">
               <a:rPr lang="en-US" smtClean="0"/>
-              <a:t>5/4/23</a:t>
+              <a:t>5/4/2023</a:t>
             </a:fld>
             <a:endParaRPr lang="en-US" dirty="0"/>
           </a:p>
@@ -1808,7 +1808,7 @@
           <a:p>
             <a:fld id="{D0854996-1FBB-4E33-95BB-317CB7872D99}" type="datetimeFigureOut">
               <a:rPr lang="en-US" smtClean="0"/>
-              <a:t>5/4/23</a:t>
+              <a:t>5/4/2023</a:t>
             </a:fld>
             <a:endParaRPr lang="en-US" dirty="0"/>
           </a:p>
@@ -2006,7 +2006,7 @@
           <a:p>
             <a:fld id="{D0854996-1FBB-4E33-95BB-317CB7872D99}" type="datetimeFigureOut">
               <a:rPr lang="en-US" smtClean="0"/>
-              <a:t>5/4/23</a:t>
+              <a:t>5/4/2023</a:t>
             </a:fld>
             <a:endParaRPr lang="en-US" dirty="0"/>
           </a:p>
@@ -2281,7 +2281,7 @@
           <a:p>
             <a:fld id="{D0854996-1FBB-4E33-95BB-317CB7872D99}" type="datetimeFigureOut">
               <a:rPr lang="en-US" smtClean="0"/>
-              <a:t>5/4/23</a:t>
+              <a:t>5/4/2023</a:t>
             </a:fld>
             <a:endParaRPr lang="en-US" dirty="0"/>
           </a:p>
@@ -2546,7 +2546,7 @@
           <a:p>
             <a:fld id="{D0854996-1FBB-4E33-95BB-317CB7872D99}" type="datetimeFigureOut">
               <a:rPr lang="en-US" smtClean="0"/>
-              <a:t>5/4/23</a:t>
+              <a:t>5/4/2023</a:t>
             </a:fld>
             <a:endParaRPr lang="en-US" dirty="0"/>
           </a:p>
@@ -2958,7 +2958,7 @@
           <a:p>
             <a:fld id="{D0854996-1FBB-4E33-95BB-317CB7872D99}" type="datetimeFigureOut">
               <a:rPr lang="en-US" smtClean="0"/>
-              <a:t>5/4/23</a:t>
+              <a:t>5/4/2023</a:t>
             </a:fld>
             <a:endParaRPr lang="en-US" dirty="0"/>
           </a:p>
@@ -3099,7 +3099,7 @@
           <a:p>
             <a:fld id="{D0854996-1FBB-4E33-95BB-317CB7872D99}" type="datetimeFigureOut">
               <a:rPr lang="en-US" smtClean="0"/>
-              <a:t>5/4/23</a:t>
+              <a:t>5/4/2023</a:t>
             </a:fld>
             <a:endParaRPr lang="en-US" dirty="0"/>
           </a:p>
@@ -3212,7 +3212,7 @@
           <a:p>
             <a:fld id="{D0854996-1FBB-4E33-95BB-317CB7872D99}" type="datetimeFigureOut">
               <a:rPr lang="en-US" smtClean="0"/>
-              <a:t>5/4/23</a:t>
+              <a:t>5/4/2023</a:t>
             </a:fld>
             <a:endParaRPr lang="en-US" dirty="0"/>
           </a:p>
@@ -3523,7 +3523,7 @@
           <a:p>
             <a:fld id="{D0854996-1FBB-4E33-95BB-317CB7872D99}" type="datetimeFigureOut">
               <a:rPr lang="en-US" smtClean="0"/>
-              <a:t>5/4/23</a:t>
+              <a:t>5/4/2023</a:t>
             </a:fld>
             <a:endParaRPr lang="en-US" dirty="0"/>
           </a:p>
@@ -3811,7 +3811,7 @@
           <a:p>
             <a:fld id="{D0854996-1FBB-4E33-95BB-317CB7872D99}" type="datetimeFigureOut">
               <a:rPr lang="en-US" smtClean="0"/>
-              <a:t>5/4/23</a:t>
+              <a:t>5/4/2023</a:t>
             </a:fld>
             <a:endParaRPr lang="en-US" dirty="0"/>
           </a:p>
@@ -4052,7 +4052,7 @@
           <a:p>
             <a:fld id="{D0854996-1FBB-4E33-95BB-317CB7872D99}" type="datetimeFigureOut">
               <a:rPr lang="en-US" smtClean="0"/>
-              <a:t>5/4/23</a:t>
+              <a:t>5/4/2023</a:t>
             </a:fld>
             <a:endParaRPr lang="en-US" dirty="0"/>
           </a:p>
@@ -10518,7 +10518,7 @@
         <p:spPr/>
         <p:txBody>
           <a:bodyPr>
-            <a:normAutofit/>
+            <a:normAutofit fontScale="90000"/>
           </a:bodyPr>
           <a:lstStyle/>
           <a:p>
@@ -10527,7 +10527,18 @@
               <a:rPr lang="en-US" sz="3600" b="1" dirty="0">
                 <a:latin typeface="+mn-lt"/>
               </a:rPr>
-              <a:t>Question 5 - Orlando’s Players Strengths</a:t>
+              <a:t>Question 5: How do the Orlando Magics Player’s Performance compare to similar players in the league?</a:t>
+            </a:r>
+            <a:br>
+              <a:rPr lang="en-US" sz="3600" b="1" dirty="0">
+                <a:latin typeface="+mn-lt"/>
+              </a:rPr>
+            </a:br>
+            <a:r>
+              <a:rPr lang="en-US" sz="3600" b="1" dirty="0">
+                <a:latin typeface="+mn-lt"/>
+              </a:rPr>
+              <a:t> Orlando’s Players Strengths</a:t>
             </a:r>
           </a:p>
         </p:txBody>
